--- a/Organizacional/Organograma.pptx
+++ b/Organizacional/Organograma.pptx
@@ -6461,8 +6461,8 @@
     <dgm:cxn modelId="{BD82AE84-A8FF-4BEB-851F-0986B53F6C36}" type="presOf" srcId="{D355140D-4FC9-416F-A866-15207BB93A08}" destId="{5696C0E3-B211-4763-883F-E9D854ECCE12}" srcOrd="0" destOrd="0" presId="urn:microsoft.com/office/officeart/2005/8/layout/hierarchy1"/>
     <dgm:cxn modelId="{8F96B27A-3EF5-4405-93B5-1FC97A5A8D5C}" srcId="{9ECED828-20B7-4B2D-A93F-4EAD25BFD086}" destId="{AF2A3F81-0CE3-4CF8-8B9D-732DF119BFF4}" srcOrd="1" destOrd="0" parTransId="{848B06E5-537C-43E8-87F9-BC5BAD5AB5FA}" sibTransId="{8F992BB8-F7F5-4BD1-939B-51E9B18CC91D}"/>
     <dgm:cxn modelId="{B9AB923B-A917-4CFC-8060-2FCC91605EC8}" type="presOf" srcId="{F2C93FE7-54E4-4670-915E-4B14943BFF6B}" destId="{DAB129AD-61E3-4C3D-98C6-4C4929056B77}" srcOrd="0" destOrd="0" presId="urn:microsoft.com/office/officeart/2005/8/layout/hierarchy1"/>
+    <dgm:cxn modelId="{2750BE9E-A166-4A8E-B64A-D61EAC00ADFD}" type="presOf" srcId="{31B6728D-5C8B-43AC-94BC-A8B2632C9DD2}" destId="{A293289B-563D-42CD-AA9F-0B18A876B89D}" srcOrd="0" destOrd="0" presId="urn:microsoft.com/office/officeart/2005/8/layout/hierarchy1"/>
     <dgm:cxn modelId="{CF44D556-3452-41C4-B412-F3CDD1CF865E}" type="presOf" srcId="{1305A32B-F53F-4A77-840B-83014031EBAB}" destId="{B5F7D70D-41E5-4222-BD1D-AD20E7AC91FF}" srcOrd="0" destOrd="0" presId="urn:microsoft.com/office/officeart/2005/8/layout/hierarchy1"/>
-    <dgm:cxn modelId="{2750BE9E-A166-4A8E-B64A-D61EAC00ADFD}" type="presOf" srcId="{31B6728D-5C8B-43AC-94BC-A8B2632C9DD2}" destId="{A293289B-563D-42CD-AA9F-0B18A876B89D}" srcOrd="0" destOrd="0" presId="urn:microsoft.com/office/officeart/2005/8/layout/hierarchy1"/>
     <dgm:cxn modelId="{0455ECFD-A3B6-427E-A948-101D1B69B1A5}" type="presOf" srcId="{A249F905-7E9B-463A-A1AA-5B49E024D231}" destId="{9D2BBD37-63E2-476E-B290-6B14BD77FDD6}" srcOrd="0" destOrd="0" presId="urn:microsoft.com/office/officeart/2005/8/layout/hierarchy1"/>
     <dgm:cxn modelId="{A9CC7C4E-AA32-4C16-89E4-31A41B25EEEE}" srcId="{9ECED828-20B7-4B2D-A93F-4EAD25BFD086}" destId="{F2C93FE7-54E4-4670-915E-4B14943BFF6B}" srcOrd="2" destOrd="0" parTransId="{4559A152-1AA8-458C-9F9C-099623C92D83}" sibTransId="{4825DD2A-1737-46EF-B20F-F3B5A2E8E290}"/>
     <dgm:cxn modelId="{6E2CB92A-1E6F-4B5E-B5F1-59B0C94916CC}" type="presOf" srcId="{92E1E5D2-7D02-4C3E-9970-7D074236425A}" destId="{747AA2CD-9090-41F3-8753-F0F696508754}" srcOrd="0" destOrd="0" presId="urn:microsoft.com/office/officeart/2005/8/layout/hierarchy1"/>
@@ -8338,57 +8338,57 @@
     </dgm:pt>
   </dgm:ptLst>
   <dgm:cxnLst>
-    <dgm:cxn modelId="{FFB56B99-FAD4-4197-8DAB-7D7BB74D1B33}" type="presOf" srcId="{9ECED828-20B7-4B2D-A93F-4EAD25BFD086}" destId="{1B9E0DAD-0BD9-4E8D-BCD5-18F262F55CFB}" srcOrd="0" destOrd="0" presId="urn:microsoft.com/office/officeart/2008/layout/HorizontalMultiLevelHierarchy"/>
+    <dgm:cxn modelId="{6011AFEE-EDC6-4608-B095-FF5C93BBE206}" type="presOf" srcId="{3F5E312B-6EF7-4EDF-8A6E-A8B57B7B8553}" destId="{CCA58538-5F31-407F-8820-5D3C90037882}" srcOrd="0" destOrd="0" presId="urn:microsoft.com/office/officeart/2008/layout/HorizontalMultiLevelHierarchy"/>
+    <dgm:cxn modelId="{E76B759A-9F75-41CB-991B-BFA3D466C729}" type="presOf" srcId="{6FBC4581-86F6-4C7F-9109-47646AAB714D}" destId="{8051C435-8DA7-404D-8264-C71A9D746F7D}" srcOrd="0" destOrd="0" presId="urn:microsoft.com/office/officeart/2008/layout/HorizontalMultiLevelHierarchy"/>
+    <dgm:cxn modelId="{061A38D8-464D-4CB9-BDF2-3677741F2C8C}" type="presOf" srcId="{4559A152-1AA8-458C-9F9C-099623C92D83}" destId="{229D4D87-460B-408F-BE6F-6A2F6B93DB90}" srcOrd="1" destOrd="0" presId="urn:microsoft.com/office/officeart/2008/layout/HorizontalMultiLevelHierarchy"/>
+    <dgm:cxn modelId="{37AFFAD8-92CB-4312-865C-6150BCE8C700}" type="presOf" srcId="{CA4EE4C9-026B-411B-9A01-3C197BB7ACA8}" destId="{D7BC3105-A45A-461A-92AE-12691C5C83DE}" srcOrd="1" destOrd="0" presId="urn:microsoft.com/office/officeart/2008/layout/HorizontalMultiLevelHierarchy"/>
+    <dgm:cxn modelId="{00FBCAC7-1564-418B-B183-B29965D15CEE}" type="presOf" srcId="{07F8895F-73C6-48E7-92FB-A7AE3FFD5D24}" destId="{E0114842-CF04-40AC-87A7-B84EED6BD153}" srcOrd="0" destOrd="0" presId="urn:microsoft.com/office/officeart/2008/layout/HorizontalMultiLevelHierarchy"/>
+    <dgm:cxn modelId="{18D433DC-AD70-4612-8DDA-9B30D273E759}" srcId="{F93B4164-9EC1-42D3-806C-40DEB15B52A7}" destId="{07F8895F-73C6-48E7-92FB-A7AE3FFD5D24}" srcOrd="1" destOrd="0" parTransId="{92415CBB-27B4-4080-BBB5-D825828986B1}" sibTransId="{538EBC35-31FC-4ABD-B8ED-DB204F550954}"/>
+    <dgm:cxn modelId="{A4393412-6DCF-4282-ACA6-5B6306D9D420}" type="presOf" srcId="{D355140D-4FC9-416F-A866-15207BB93A08}" destId="{C65886F2-484F-4FA4-9A70-4CE0BE6A5621}" srcOrd="0" destOrd="0" presId="urn:microsoft.com/office/officeart/2008/layout/HorizontalMultiLevelHierarchy"/>
+    <dgm:cxn modelId="{DFA7CE55-0066-4BD6-8E38-9A858BEC2266}" type="presOf" srcId="{F5F6D209-3F75-4719-98E5-1E37B5F48EC0}" destId="{6DB84F7B-BDC6-4A71-91DA-1150818AF0B9}" srcOrd="1" destOrd="0" presId="urn:microsoft.com/office/officeart/2008/layout/HorizontalMultiLevelHierarchy"/>
+    <dgm:cxn modelId="{9436A9A5-433D-4B30-A4A8-75189D2825D8}" srcId="{A444AA9D-E1CC-4E62-814D-39D4D31992AE}" destId="{0506413A-558B-472B-82C9-BE94B49A70FA}" srcOrd="0" destOrd="0" parTransId="{0A90790D-756E-4003-B92C-09BB2A643E69}" sibTransId="{E8E389D4-B575-4AAB-BEE3-1A7AA2C70884}"/>
+    <dgm:cxn modelId="{6F6014F5-B632-477D-B6F6-162B486A8B34}" srcId="{A444AA9D-E1CC-4E62-814D-39D4D31992AE}" destId="{F93B4164-9EC1-42D3-806C-40DEB15B52A7}" srcOrd="1" destOrd="0" parTransId="{F5F6D209-3F75-4719-98E5-1E37B5F48EC0}" sibTransId="{2F20BDA6-3A49-4926-81E5-6B1B010ED1AF}"/>
+    <dgm:cxn modelId="{2D112C75-D201-4036-9130-06E9BD1D70A0}" type="presOf" srcId="{6FBC4581-86F6-4C7F-9109-47646AAB714D}" destId="{A6754C6A-0303-47E6-9E0F-5A6B5C7B9CAB}" srcOrd="1" destOrd="0" presId="urn:microsoft.com/office/officeart/2008/layout/HorizontalMultiLevelHierarchy"/>
+    <dgm:cxn modelId="{B4FA3989-200C-4FA7-A478-6CA0C14FA80C}" type="presOf" srcId="{A444AA9D-E1CC-4E62-814D-39D4D31992AE}" destId="{FB4C853B-BB6F-492F-B893-EB6A0F01D6E2}" srcOrd="0" destOrd="0" presId="urn:microsoft.com/office/officeart/2008/layout/HorizontalMultiLevelHierarchy"/>
+    <dgm:cxn modelId="{C6313B19-04F4-43F3-AECF-E066956E362E}" type="presOf" srcId="{31B6728D-5C8B-43AC-94BC-A8B2632C9DD2}" destId="{A921164A-909D-4F95-AA0B-2B9241EEB149}" srcOrd="1" destOrd="0" presId="urn:microsoft.com/office/officeart/2008/layout/HorizontalMultiLevelHierarchy"/>
+    <dgm:cxn modelId="{1DCAE597-38BB-4B19-9509-A3CA0C074245}" srcId="{9ECED828-20B7-4B2D-A93F-4EAD25BFD086}" destId="{1305A32B-F53F-4A77-840B-83014031EBAB}" srcOrd="0" destOrd="0" parTransId="{7DD96D21-5819-489B-A882-E950BB53A72A}" sibTransId="{8CCA59AE-E1D5-48C9-8E98-DDACD206BDDF}"/>
+    <dgm:cxn modelId="{3218D3FC-7D5B-4AF1-BDFB-1D70CF20D348}" srcId="{0506413A-558B-472B-82C9-BE94B49A70FA}" destId="{98751D4E-4884-450C-AD94-5B82E706CE56}" srcOrd="0" destOrd="0" parTransId="{D355140D-4FC9-416F-A866-15207BB93A08}" sibTransId="{73770108-0E46-4D73-BA34-3DE8470E71F7}"/>
+    <dgm:cxn modelId="{32D446C1-AC16-4A55-9AAC-01BD3BB14358}" type="presOf" srcId="{848B06E5-537C-43E8-87F9-BC5BAD5AB5FA}" destId="{48733062-058C-4B6F-97D7-5560BA5F4255}" srcOrd="0" destOrd="0" presId="urn:microsoft.com/office/officeart/2008/layout/HorizontalMultiLevelHierarchy"/>
+    <dgm:cxn modelId="{BBC65A9E-402F-4833-84FC-E3C930023638}" srcId="{F93B4164-9EC1-42D3-806C-40DEB15B52A7}" destId="{AF5C623A-49EA-4F08-88E0-4FE93508D05B}" srcOrd="2" destOrd="0" parTransId="{31B6728D-5C8B-43AC-94BC-A8B2632C9DD2}" sibTransId="{13DAA6BF-0802-4868-AFAB-1A8A8F79CD58}"/>
+    <dgm:cxn modelId="{53450BC9-759A-475A-A9DE-8850EBE46187}" type="presOf" srcId="{F93B4164-9EC1-42D3-806C-40DEB15B52A7}" destId="{3C3E0816-5705-4E6C-8969-C89EDD58EB3E}" srcOrd="0" destOrd="0" presId="urn:microsoft.com/office/officeart/2008/layout/HorizontalMultiLevelHierarchy"/>
     <dgm:cxn modelId="{AEF31F5B-98BF-4C06-BD37-94A9D4C7AE6E}" type="presOf" srcId="{7DD96D21-5819-489B-A882-E950BB53A72A}" destId="{12208590-E1AB-4C96-94C2-1F78BF1546C9}" srcOrd="1" destOrd="0" presId="urn:microsoft.com/office/officeart/2008/layout/HorizontalMultiLevelHierarchy"/>
-    <dgm:cxn modelId="{DFA7CE55-0066-4BD6-8E38-9A858BEC2266}" type="presOf" srcId="{F5F6D209-3F75-4719-98E5-1E37B5F48EC0}" destId="{6DB84F7B-BDC6-4A71-91DA-1150818AF0B9}" srcOrd="1" destOrd="0" presId="urn:microsoft.com/office/officeart/2008/layout/HorizontalMultiLevelHierarchy"/>
-    <dgm:cxn modelId="{C5336267-E766-4834-9225-93E97BFC9AD9}" type="presOf" srcId="{AF5C623A-49EA-4F08-88E0-4FE93508D05B}" destId="{E99F9C08-0BEA-4C16-91BF-2116FE85C21F}" srcOrd="0" destOrd="0" presId="urn:microsoft.com/office/officeart/2008/layout/HorizontalMultiLevelHierarchy"/>
+    <dgm:cxn modelId="{BFEF1467-E38D-493C-9F4C-4C01591E5BAD}" type="presOf" srcId="{92415CBB-27B4-4080-BBB5-D825828986B1}" destId="{9538D2BB-301B-451B-8599-405E59278288}" srcOrd="0" destOrd="0" presId="urn:microsoft.com/office/officeart/2008/layout/HorizontalMultiLevelHierarchy"/>
+    <dgm:cxn modelId="{36386402-4C22-4DC0-8D2B-FC682BA703C3}" type="presOf" srcId="{31B6728D-5C8B-43AC-94BC-A8B2632C9DD2}" destId="{97B24307-33B5-4CB0-B76D-281BF65B79AD}" srcOrd="0" destOrd="0" presId="urn:microsoft.com/office/officeart/2008/layout/HorizontalMultiLevelHierarchy"/>
     <dgm:cxn modelId="{096E0625-3E17-4225-8645-7B8A376F6BF8}" type="presOf" srcId="{F144EDDD-F771-4871-A577-81D9D6C05FC7}" destId="{30963272-EB8F-47AA-BFF2-955C2811DFFF}" srcOrd="0" destOrd="0" presId="urn:microsoft.com/office/officeart/2008/layout/HorizontalMultiLevelHierarchy"/>
-    <dgm:cxn modelId="{6A7199B8-D5C4-4D52-8EC8-81D7EE617735}" type="presOf" srcId="{0506413A-558B-472B-82C9-BE94B49A70FA}" destId="{79FFF4B9-42FE-436C-9F25-EDD9790AB24C}" srcOrd="0" destOrd="0" presId="urn:microsoft.com/office/officeart/2008/layout/HorizontalMultiLevelHierarchy"/>
-    <dgm:cxn modelId="{B4FA3989-200C-4FA7-A478-6CA0C14FA80C}" type="presOf" srcId="{A444AA9D-E1CC-4E62-814D-39D4D31992AE}" destId="{FB4C853B-BB6F-492F-B893-EB6A0F01D6E2}" srcOrd="0" destOrd="0" presId="urn:microsoft.com/office/officeart/2008/layout/HorizontalMultiLevelHierarchy"/>
-    <dgm:cxn modelId="{6DFA824E-87CE-492A-89AE-904245E894A1}" type="presOf" srcId="{A249F905-7E9B-463A-A1AA-5B49E024D231}" destId="{AD21DAB7-013E-432F-843A-0BC3E8BD44CA}" srcOrd="1" destOrd="0" presId="urn:microsoft.com/office/officeart/2008/layout/HorizontalMultiLevelHierarchy"/>
-    <dgm:cxn modelId="{7402757E-779A-4D6A-AE44-C60E5E850750}" type="presOf" srcId="{7DD96D21-5819-489B-A882-E950BB53A72A}" destId="{84CA2BE5-5298-45B2-B15A-C33118F09254}" srcOrd="0" destOrd="0" presId="urn:microsoft.com/office/officeart/2008/layout/HorizontalMultiLevelHierarchy"/>
-    <dgm:cxn modelId="{843C398F-6863-42DC-AE87-C9F926F4EE68}" type="presOf" srcId="{C765C892-DFA3-4AB0-AAC5-DEA76887D9F3}" destId="{9FACD6B0-9668-4AA9-A6D4-263EF07838FC}" srcOrd="0" destOrd="0" presId="urn:microsoft.com/office/officeart/2008/layout/HorizontalMultiLevelHierarchy"/>
-    <dgm:cxn modelId="{32D446C1-AC16-4A55-9AAC-01BD3BB14358}" type="presOf" srcId="{848B06E5-537C-43E8-87F9-BC5BAD5AB5FA}" destId="{48733062-058C-4B6F-97D7-5560BA5F4255}" srcOrd="0" destOrd="0" presId="urn:microsoft.com/office/officeart/2008/layout/HorizontalMultiLevelHierarchy"/>
-    <dgm:cxn modelId="{7B9E54CF-77D9-48DC-9E83-2BB0E3BD1754}" type="presOf" srcId="{0A90790D-756E-4003-B92C-09BB2A643E69}" destId="{121DC703-A55C-4199-B0D0-A596D3CF6EA1}" srcOrd="1" destOrd="0" presId="urn:microsoft.com/office/officeart/2008/layout/HorizontalMultiLevelHierarchy"/>
-    <dgm:cxn modelId="{061A38D8-464D-4CB9-BDF2-3677741F2C8C}" type="presOf" srcId="{4559A152-1AA8-458C-9F9C-099623C92D83}" destId="{229D4D87-460B-408F-BE6F-6A2F6B93DB90}" srcOrd="1" destOrd="0" presId="urn:microsoft.com/office/officeart/2008/layout/HorizontalMultiLevelHierarchy"/>
-    <dgm:cxn modelId="{53450BC9-759A-475A-A9DE-8850EBE46187}" type="presOf" srcId="{F93B4164-9EC1-42D3-806C-40DEB15B52A7}" destId="{3C3E0816-5705-4E6C-8969-C89EDD58EB3E}" srcOrd="0" destOrd="0" presId="urn:microsoft.com/office/officeart/2008/layout/HorizontalMultiLevelHierarchy"/>
-    <dgm:cxn modelId="{DAADA83B-7B1F-4341-8871-8FCAA93F9A02}" srcId="{F93B4164-9EC1-42D3-806C-40DEB15B52A7}" destId="{F144EDDD-F771-4871-A577-81D9D6C05FC7}" srcOrd="3" destOrd="0" parTransId="{6FBC4581-86F6-4C7F-9109-47646AAB714D}" sibTransId="{BFB240A7-34E7-4A92-AD3A-E4A24FE8D265}"/>
-    <dgm:cxn modelId="{3218D3FC-7D5B-4AF1-BDFB-1D70CF20D348}" srcId="{0506413A-558B-472B-82C9-BE94B49A70FA}" destId="{98751D4E-4884-450C-AD94-5B82E706CE56}" srcOrd="0" destOrd="0" parTransId="{D355140D-4FC9-416F-A866-15207BB93A08}" sibTransId="{73770108-0E46-4D73-BA34-3DE8470E71F7}"/>
-    <dgm:cxn modelId="{37AFFAD8-92CB-4312-865C-6150BCE8C700}" type="presOf" srcId="{CA4EE4C9-026B-411B-9A01-3C197BB7ACA8}" destId="{D7BC3105-A45A-461A-92AE-12691C5C83DE}" srcOrd="1" destOrd="0" presId="urn:microsoft.com/office/officeart/2008/layout/HorizontalMultiLevelHierarchy"/>
-    <dgm:cxn modelId="{36386402-4C22-4DC0-8D2B-FC682BA703C3}" type="presOf" srcId="{31B6728D-5C8B-43AC-94BC-A8B2632C9DD2}" destId="{97B24307-33B5-4CB0-B76D-281BF65B79AD}" srcOrd="0" destOrd="0" presId="urn:microsoft.com/office/officeart/2008/layout/HorizontalMultiLevelHierarchy"/>
-    <dgm:cxn modelId="{0B4324D5-24E1-4062-8827-79ACA2B93C66}" type="presOf" srcId="{AF2A3F81-0CE3-4CF8-8B9D-732DF119BFF4}" destId="{7625D988-39FD-4B3C-A47D-B9E56CCED01E}" srcOrd="0" destOrd="0" presId="urn:microsoft.com/office/officeart/2008/layout/HorizontalMultiLevelHierarchy"/>
-    <dgm:cxn modelId="{17CDB77D-3880-4D59-88BE-59E0FBCD065C}" type="presOf" srcId="{D355140D-4FC9-416F-A866-15207BB93A08}" destId="{BCAC5B21-01F3-495C-B2EC-F1BEFA1DB2BF}" srcOrd="1" destOrd="0" presId="urn:microsoft.com/office/officeart/2008/layout/HorizontalMultiLevelHierarchy"/>
-    <dgm:cxn modelId="{2E412CEC-C56B-4E3C-841E-FCFB839E46F8}" srcId="{F93B4164-9EC1-42D3-806C-40DEB15B52A7}" destId="{3F5E312B-6EF7-4EDF-8A6E-A8B57B7B8553}" srcOrd="0" destOrd="0" parTransId="{AADEFECA-4BEB-4B0E-B3C1-A90916704ED7}" sibTransId="{71963E46-FAC2-4FAD-BBEE-F875DE933911}"/>
-    <dgm:cxn modelId="{043AEE5E-DC08-4BB7-8242-6C2636CDB038}" type="presOf" srcId="{F5F6D209-3F75-4719-98E5-1E37B5F48EC0}" destId="{8F111FD4-E5F9-401D-BB06-6B339BE5DFD0}" srcOrd="0" destOrd="0" presId="urn:microsoft.com/office/officeart/2008/layout/HorizontalMultiLevelHierarchy"/>
-    <dgm:cxn modelId="{9436A9A5-433D-4B30-A4A8-75189D2825D8}" srcId="{A444AA9D-E1CC-4E62-814D-39D4D31992AE}" destId="{0506413A-558B-472B-82C9-BE94B49A70FA}" srcOrd="0" destOrd="0" parTransId="{0A90790D-756E-4003-B92C-09BB2A643E69}" sibTransId="{E8E389D4-B575-4AAB-BEE3-1A7AA2C70884}"/>
-    <dgm:cxn modelId="{C13219DB-C16F-451F-8FC3-331E6CD928F4}" type="presOf" srcId="{98751D4E-4884-450C-AD94-5B82E706CE56}" destId="{898624B7-AA7A-47BD-9A15-01438475277E}" srcOrd="0" destOrd="0" presId="urn:microsoft.com/office/officeart/2008/layout/HorizontalMultiLevelHierarchy"/>
-    <dgm:cxn modelId="{C6313B19-04F4-43F3-AECF-E066956E362E}" type="presOf" srcId="{31B6728D-5C8B-43AC-94BC-A8B2632C9DD2}" destId="{A921164A-909D-4F95-AA0B-2B9241EEB149}" srcOrd="1" destOrd="0" presId="urn:microsoft.com/office/officeart/2008/layout/HorizontalMultiLevelHierarchy"/>
-    <dgm:cxn modelId="{765D3C63-6D09-44DE-9F2A-0A19594BB5C0}" type="presOf" srcId="{92415CBB-27B4-4080-BBB5-D825828986B1}" destId="{9F439192-95B3-453B-967B-947D0609BB3E}" srcOrd="1" destOrd="0" presId="urn:microsoft.com/office/officeart/2008/layout/HorizontalMultiLevelHierarchy"/>
-    <dgm:cxn modelId="{6F3327F8-89A7-46BD-B8AB-71C8E941A393}" type="presOf" srcId="{92E1E5D2-7D02-4C3E-9970-7D074236425A}" destId="{7D94843E-4D27-498D-8AB2-E7C0FFD8D454}" srcOrd="0" destOrd="0" presId="urn:microsoft.com/office/officeart/2008/layout/HorizontalMultiLevelHierarchy"/>
-    <dgm:cxn modelId="{9C1F3823-88D3-4167-B005-9BD71E1316C7}" srcId="{A444AA9D-E1CC-4E62-814D-39D4D31992AE}" destId="{9ECED828-20B7-4B2D-A93F-4EAD25BFD086}" srcOrd="2" destOrd="0" parTransId="{A249F905-7E9B-463A-A1AA-5B49E024D231}" sibTransId="{166FDE58-11FD-43FE-A90F-212AA78F1E9A}"/>
-    <dgm:cxn modelId="{5653D98F-339E-4EA3-B90C-FA2B7912C796}" type="presOf" srcId="{4559A152-1AA8-458C-9F9C-099623C92D83}" destId="{0FEDC1FD-22E5-46F3-ABC6-98BB00E9AF34}" srcOrd="0" destOrd="0" presId="urn:microsoft.com/office/officeart/2008/layout/HorizontalMultiLevelHierarchy"/>
-    <dgm:cxn modelId="{33385A24-5D17-41D0-8FE6-B1BBB20BEA7B}" type="presOf" srcId="{1305A32B-F53F-4A77-840B-83014031EBAB}" destId="{B28801AB-DA41-49B5-B820-5F2CDE9FA87F}" srcOrd="0" destOrd="0" presId="urn:microsoft.com/office/officeart/2008/layout/HorizontalMultiLevelHierarchy"/>
+    <dgm:cxn modelId="{43E767E8-ACFF-4B82-A099-2E6E7AC55B77}" type="presOf" srcId="{AADEFECA-4BEB-4B0E-B3C1-A90916704ED7}" destId="{41748D00-F97F-4400-85D2-B1071288C92B}" srcOrd="0" destOrd="0" presId="urn:microsoft.com/office/officeart/2008/layout/HorizontalMultiLevelHierarchy"/>
+    <dgm:cxn modelId="{1BE0BD46-A060-4D67-B066-740240463E80}" type="presOf" srcId="{CA4EE4C9-026B-411B-9A01-3C197BB7ACA8}" destId="{D7EF800A-6F78-4680-92D8-4E55E98E7AC4}" srcOrd="0" destOrd="0" presId="urn:microsoft.com/office/officeart/2008/layout/HorizontalMultiLevelHierarchy"/>
     <dgm:cxn modelId="{C3E058A2-BA7C-468B-8418-F423C280E44E}" type="presOf" srcId="{AADEFECA-4BEB-4B0E-B3C1-A90916704ED7}" destId="{B7C0FBA0-1EA3-41F7-9364-134386F919F8}" srcOrd="1" destOrd="0" presId="urn:microsoft.com/office/officeart/2008/layout/HorizontalMultiLevelHierarchy"/>
     <dgm:cxn modelId="{8F96B27A-3EF5-4405-93B5-1FC97A5A8D5C}" srcId="{9ECED828-20B7-4B2D-A93F-4EAD25BFD086}" destId="{AF2A3F81-0CE3-4CF8-8B9D-732DF119BFF4}" srcOrd="1" destOrd="0" parTransId="{848B06E5-537C-43E8-87F9-BC5BAD5AB5FA}" sibTransId="{8F992BB8-F7F5-4BD1-939B-51E9B18CC91D}"/>
+    <dgm:cxn modelId="{043AEE5E-DC08-4BB7-8242-6C2636CDB038}" type="presOf" srcId="{F5F6D209-3F75-4719-98E5-1E37B5F48EC0}" destId="{8F111FD4-E5F9-401D-BB06-6B339BE5DFD0}" srcOrd="0" destOrd="0" presId="urn:microsoft.com/office/officeart/2008/layout/HorizontalMultiLevelHierarchy"/>
+    <dgm:cxn modelId="{FFB56B99-FAD4-4197-8DAB-7D7BB74D1B33}" type="presOf" srcId="{9ECED828-20B7-4B2D-A93F-4EAD25BFD086}" destId="{1B9E0DAD-0BD9-4E8D-BCD5-18F262F55CFB}" srcOrd="0" destOrd="0" presId="urn:microsoft.com/office/officeart/2008/layout/HorizontalMultiLevelHierarchy"/>
+    <dgm:cxn modelId="{A9CC7C4E-AA32-4C16-89E4-31A41B25EEEE}" srcId="{9ECED828-20B7-4B2D-A93F-4EAD25BFD086}" destId="{F2C93FE7-54E4-4670-915E-4B14943BFF6B}" srcOrd="2" destOrd="0" parTransId="{4559A152-1AA8-458C-9F9C-099623C92D83}" sibTransId="{4825DD2A-1737-46EF-B20F-F3B5A2E8E290}"/>
+    <dgm:cxn modelId="{C5336267-E766-4834-9225-93E97BFC9AD9}" type="presOf" srcId="{AF5C623A-49EA-4F08-88E0-4FE93508D05B}" destId="{E99F9C08-0BEA-4C16-91BF-2116FE85C21F}" srcOrd="0" destOrd="0" presId="urn:microsoft.com/office/officeart/2008/layout/HorizontalMultiLevelHierarchy"/>
+    <dgm:cxn modelId="{33385A24-5D17-41D0-8FE6-B1BBB20BEA7B}" type="presOf" srcId="{1305A32B-F53F-4A77-840B-83014031EBAB}" destId="{B28801AB-DA41-49B5-B820-5F2CDE9FA87F}" srcOrd="0" destOrd="0" presId="urn:microsoft.com/office/officeart/2008/layout/HorizontalMultiLevelHierarchy"/>
+    <dgm:cxn modelId="{6A7199B8-D5C4-4D52-8EC8-81D7EE617735}" type="presOf" srcId="{0506413A-558B-472B-82C9-BE94B49A70FA}" destId="{79FFF4B9-42FE-436C-9F25-EDD9790AB24C}" srcOrd="0" destOrd="0" presId="urn:microsoft.com/office/officeart/2008/layout/HorizontalMultiLevelHierarchy"/>
+    <dgm:cxn modelId="{9F1AF698-7811-4CE5-A8B6-8434DB00BD04}" type="presOf" srcId="{A249F905-7E9B-463A-A1AA-5B49E024D231}" destId="{46EF9864-657C-4418-AC9B-A1F1EE519AE5}" srcOrd="0" destOrd="0" presId="urn:microsoft.com/office/officeart/2008/layout/HorizontalMultiLevelHierarchy"/>
+    <dgm:cxn modelId="{9C1F3823-88D3-4167-B005-9BD71E1316C7}" srcId="{A444AA9D-E1CC-4E62-814D-39D4D31992AE}" destId="{9ECED828-20B7-4B2D-A93F-4EAD25BFD086}" srcOrd="2" destOrd="0" parTransId="{A249F905-7E9B-463A-A1AA-5B49E024D231}" sibTransId="{166FDE58-11FD-43FE-A90F-212AA78F1E9A}"/>
+    <dgm:cxn modelId="{CA74207D-BCFF-472B-91DB-1A782953FFEB}" type="presOf" srcId="{0A90790D-756E-4003-B92C-09BB2A643E69}" destId="{8F27A1FA-3EA0-435D-A5D8-9F9ECEBE1AFD}" srcOrd="0" destOrd="0" presId="urn:microsoft.com/office/officeart/2008/layout/HorizontalMultiLevelHierarchy"/>
+    <dgm:cxn modelId="{7402757E-779A-4D6A-AE44-C60E5E850750}" type="presOf" srcId="{7DD96D21-5819-489B-A882-E950BB53A72A}" destId="{84CA2BE5-5298-45B2-B15A-C33118F09254}" srcOrd="0" destOrd="0" presId="urn:microsoft.com/office/officeart/2008/layout/HorizontalMultiLevelHierarchy"/>
+    <dgm:cxn modelId="{5653D98F-339E-4EA3-B90C-FA2B7912C796}" type="presOf" srcId="{4559A152-1AA8-458C-9F9C-099623C92D83}" destId="{0FEDC1FD-22E5-46F3-ABC6-98BB00E9AF34}" srcOrd="0" destOrd="0" presId="urn:microsoft.com/office/officeart/2008/layout/HorizontalMultiLevelHierarchy"/>
     <dgm:cxn modelId="{F6E1A8F9-6373-4B20-B693-62F6031E37EB}" type="presOf" srcId="{F2C93FE7-54E4-4670-915E-4B14943BFF6B}" destId="{812D3E08-6A57-425B-AECA-52DEAAEAE88C}" srcOrd="0" destOrd="0" presId="urn:microsoft.com/office/officeart/2008/layout/HorizontalMultiLevelHierarchy"/>
-    <dgm:cxn modelId="{43E767E8-ACFF-4B82-A099-2E6E7AC55B77}" type="presOf" srcId="{AADEFECA-4BEB-4B0E-B3C1-A90916704ED7}" destId="{41748D00-F97F-4400-85D2-B1071288C92B}" srcOrd="0" destOrd="0" presId="urn:microsoft.com/office/officeart/2008/layout/HorizontalMultiLevelHierarchy"/>
-    <dgm:cxn modelId="{CA74207D-BCFF-472B-91DB-1A782953FFEB}" type="presOf" srcId="{0A90790D-756E-4003-B92C-09BB2A643E69}" destId="{8F27A1FA-3EA0-435D-A5D8-9F9ECEBE1AFD}" srcOrd="0" destOrd="0" presId="urn:microsoft.com/office/officeart/2008/layout/HorizontalMultiLevelHierarchy"/>
-    <dgm:cxn modelId="{9F1AF698-7811-4CE5-A8B6-8434DB00BD04}" type="presOf" srcId="{A249F905-7E9B-463A-A1AA-5B49E024D231}" destId="{46EF9864-657C-4418-AC9B-A1F1EE519AE5}" srcOrd="0" destOrd="0" presId="urn:microsoft.com/office/officeart/2008/layout/HorizontalMultiLevelHierarchy"/>
-    <dgm:cxn modelId="{BBC65A9E-402F-4833-84FC-E3C930023638}" srcId="{F93B4164-9EC1-42D3-806C-40DEB15B52A7}" destId="{AF5C623A-49EA-4F08-88E0-4FE93508D05B}" srcOrd="2" destOrd="0" parTransId="{31B6728D-5C8B-43AC-94BC-A8B2632C9DD2}" sibTransId="{13DAA6BF-0802-4868-AFAB-1A8A8F79CD58}"/>
-    <dgm:cxn modelId="{BFEF1467-E38D-493C-9F4C-4C01591E5BAD}" type="presOf" srcId="{92415CBB-27B4-4080-BBB5-D825828986B1}" destId="{9538D2BB-301B-451B-8599-405E59278288}" srcOrd="0" destOrd="0" presId="urn:microsoft.com/office/officeart/2008/layout/HorizontalMultiLevelHierarchy"/>
+    <dgm:cxn modelId="{0B4324D5-24E1-4062-8827-79ACA2B93C66}" type="presOf" srcId="{AF2A3F81-0CE3-4CF8-8B9D-732DF119BFF4}" destId="{7625D988-39FD-4B3C-A47D-B9E56CCED01E}" srcOrd="0" destOrd="0" presId="urn:microsoft.com/office/officeart/2008/layout/HorizontalMultiLevelHierarchy"/>
     <dgm:cxn modelId="{6E4CF2D5-8DA5-47D4-8667-96BC5F66B4FA}" srcId="{0506413A-558B-472B-82C9-BE94B49A70FA}" destId="{92E1E5D2-7D02-4C3E-9970-7D074236425A}" srcOrd="1" destOrd="0" parTransId="{CA4EE4C9-026B-411B-9A01-3C197BB7ACA8}" sibTransId="{2693282B-147D-461A-804A-FBEB4B11C249}"/>
-    <dgm:cxn modelId="{6F6014F5-B632-477D-B6F6-162B486A8B34}" srcId="{A444AA9D-E1CC-4E62-814D-39D4D31992AE}" destId="{F93B4164-9EC1-42D3-806C-40DEB15B52A7}" srcOrd="1" destOrd="0" parTransId="{F5F6D209-3F75-4719-98E5-1E37B5F48EC0}" sibTransId="{2F20BDA6-3A49-4926-81E5-6B1B010ED1AF}"/>
-    <dgm:cxn modelId="{A9CC7C4E-AA32-4C16-89E4-31A41B25EEEE}" srcId="{9ECED828-20B7-4B2D-A93F-4EAD25BFD086}" destId="{F2C93FE7-54E4-4670-915E-4B14943BFF6B}" srcOrd="2" destOrd="0" parTransId="{4559A152-1AA8-458C-9F9C-099623C92D83}" sibTransId="{4825DD2A-1737-46EF-B20F-F3B5A2E8E290}"/>
+    <dgm:cxn modelId="{DAADA83B-7B1F-4341-8871-8FCAA93F9A02}" srcId="{F93B4164-9EC1-42D3-806C-40DEB15B52A7}" destId="{F144EDDD-F771-4871-A577-81D9D6C05FC7}" srcOrd="3" destOrd="0" parTransId="{6FBC4581-86F6-4C7F-9109-47646AAB714D}" sibTransId="{BFB240A7-34E7-4A92-AD3A-E4A24FE8D265}"/>
+    <dgm:cxn modelId="{765D3C63-6D09-44DE-9F2A-0A19594BB5C0}" type="presOf" srcId="{92415CBB-27B4-4080-BBB5-D825828986B1}" destId="{9F439192-95B3-453B-967B-947D0609BB3E}" srcOrd="1" destOrd="0" presId="urn:microsoft.com/office/officeart/2008/layout/HorizontalMultiLevelHierarchy"/>
+    <dgm:cxn modelId="{17CDB77D-3880-4D59-88BE-59E0FBCD065C}" type="presOf" srcId="{D355140D-4FC9-416F-A866-15207BB93A08}" destId="{BCAC5B21-01F3-495C-B2EC-F1BEFA1DB2BF}" srcOrd="1" destOrd="0" presId="urn:microsoft.com/office/officeart/2008/layout/HorizontalMultiLevelHierarchy"/>
+    <dgm:cxn modelId="{63F59DFF-5E79-40D6-9AD8-AE0240556776}" srcId="{C765C892-DFA3-4AB0-AAC5-DEA76887D9F3}" destId="{A444AA9D-E1CC-4E62-814D-39D4D31992AE}" srcOrd="0" destOrd="0" parTransId="{A226BF7E-2172-4602-8B34-BBCF1300809F}" sibTransId="{03E555CC-DFF3-4BDE-B979-E473D91F66C4}"/>
+    <dgm:cxn modelId="{6F3327F8-89A7-46BD-B8AB-71C8E941A393}" type="presOf" srcId="{92E1E5D2-7D02-4C3E-9970-7D074236425A}" destId="{7D94843E-4D27-498D-8AB2-E7C0FFD8D454}" srcOrd="0" destOrd="0" presId="urn:microsoft.com/office/officeart/2008/layout/HorizontalMultiLevelHierarchy"/>
+    <dgm:cxn modelId="{6DFA824E-87CE-492A-89AE-904245E894A1}" type="presOf" srcId="{A249F905-7E9B-463A-A1AA-5B49E024D231}" destId="{AD21DAB7-013E-432F-843A-0BC3E8BD44CA}" srcOrd="1" destOrd="0" presId="urn:microsoft.com/office/officeart/2008/layout/HorizontalMultiLevelHierarchy"/>
     <dgm:cxn modelId="{D9AE40BF-B0F8-49F7-97E9-898A142D4E4B}" type="presOf" srcId="{848B06E5-537C-43E8-87F9-BC5BAD5AB5FA}" destId="{0A8C915B-AB09-4745-9475-6443303356F3}" srcOrd="1" destOrd="0" presId="urn:microsoft.com/office/officeart/2008/layout/HorizontalMultiLevelHierarchy"/>
-    <dgm:cxn modelId="{00FBCAC7-1564-418B-B183-B29965D15CEE}" type="presOf" srcId="{07F8895F-73C6-48E7-92FB-A7AE3FFD5D24}" destId="{E0114842-CF04-40AC-87A7-B84EED6BD153}" srcOrd="0" destOrd="0" presId="urn:microsoft.com/office/officeart/2008/layout/HorizontalMultiLevelHierarchy"/>
-    <dgm:cxn modelId="{1DCAE597-38BB-4B19-9509-A3CA0C074245}" srcId="{9ECED828-20B7-4B2D-A93F-4EAD25BFD086}" destId="{1305A32B-F53F-4A77-840B-83014031EBAB}" srcOrd="0" destOrd="0" parTransId="{7DD96D21-5819-489B-A882-E950BB53A72A}" sibTransId="{8CCA59AE-E1D5-48C9-8E98-DDACD206BDDF}"/>
-    <dgm:cxn modelId="{63F59DFF-5E79-40D6-9AD8-AE0240556776}" srcId="{C765C892-DFA3-4AB0-AAC5-DEA76887D9F3}" destId="{A444AA9D-E1CC-4E62-814D-39D4D31992AE}" srcOrd="0" destOrd="0" parTransId="{A226BF7E-2172-4602-8B34-BBCF1300809F}" sibTransId="{03E555CC-DFF3-4BDE-B979-E473D91F66C4}"/>
-    <dgm:cxn modelId="{E76B759A-9F75-41CB-991B-BFA3D466C729}" type="presOf" srcId="{6FBC4581-86F6-4C7F-9109-47646AAB714D}" destId="{8051C435-8DA7-404D-8264-C71A9D746F7D}" srcOrd="0" destOrd="0" presId="urn:microsoft.com/office/officeart/2008/layout/HorizontalMultiLevelHierarchy"/>
-    <dgm:cxn modelId="{1BE0BD46-A060-4D67-B066-740240463E80}" type="presOf" srcId="{CA4EE4C9-026B-411B-9A01-3C197BB7ACA8}" destId="{D7EF800A-6F78-4680-92D8-4E55E98E7AC4}" srcOrd="0" destOrd="0" presId="urn:microsoft.com/office/officeart/2008/layout/HorizontalMultiLevelHierarchy"/>
-    <dgm:cxn modelId="{2D112C75-D201-4036-9130-06E9BD1D70A0}" type="presOf" srcId="{6FBC4581-86F6-4C7F-9109-47646AAB714D}" destId="{A6754C6A-0303-47E6-9E0F-5A6B5C7B9CAB}" srcOrd="1" destOrd="0" presId="urn:microsoft.com/office/officeart/2008/layout/HorizontalMultiLevelHierarchy"/>
-    <dgm:cxn modelId="{6011AFEE-EDC6-4608-B095-FF5C93BBE206}" type="presOf" srcId="{3F5E312B-6EF7-4EDF-8A6E-A8B57B7B8553}" destId="{CCA58538-5F31-407F-8820-5D3C90037882}" srcOrd="0" destOrd="0" presId="urn:microsoft.com/office/officeart/2008/layout/HorizontalMultiLevelHierarchy"/>
-    <dgm:cxn modelId="{A4393412-6DCF-4282-ACA6-5B6306D9D420}" type="presOf" srcId="{D355140D-4FC9-416F-A866-15207BB93A08}" destId="{C65886F2-484F-4FA4-9A70-4CE0BE6A5621}" srcOrd="0" destOrd="0" presId="urn:microsoft.com/office/officeart/2008/layout/HorizontalMultiLevelHierarchy"/>
-    <dgm:cxn modelId="{18D433DC-AD70-4612-8DDA-9B30D273E759}" srcId="{F93B4164-9EC1-42D3-806C-40DEB15B52A7}" destId="{07F8895F-73C6-48E7-92FB-A7AE3FFD5D24}" srcOrd="1" destOrd="0" parTransId="{92415CBB-27B4-4080-BBB5-D825828986B1}" sibTransId="{538EBC35-31FC-4ABD-B8ED-DB204F550954}"/>
+    <dgm:cxn modelId="{C13219DB-C16F-451F-8FC3-331E6CD928F4}" type="presOf" srcId="{98751D4E-4884-450C-AD94-5B82E706CE56}" destId="{898624B7-AA7A-47BD-9A15-01438475277E}" srcOrd="0" destOrd="0" presId="urn:microsoft.com/office/officeart/2008/layout/HorizontalMultiLevelHierarchy"/>
+    <dgm:cxn modelId="{7B9E54CF-77D9-48DC-9E83-2BB0E3BD1754}" type="presOf" srcId="{0A90790D-756E-4003-B92C-09BB2A643E69}" destId="{121DC703-A55C-4199-B0D0-A596D3CF6EA1}" srcOrd="1" destOrd="0" presId="urn:microsoft.com/office/officeart/2008/layout/HorizontalMultiLevelHierarchy"/>
+    <dgm:cxn modelId="{843C398F-6863-42DC-AE87-C9F926F4EE68}" type="presOf" srcId="{C765C892-DFA3-4AB0-AAC5-DEA76887D9F3}" destId="{9FACD6B0-9668-4AA9-A6D4-263EF07838FC}" srcOrd="0" destOrd="0" presId="urn:microsoft.com/office/officeart/2008/layout/HorizontalMultiLevelHierarchy"/>
+    <dgm:cxn modelId="{2E412CEC-C56B-4E3C-841E-FCFB839E46F8}" srcId="{F93B4164-9EC1-42D3-806C-40DEB15B52A7}" destId="{3F5E312B-6EF7-4EDF-8A6E-A8B57B7B8553}" srcOrd="0" destOrd="0" parTransId="{AADEFECA-4BEB-4B0E-B3C1-A90916704ED7}" sibTransId="{71963E46-FAC2-4FAD-BBEE-F875DE933911}"/>
     <dgm:cxn modelId="{3BB8CF3B-C4C3-417B-9C06-8C3473BADCE6}" type="presParOf" srcId="{9FACD6B0-9668-4AA9-A6D4-263EF07838FC}" destId="{C5450AE2-0B82-453F-AB06-23AF0204F342}" srcOrd="0" destOrd="0" presId="urn:microsoft.com/office/officeart/2008/layout/HorizontalMultiLevelHierarchy"/>
     <dgm:cxn modelId="{72567439-40F8-4262-B862-B9D3E9F1DAC0}" type="presParOf" srcId="{C5450AE2-0B82-453F-AB06-23AF0204F342}" destId="{FB4C853B-BB6F-492F-B893-EB6A0F01D6E2}" srcOrd="0" destOrd="0" presId="urn:microsoft.com/office/officeart/2008/layout/HorizontalMultiLevelHierarchy"/>
     <dgm:cxn modelId="{D417AD89-2C46-4482-9D13-74EB4F8CBF63}" type="presParOf" srcId="{C5450AE2-0B82-453F-AB06-23AF0204F342}" destId="{EE7C4D9F-593C-43E9-B206-AF2D18E1F790}" srcOrd="1" destOrd="0" presId="urn:microsoft.com/office/officeart/2008/layout/HorizontalMultiLevelHierarchy"/>
@@ -10399,58 +10399,58 @@
     </dgm:pt>
   </dgm:ptLst>
   <dgm:cxnLst>
+    <dgm:cxn modelId="{2E412CEC-C56B-4E3C-841E-FCFB839E46F8}" srcId="{F93B4164-9EC1-42D3-806C-40DEB15B52A7}" destId="{3F5E312B-6EF7-4EDF-8A6E-A8B57B7B8553}" srcOrd="0" destOrd="0" parTransId="{AADEFECA-4BEB-4B0E-B3C1-A90916704ED7}" sibTransId="{71963E46-FAC2-4FAD-BBEE-F875DE933911}"/>
+    <dgm:cxn modelId="{9436A9A5-433D-4B30-A4A8-75189D2825D8}" srcId="{A444AA9D-E1CC-4E62-814D-39D4D31992AE}" destId="{0506413A-558B-472B-82C9-BE94B49A70FA}" srcOrd="0" destOrd="0" parTransId="{0A90790D-756E-4003-B92C-09BB2A643E69}" sibTransId="{E8E389D4-B575-4AAB-BEE3-1A7AA2C70884}"/>
+    <dgm:cxn modelId="{1531A51F-9218-497C-B0CA-3E16D7B7A3E6}" type="presOf" srcId="{F144EDDD-F771-4871-A577-81D9D6C05FC7}" destId="{E14E1B4C-34A0-4983-AC81-07D956F6F461}" srcOrd="1" destOrd="0" presId="urn:microsoft.com/office/officeart/2009/3/layout/HorizontalOrganizationChart"/>
     <dgm:cxn modelId="{862EF069-0B7E-4386-AA22-B398AAF03F1B}" type="presOf" srcId="{A444AA9D-E1CC-4E62-814D-39D4D31992AE}" destId="{C85D0FDD-2735-445C-AECE-674F1FB2F543}" srcOrd="0" destOrd="0" presId="urn:microsoft.com/office/officeart/2009/3/layout/HorizontalOrganizationChart"/>
+    <dgm:cxn modelId="{42E75393-DCBD-49DC-8739-E0CC20E01A8D}" type="presOf" srcId="{0A90790D-756E-4003-B92C-09BB2A643E69}" destId="{880876C4-DD6A-41B5-9D59-BF01A237AFF9}" srcOrd="0" destOrd="0" presId="urn:microsoft.com/office/officeart/2009/3/layout/HorizontalOrganizationChart"/>
+    <dgm:cxn modelId="{C9BCED3E-F117-44C5-896E-2D873F0C302B}" type="presOf" srcId="{CA4EE4C9-026B-411B-9A01-3C197BB7ACA8}" destId="{86CD6BB2-3935-4583-B3C4-F94F574AF2F1}" srcOrd="0" destOrd="0" presId="urn:microsoft.com/office/officeart/2009/3/layout/HorizontalOrganizationChart"/>
+    <dgm:cxn modelId="{0D6C975D-637C-458A-B761-F4BBBDDC5DF6}" type="presOf" srcId="{7DD96D21-5819-489B-A882-E950BB53A72A}" destId="{D93940C2-17F6-43AD-80A4-019CB4324CFF}" srcOrd="0" destOrd="0" presId="urn:microsoft.com/office/officeart/2009/3/layout/HorizontalOrganizationChart"/>
+    <dgm:cxn modelId="{E10A1F61-8AB6-49BF-8531-FCC2377E6756}" type="presOf" srcId="{A249F905-7E9B-463A-A1AA-5B49E024D231}" destId="{7CD820B9-7843-476A-9DB9-4C5ADF8CBE90}" srcOrd="0" destOrd="0" presId="urn:microsoft.com/office/officeart/2009/3/layout/HorizontalOrganizationChart"/>
+    <dgm:cxn modelId="{3218D3FC-7D5B-4AF1-BDFB-1D70CF20D348}" srcId="{0506413A-558B-472B-82C9-BE94B49A70FA}" destId="{98751D4E-4884-450C-AD94-5B82E706CE56}" srcOrd="0" destOrd="0" parTransId="{D355140D-4FC9-416F-A866-15207BB93A08}" sibTransId="{73770108-0E46-4D73-BA34-3DE8470E71F7}"/>
+    <dgm:cxn modelId="{D6CAE6EF-C3B5-4233-A1DA-84C586C0DD6E}" type="presOf" srcId="{F93B4164-9EC1-42D3-806C-40DEB15B52A7}" destId="{DDA6C49E-FE3F-4892-9E1D-5F2C0F9984F6}" srcOrd="1" destOrd="0" presId="urn:microsoft.com/office/officeart/2009/3/layout/HorizontalOrganizationChart"/>
+    <dgm:cxn modelId="{DAADA83B-7B1F-4341-8871-8FCAA93F9A02}" srcId="{F93B4164-9EC1-42D3-806C-40DEB15B52A7}" destId="{F144EDDD-F771-4871-A577-81D9D6C05FC7}" srcOrd="3" destOrd="0" parTransId="{6FBC4581-86F6-4C7F-9109-47646AAB714D}" sibTransId="{BFB240A7-34E7-4A92-AD3A-E4A24FE8D265}"/>
+    <dgm:cxn modelId="{8F96B27A-3EF5-4405-93B5-1FC97A5A8D5C}" srcId="{9ECED828-20B7-4B2D-A93F-4EAD25BFD086}" destId="{AF2A3F81-0CE3-4CF8-8B9D-732DF119BFF4}" srcOrd="1" destOrd="0" parTransId="{848B06E5-537C-43E8-87F9-BC5BAD5AB5FA}" sibTransId="{8F992BB8-F7F5-4BD1-939B-51E9B18CC91D}"/>
+    <dgm:cxn modelId="{B127DB50-B379-469E-8975-746E440B0CE0}" type="presOf" srcId="{F2C93FE7-54E4-4670-915E-4B14943BFF6B}" destId="{AD3EFA24-6F79-46CA-8512-18B9FD53EADA}" srcOrd="0" destOrd="0" presId="urn:microsoft.com/office/officeart/2009/3/layout/HorizontalOrganizationChart"/>
+    <dgm:cxn modelId="{540F88EB-35BC-48F1-81D3-E57992CDD3B5}" type="presOf" srcId="{92E1E5D2-7D02-4C3E-9970-7D074236425A}" destId="{D71ECCDD-505A-4E6A-BF2C-BA16FAADF0C6}" srcOrd="1" destOrd="0" presId="urn:microsoft.com/office/officeart/2009/3/layout/HorizontalOrganizationChart"/>
+    <dgm:cxn modelId="{D6564801-9D19-4D5B-9E7C-861A876EDFC4}" type="presOf" srcId="{F2C93FE7-54E4-4670-915E-4B14943BFF6B}" destId="{EDB6CDCF-E1EF-422C-8C62-FA6F2C9A288B}" srcOrd="1" destOrd="0" presId="urn:microsoft.com/office/officeart/2009/3/layout/HorizontalOrganizationChart"/>
+    <dgm:cxn modelId="{B545F645-1A47-4EA3-A952-A8A9DDC5D573}" type="presOf" srcId="{AF5C623A-49EA-4F08-88E0-4FE93508D05B}" destId="{9C8D73E8-0F43-4F7E-996C-AD51B59BC6FF}" srcOrd="0" destOrd="0" presId="urn:microsoft.com/office/officeart/2009/3/layout/HorizontalOrganizationChart"/>
+    <dgm:cxn modelId="{1A768481-AD7F-44A6-892E-4790BAC7A2DC}" type="presOf" srcId="{3F5E312B-6EF7-4EDF-8A6E-A8B57B7B8553}" destId="{05FA11F8-2983-47C0-BDA4-D035D025E02F}" srcOrd="0" destOrd="0" presId="urn:microsoft.com/office/officeart/2009/3/layout/HorizontalOrganizationChart"/>
+    <dgm:cxn modelId="{14314BC6-CEBC-409F-BE53-5912FD283716}" type="presOf" srcId="{848B06E5-537C-43E8-87F9-BC5BAD5AB5FA}" destId="{13C4F1BA-A0C1-4BF4-83AA-70F09832A28C}" srcOrd="0" destOrd="0" presId="urn:microsoft.com/office/officeart/2009/3/layout/HorizontalOrganizationChart"/>
+    <dgm:cxn modelId="{1DCAE597-38BB-4B19-9509-A3CA0C074245}" srcId="{9ECED828-20B7-4B2D-A93F-4EAD25BFD086}" destId="{1305A32B-F53F-4A77-840B-83014031EBAB}" srcOrd="0" destOrd="0" parTransId="{7DD96D21-5819-489B-A882-E950BB53A72A}" sibTransId="{8CCA59AE-E1D5-48C9-8E98-DDACD206BDDF}"/>
+    <dgm:cxn modelId="{BBC65A9E-402F-4833-84FC-E3C930023638}" srcId="{F93B4164-9EC1-42D3-806C-40DEB15B52A7}" destId="{AF5C623A-49EA-4F08-88E0-4FE93508D05B}" srcOrd="2" destOrd="0" parTransId="{31B6728D-5C8B-43AC-94BC-A8B2632C9DD2}" sibTransId="{13DAA6BF-0802-4868-AFAB-1A8A8F79CD58}"/>
+    <dgm:cxn modelId="{18D433DC-AD70-4612-8DDA-9B30D273E759}" srcId="{F93B4164-9EC1-42D3-806C-40DEB15B52A7}" destId="{07F8895F-73C6-48E7-92FB-A7AE3FFD5D24}" srcOrd="1" destOrd="0" parTransId="{92415CBB-27B4-4080-BBB5-D825828986B1}" sibTransId="{538EBC35-31FC-4ABD-B8ED-DB204F550954}"/>
+    <dgm:cxn modelId="{43BF3759-F4A0-4F48-8E02-10A967CC9231}" type="presOf" srcId="{6FBC4581-86F6-4C7F-9109-47646AAB714D}" destId="{93D47DB9-236E-47A8-9CE3-E8B9DA240574}" srcOrd="0" destOrd="0" presId="urn:microsoft.com/office/officeart/2009/3/layout/HorizontalOrganizationChart"/>
+    <dgm:cxn modelId="{09FB8843-F323-4418-9068-55D9B41BFDE7}" type="presOf" srcId="{A444AA9D-E1CC-4E62-814D-39D4D31992AE}" destId="{332A37D5-FC22-4415-90EA-44266F518C5B}" srcOrd="1" destOrd="0" presId="urn:microsoft.com/office/officeart/2009/3/layout/HorizontalOrganizationChart"/>
+    <dgm:cxn modelId="{66EF0F8C-42C3-4963-97DA-C67A5DBAF23D}" type="presOf" srcId="{F5F6D209-3F75-4719-98E5-1E37B5F48EC0}" destId="{42A06A71-4233-4C91-ADB7-5EA47BB4D535}" srcOrd="0" destOrd="0" presId="urn:microsoft.com/office/officeart/2009/3/layout/HorizontalOrganizationChart"/>
+    <dgm:cxn modelId="{E8FF51CB-7AE0-48EC-9991-1070CA0E990A}" type="presOf" srcId="{98751D4E-4884-450C-AD94-5B82E706CE56}" destId="{34944EAC-FE0C-4834-A384-4B57D1DB48C1}" srcOrd="1" destOrd="0" presId="urn:microsoft.com/office/officeart/2009/3/layout/HorizontalOrganizationChart"/>
+    <dgm:cxn modelId="{086CD9B3-7ED6-4B74-ABF9-5DA960C813D2}" type="presOf" srcId="{AADEFECA-4BEB-4B0E-B3C1-A90916704ED7}" destId="{5C7596BD-D421-4FF6-9752-76232FF697E9}" srcOrd="0" destOrd="0" presId="urn:microsoft.com/office/officeart/2009/3/layout/HorizontalOrganizationChart"/>
+    <dgm:cxn modelId="{5E7682A7-51EF-47CB-8430-48E4279B9572}" type="presOf" srcId="{AF2A3F81-0CE3-4CF8-8B9D-732DF119BFF4}" destId="{BD376912-B86E-4C99-9AC0-7B6D1FCEB8E3}" srcOrd="1" destOrd="0" presId="urn:microsoft.com/office/officeart/2009/3/layout/HorizontalOrganizationChart"/>
+    <dgm:cxn modelId="{9CF23B3D-7C09-4161-BE92-99F3CA47D243}" type="presOf" srcId="{F93B4164-9EC1-42D3-806C-40DEB15B52A7}" destId="{636CD6F1-F7F5-4326-B6D9-E71CECC53D06}" srcOrd="0" destOrd="0" presId="urn:microsoft.com/office/officeart/2009/3/layout/HorizontalOrganizationChart"/>
+    <dgm:cxn modelId="{DB967D29-F43F-48F2-AEE6-37AE46AA3395}" type="presOf" srcId="{C765C892-DFA3-4AB0-AAC5-DEA76887D9F3}" destId="{8630FDD7-AB92-4A6F-9A2B-8BF54C12D2E5}" srcOrd="0" destOrd="0" presId="urn:microsoft.com/office/officeart/2009/3/layout/HorizontalOrganizationChart"/>
+    <dgm:cxn modelId="{9C1F3823-88D3-4167-B005-9BD71E1316C7}" srcId="{A444AA9D-E1CC-4E62-814D-39D4D31992AE}" destId="{9ECED828-20B7-4B2D-A93F-4EAD25BFD086}" srcOrd="2" destOrd="0" parTransId="{A249F905-7E9B-463A-A1AA-5B49E024D231}" sibTransId="{166FDE58-11FD-43FE-A90F-212AA78F1E9A}"/>
+    <dgm:cxn modelId="{AB3C2351-8471-4DB9-81D6-98401A042E26}" type="presOf" srcId="{92415CBB-27B4-4080-BBB5-D825828986B1}" destId="{5F8AB91F-3D9F-4854-A25D-5FE000B2E781}" srcOrd="0" destOrd="0" presId="urn:microsoft.com/office/officeart/2009/3/layout/HorizontalOrganizationChart"/>
+    <dgm:cxn modelId="{EB8B45B2-BEBF-4021-AAD7-325D900D1F6F}" type="presOf" srcId="{AF2A3F81-0CE3-4CF8-8B9D-732DF119BFF4}" destId="{D5965F06-FDFE-4E6D-BAA5-FCDD3871EC9E}" srcOrd="0" destOrd="0" presId="urn:microsoft.com/office/officeart/2009/3/layout/HorizontalOrganizationChart"/>
+    <dgm:cxn modelId="{6E4CF2D5-8DA5-47D4-8667-96BC5F66B4FA}" srcId="{0506413A-558B-472B-82C9-BE94B49A70FA}" destId="{92E1E5D2-7D02-4C3E-9970-7D074236425A}" srcOrd="1" destOrd="0" parTransId="{CA4EE4C9-026B-411B-9A01-3C197BB7ACA8}" sibTransId="{2693282B-147D-461A-804A-FBEB4B11C249}"/>
     <dgm:cxn modelId="{A9CC7C4E-AA32-4C16-89E4-31A41B25EEEE}" srcId="{9ECED828-20B7-4B2D-A93F-4EAD25BFD086}" destId="{F2C93FE7-54E4-4670-915E-4B14943BFF6B}" srcOrd="2" destOrd="0" parTransId="{4559A152-1AA8-458C-9F9C-099623C92D83}" sibTransId="{4825DD2A-1737-46EF-B20F-F3B5A2E8E290}"/>
+    <dgm:cxn modelId="{6E70BD0A-853F-4B7C-8923-C05DA19BF7B0}" type="presOf" srcId="{1305A32B-F53F-4A77-840B-83014031EBAB}" destId="{48EF16F1-9C2C-490C-8E02-B1A6EEF72F4F}" srcOrd="1" destOrd="0" presId="urn:microsoft.com/office/officeart/2009/3/layout/HorizontalOrganizationChart"/>
+    <dgm:cxn modelId="{286F227A-FD0D-450D-B68C-FD7F0FE8C81B}" type="presOf" srcId="{9ECED828-20B7-4B2D-A93F-4EAD25BFD086}" destId="{3BA320A7-F463-40B3-9DA7-4C4671DA4C7A}" srcOrd="1" destOrd="0" presId="urn:microsoft.com/office/officeart/2009/3/layout/HorizontalOrganizationChart"/>
     <dgm:cxn modelId="{42AD4212-B7FA-4687-ABD6-3CE6E5316E3E}" type="presOf" srcId="{D355140D-4FC9-416F-A866-15207BB93A08}" destId="{A6507134-B29B-4AFD-995D-0062663771EC}" srcOrd="0" destOrd="0" presId="urn:microsoft.com/office/officeart/2009/3/layout/HorizontalOrganizationChart"/>
-    <dgm:cxn modelId="{09FB8843-F323-4418-9068-55D9B41BFDE7}" type="presOf" srcId="{A444AA9D-E1CC-4E62-814D-39D4D31992AE}" destId="{332A37D5-FC22-4415-90EA-44266F518C5B}" srcOrd="1" destOrd="0" presId="urn:microsoft.com/office/officeart/2009/3/layout/HorizontalOrganizationChart"/>
-    <dgm:cxn modelId="{3218D3FC-7D5B-4AF1-BDFB-1D70CF20D348}" srcId="{0506413A-558B-472B-82C9-BE94B49A70FA}" destId="{98751D4E-4884-450C-AD94-5B82E706CE56}" srcOrd="0" destOrd="0" parTransId="{D355140D-4FC9-416F-A866-15207BB93A08}" sibTransId="{73770108-0E46-4D73-BA34-3DE8470E71F7}"/>
-    <dgm:cxn modelId="{9436A9A5-433D-4B30-A4A8-75189D2825D8}" srcId="{A444AA9D-E1CC-4E62-814D-39D4D31992AE}" destId="{0506413A-558B-472B-82C9-BE94B49A70FA}" srcOrd="0" destOrd="0" parTransId="{0A90790D-756E-4003-B92C-09BB2A643E69}" sibTransId="{E8E389D4-B575-4AAB-BEE3-1A7AA2C70884}"/>
-    <dgm:cxn modelId="{6E70BD0A-853F-4B7C-8923-C05DA19BF7B0}" type="presOf" srcId="{1305A32B-F53F-4A77-840B-83014031EBAB}" destId="{48EF16F1-9C2C-490C-8E02-B1A6EEF72F4F}" srcOrd="1" destOrd="0" presId="urn:microsoft.com/office/officeart/2009/3/layout/HorizontalOrganizationChart"/>
+    <dgm:cxn modelId="{4A2C0F58-E3EC-4AA9-B477-D672E136624B}" type="presOf" srcId="{F144EDDD-F771-4871-A577-81D9D6C05FC7}" destId="{72F9DAA5-67E1-4985-B550-F3C1FDBC7A4E}" srcOrd="0" destOrd="0" presId="urn:microsoft.com/office/officeart/2009/3/layout/HorizontalOrganizationChart"/>
+    <dgm:cxn modelId="{6F6014F5-B632-477D-B6F6-162B486A8B34}" srcId="{A444AA9D-E1CC-4E62-814D-39D4D31992AE}" destId="{F93B4164-9EC1-42D3-806C-40DEB15B52A7}" srcOrd="1" destOrd="0" parTransId="{F5F6D209-3F75-4719-98E5-1E37B5F48EC0}" sibTransId="{2F20BDA6-3A49-4926-81E5-6B1B010ED1AF}"/>
+    <dgm:cxn modelId="{265BCC60-D90A-47B7-9415-ED8859B82612}" type="presOf" srcId="{31B6728D-5C8B-43AC-94BC-A8B2632C9DD2}" destId="{B5CBB6B1-6AF9-46FC-AD32-CE00A51B8945}" srcOrd="0" destOrd="0" presId="urn:microsoft.com/office/officeart/2009/3/layout/HorizontalOrganizationChart"/>
     <dgm:cxn modelId="{DCCF515B-719C-4EEF-98A0-67E3E5B567DC}" type="presOf" srcId="{1305A32B-F53F-4A77-840B-83014031EBAB}" destId="{43DC58B2-44E0-4D97-B3B6-E45CBA5C4037}" srcOrd="0" destOrd="0" presId="urn:microsoft.com/office/officeart/2009/3/layout/HorizontalOrganizationChart"/>
-    <dgm:cxn modelId="{E10A1F61-8AB6-49BF-8531-FCC2377E6756}" type="presOf" srcId="{A249F905-7E9B-463A-A1AA-5B49E024D231}" destId="{7CD820B9-7843-476A-9DB9-4C5ADF8CBE90}" srcOrd="0" destOrd="0" presId="urn:microsoft.com/office/officeart/2009/3/layout/HorizontalOrganizationChart"/>
-    <dgm:cxn modelId="{BBC65A9E-402F-4833-84FC-E3C930023638}" srcId="{F93B4164-9EC1-42D3-806C-40DEB15B52A7}" destId="{AF5C623A-49EA-4F08-88E0-4FE93508D05B}" srcOrd="2" destOrd="0" parTransId="{31B6728D-5C8B-43AC-94BC-A8B2632C9DD2}" sibTransId="{13DAA6BF-0802-4868-AFAB-1A8A8F79CD58}"/>
+    <dgm:cxn modelId="{814FFCEC-0AF0-46FA-B882-9A88157CF8DE}" type="presOf" srcId="{0506413A-558B-472B-82C9-BE94B49A70FA}" destId="{A5C4CFA2-F83E-4FD7-BA9A-16A2D1C16209}" srcOrd="0" destOrd="0" presId="urn:microsoft.com/office/officeart/2009/3/layout/HorizontalOrganizationChart"/>
+    <dgm:cxn modelId="{492DA118-B28B-45EA-8784-5C5EB793A8AE}" type="presOf" srcId="{AF5C623A-49EA-4F08-88E0-4FE93508D05B}" destId="{EA31E612-ABE8-432F-8860-9CE44878045E}" srcOrd="1" destOrd="0" presId="urn:microsoft.com/office/officeart/2009/3/layout/HorizontalOrganizationChart"/>
+    <dgm:cxn modelId="{BEDEE40B-B13B-4595-95E8-AF15038E7E90}" type="presOf" srcId="{0506413A-558B-472B-82C9-BE94B49A70FA}" destId="{A5C1906A-82DD-4295-956C-C69DE3C2E69E}" srcOrd="1" destOrd="0" presId="urn:microsoft.com/office/officeart/2009/3/layout/HorizontalOrganizationChart"/>
+    <dgm:cxn modelId="{B58313A9-557B-4E92-8FEF-8CECE399A6A8}" type="presOf" srcId="{98751D4E-4884-450C-AD94-5B82E706CE56}" destId="{A0433DDC-38A0-491E-B2E4-CC866957FCDD}" srcOrd="0" destOrd="0" presId="urn:microsoft.com/office/officeart/2009/3/layout/HorizontalOrganizationChart"/>
+    <dgm:cxn modelId="{63F59DFF-5E79-40D6-9AD8-AE0240556776}" srcId="{C765C892-DFA3-4AB0-AAC5-DEA76887D9F3}" destId="{A444AA9D-E1CC-4E62-814D-39D4D31992AE}" srcOrd="0" destOrd="0" parTransId="{A226BF7E-2172-4602-8B34-BBCF1300809F}" sibTransId="{03E555CC-DFF3-4BDE-B979-E473D91F66C4}"/>
     <dgm:cxn modelId="{EF9BD26B-A3C8-424A-AF2A-93E529CBCA0A}" type="presOf" srcId="{4559A152-1AA8-458C-9F9C-099623C92D83}" destId="{7DDAF8C5-5C65-4BB5-83D8-D022E74C6F11}" srcOrd="0" destOrd="0" presId="urn:microsoft.com/office/officeart/2009/3/layout/HorizontalOrganizationChart"/>
-    <dgm:cxn modelId="{540F88EB-35BC-48F1-81D3-E57992CDD3B5}" type="presOf" srcId="{92E1E5D2-7D02-4C3E-9970-7D074236425A}" destId="{D71ECCDD-505A-4E6A-BF2C-BA16FAADF0C6}" srcOrd="1" destOrd="0" presId="urn:microsoft.com/office/officeart/2009/3/layout/HorizontalOrganizationChart"/>
-    <dgm:cxn modelId="{63F59DFF-5E79-40D6-9AD8-AE0240556776}" srcId="{C765C892-DFA3-4AB0-AAC5-DEA76887D9F3}" destId="{A444AA9D-E1CC-4E62-814D-39D4D31992AE}" srcOrd="0" destOrd="0" parTransId="{A226BF7E-2172-4602-8B34-BBCF1300809F}" sibTransId="{03E555CC-DFF3-4BDE-B979-E473D91F66C4}"/>
-    <dgm:cxn modelId="{D6564801-9D19-4D5B-9E7C-861A876EDFC4}" type="presOf" srcId="{F2C93FE7-54E4-4670-915E-4B14943BFF6B}" destId="{EDB6CDCF-E1EF-422C-8C62-FA6F2C9A288B}" srcOrd="1" destOrd="0" presId="urn:microsoft.com/office/officeart/2009/3/layout/HorizontalOrganizationChart"/>
-    <dgm:cxn modelId="{C9BCED3E-F117-44C5-896E-2D873F0C302B}" type="presOf" srcId="{CA4EE4C9-026B-411B-9A01-3C197BB7ACA8}" destId="{86CD6BB2-3935-4583-B3C4-F94F574AF2F1}" srcOrd="0" destOrd="0" presId="urn:microsoft.com/office/officeart/2009/3/layout/HorizontalOrganizationChart"/>
-    <dgm:cxn modelId="{DB967D29-F43F-48F2-AEE6-37AE46AA3395}" type="presOf" srcId="{C765C892-DFA3-4AB0-AAC5-DEA76887D9F3}" destId="{8630FDD7-AB92-4A6F-9A2B-8BF54C12D2E5}" srcOrd="0" destOrd="0" presId="urn:microsoft.com/office/officeart/2009/3/layout/HorizontalOrganizationChart"/>
-    <dgm:cxn modelId="{9CF23B3D-7C09-4161-BE92-99F3CA47D243}" type="presOf" srcId="{F93B4164-9EC1-42D3-806C-40DEB15B52A7}" destId="{636CD6F1-F7F5-4326-B6D9-E71CECC53D06}" srcOrd="0" destOrd="0" presId="urn:microsoft.com/office/officeart/2009/3/layout/HorizontalOrganizationChart"/>
-    <dgm:cxn modelId="{4A2C0F58-E3EC-4AA9-B477-D672E136624B}" type="presOf" srcId="{F144EDDD-F771-4871-A577-81D9D6C05FC7}" destId="{72F9DAA5-67E1-4985-B550-F3C1FDBC7A4E}" srcOrd="0" destOrd="0" presId="urn:microsoft.com/office/officeart/2009/3/layout/HorizontalOrganizationChart"/>
-    <dgm:cxn modelId="{D6CAE6EF-C3B5-4233-A1DA-84C586C0DD6E}" type="presOf" srcId="{F93B4164-9EC1-42D3-806C-40DEB15B52A7}" destId="{DDA6C49E-FE3F-4892-9E1D-5F2C0F9984F6}" srcOrd="1" destOrd="0" presId="urn:microsoft.com/office/officeart/2009/3/layout/HorizontalOrganizationChart"/>
-    <dgm:cxn modelId="{2E412CEC-C56B-4E3C-841E-FCFB839E46F8}" srcId="{F93B4164-9EC1-42D3-806C-40DEB15B52A7}" destId="{3F5E312B-6EF7-4EDF-8A6E-A8B57B7B8553}" srcOrd="0" destOrd="0" parTransId="{AADEFECA-4BEB-4B0E-B3C1-A90916704ED7}" sibTransId="{71963E46-FAC2-4FAD-BBEE-F875DE933911}"/>
-    <dgm:cxn modelId="{265BCC60-D90A-47B7-9415-ED8859B82612}" type="presOf" srcId="{31B6728D-5C8B-43AC-94BC-A8B2632C9DD2}" destId="{B5CBB6B1-6AF9-46FC-AD32-CE00A51B8945}" srcOrd="0" destOrd="0" presId="urn:microsoft.com/office/officeart/2009/3/layout/HorizontalOrganizationChart"/>
-    <dgm:cxn modelId="{18D433DC-AD70-4612-8DDA-9B30D273E759}" srcId="{F93B4164-9EC1-42D3-806C-40DEB15B52A7}" destId="{07F8895F-73C6-48E7-92FB-A7AE3FFD5D24}" srcOrd="1" destOrd="0" parTransId="{92415CBB-27B4-4080-BBB5-D825828986B1}" sibTransId="{538EBC35-31FC-4ABD-B8ED-DB204F550954}"/>
-    <dgm:cxn modelId="{1DCAE597-38BB-4B19-9509-A3CA0C074245}" srcId="{9ECED828-20B7-4B2D-A93F-4EAD25BFD086}" destId="{1305A32B-F53F-4A77-840B-83014031EBAB}" srcOrd="0" destOrd="0" parTransId="{7DD96D21-5819-489B-A882-E950BB53A72A}" sibTransId="{8CCA59AE-E1D5-48C9-8E98-DDACD206BDDF}"/>
-    <dgm:cxn modelId="{0D6C975D-637C-458A-B761-F4BBBDDC5DF6}" type="presOf" srcId="{7DD96D21-5819-489B-A882-E950BB53A72A}" destId="{D93940C2-17F6-43AD-80A4-019CB4324CFF}" srcOrd="0" destOrd="0" presId="urn:microsoft.com/office/officeart/2009/3/layout/HorizontalOrganizationChart"/>
-    <dgm:cxn modelId="{EB8B45B2-BEBF-4021-AAD7-325D900D1F6F}" type="presOf" srcId="{AF2A3F81-0CE3-4CF8-8B9D-732DF119BFF4}" destId="{D5965F06-FDFE-4E6D-BAA5-FCDD3871EC9E}" srcOrd="0" destOrd="0" presId="urn:microsoft.com/office/officeart/2009/3/layout/HorizontalOrganizationChart"/>
+    <dgm:cxn modelId="{9778239F-D02D-4B53-86C5-F8B044FC8C0C}" type="presOf" srcId="{9ECED828-20B7-4B2D-A93F-4EAD25BFD086}" destId="{9B34D963-68D2-4EAC-82AA-CAFA32AE5C6A}" srcOrd="0" destOrd="0" presId="urn:microsoft.com/office/officeart/2009/3/layout/HorizontalOrganizationChart"/>
+    <dgm:cxn modelId="{73074F73-36D2-4B12-A9BB-F3F3B3149C98}" type="presOf" srcId="{3F5E312B-6EF7-4EDF-8A6E-A8B57B7B8553}" destId="{BF0897BD-1405-4467-A99E-4CDFA7615C55}" srcOrd="1" destOrd="0" presId="urn:microsoft.com/office/officeart/2009/3/layout/HorizontalOrganizationChart"/>
+    <dgm:cxn modelId="{91F24BD4-79F3-4AFA-9601-870C7A808AED}" type="presOf" srcId="{92E1E5D2-7D02-4C3E-9970-7D074236425A}" destId="{FFAADCF6-7E1D-4A02-83D5-AF83A5FA56B9}" srcOrd="0" destOrd="0" presId="urn:microsoft.com/office/officeart/2009/3/layout/HorizontalOrganizationChart"/>
+    <dgm:cxn modelId="{E5A13DB6-3EC7-4D06-AA1E-73363ED17976}" type="presOf" srcId="{07F8895F-73C6-48E7-92FB-A7AE3FFD5D24}" destId="{9BCFB519-B600-418E-9925-12688D6A3C0E}" srcOrd="0" destOrd="0" presId="urn:microsoft.com/office/officeart/2009/3/layout/HorizontalOrganizationChart"/>
     <dgm:cxn modelId="{7C30B865-ED6A-4EC1-A44E-B744C60A3EEC}" type="presOf" srcId="{07F8895F-73C6-48E7-92FB-A7AE3FFD5D24}" destId="{067793D0-253F-434B-A162-7134A70030B6}" srcOrd="1" destOrd="0" presId="urn:microsoft.com/office/officeart/2009/3/layout/HorizontalOrganizationChart"/>
-    <dgm:cxn modelId="{DAADA83B-7B1F-4341-8871-8FCAA93F9A02}" srcId="{F93B4164-9EC1-42D3-806C-40DEB15B52A7}" destId="{F144EDDD-F771-4871-A577-81D9D6C05FC7}" srcOrd="3" destOrd="0" parTransId="{6FBC4581-86F6-4C7F-9109-47646AAB714D}" sibTransId="{BFB240A7-34E7-4A92-AD3A-E4A24FE8D265}"/>
-    <dgm:cxn modelId="{66EF0F8C-42C3-4963-97DA-C67A5DBAF23D}" type="presOf" srcId="{F5F6D209-3F75-4719-98E5-1E37B5F48EC0}" destId="{42A06A71-4233-4C91-ADB7-5EA47BB4D535}" srcOrd="0" destOrd="0" presId="urn:microsoft.com/office/officeart/2009/3/layout/HorizontalOrganizationChart"/>
-    <dgm:cxn modelId="{814FFCEC-0AF0-46FA-B882-9A88157CF8DE}" type="presOf" srcId="{0506413A-558B-472B-82C9-BE94B49A70FA}" destId="{A5C4CFA2-F83E-4FD7-BA9A-16A2D1C16209}" srcOrd="0" destOrd="0" presId="urn:microsoft.com/office/officeart/2009/3/layout/HorizontalOrganizationChart"/>
-    <dgm:cxn modelId="{6F6014F5-B632-477D-B6F6-162B486A8B34}" srcId="{A444AA9D-E1CC-4E62-814D-39D4D31992AE}" destId="{F93B4164-9EC1-42D3-806C-40DEB15B52A7}" srcOrd="1" destOrd="0" parTransId="{F5F6D209-3F75-4719-98E5-1E37B5F48EC0}" sibTransId="{2F20BDA6-3A49-4926-81E5-6B1B010ED1AF}"/>
-    <dgm:cxn modelId="{9778239F-D02D-4B53-86C5-F8B044FC8C0C}" type="presOf" srcId="{9ECED828-20B7-4B2D-A93F-4EAD25BFD086}" destId="{9B34D963-68D2-4EAC-82AA-CAFA32AE5C6A}" srcOrd="0" destOrd="0" presId="urn:microsoft.com/office/officeart/2009/3/layout/HorizontalOrganizationChart"/>
-    <dgm:cxn modelId="{086CD9B3-7ED6-4B74-ABF9-5DA960C813D2}" type="presOf" srcId="{AADEFECA-4BEB-4B0E-B3C1-A90916704ED7}" destId="{5C7596BD-D421-4FF6-9752-76232FF697E9}" srcOrd="0" destOrd="0" presId="urn:microsoft.com/office/officeart/2009/3/layout/HorizontalOrganizationChart"/>
-    <dgm:cxn modelId="{43BF3759-F4A0-4F48-8E02-10A967CC9231}" type="presOf" srcId="{6FBC4581-86F6-4C7F-9109-47646AAB714D}" destId="{93D47DB9-236E-47A8-9CE3-E8B9DA240574}" srcOrd="0" destOrd="0" presId="urn:microsoft.com/office/officeart/2009/3/layout/HorizontalOrganizationChart"/>
-    <dgm:cxn modelId="{14314BC6-CEBC-409F-BE53-5912FD283716}" type="presOf" srcId="{848B06E5-537C-43E8-87F9-BC5BAD5AB5FA}" destId="{13C4F1BA-A0C1-4BF4-83AA-70F09832A28C}" srcOrd="0" destOrd="0" presId="urn:microsoft.com/office/officeart/2009/3/layout/HorizontalOrganizationChart"/>
-    <dgm:cxn modelId="{9C1F3823-88D3-4167-B005-9BD71E1316C7}" srcId="{A444AA9D-E1CC-4E62-814D-39D4D31992AE}" destId="{9ECED828-20B7-4B2D-A93F-4EAD25BFD086}" srcOrd="2" destOrd="0" parTransId="{A249F905-7E9B-463A-A1AA-5B49E024D231}" sibTransId="{166FDE58-11FD-43FE-A90F-212AA78F1E9A}"/>
-    <dgm:cxn modelId="{E5A13DB6-3EC7-4D06-AA1E-73363ED17976}" type="presOf" srcId="{07F8895F-73C6-48E7-92FB-A7AE3FFD5D24}" destId="{9BCFB519-B600-418E-9925-12688D6A3C0E}" srcOrd="0" destOrd="0" presId="urn:microsoft.com/office/officeart/2009/3/layout/HorizontalOrganizationChart"/>
-    <dgm:cxn modelId="{B127DB50-B379-469E-8975-746E440B0CE0}" type="presOf" srcId="{F2C93FE7-54E4-4670-915E-4B14943BFF6B}" destId="{AD3EFA24-6F79-46CA-8512-18B9FD53EADA}" srcOrd="0" destOrd="0" presId="urn:microsoft.com/office/officeart/2009/3/layout/HorizontalOrganizationChart"/>
-    <dgm:cxn modelId="{AB3C2351-8471-4DB9-81D6-98401A042E26}" type="presOf" srcId="{92415CBB-27B4-4080-BBB5-D825828986B1}" destId="{5F8AB91F-3D9F-4854-A25D-5FE000B2E781}" srcOrd="0" destOrd="0" presId="urn:microsoft.com/office/officeart/2009/3/layout/HorizontalOrganizationChart"/>
-    <dgm:cxn modelId="{8F96B27A-3EF5-4405-93B5-1FC97A5A8D5C}" srcId="{9ECED828-20B7-4B2D-A93F-4EAD25BFD086}" destId="{AF2A3F81-0CE3-4CF8-8B9D-732DF119BFF4}" srcOrd="1" destOrd="0" parTransId="{848B06E5-537C-43E8-87F9-BC5BAD5AB5FA}" sibTransId="{8F992BB8-F7F5-4BD1-939B-51E9B18CC91D}"/>
-    <dgm:cxn modelId="{E8FF51CB-7AE0-48EC-9991-1070CA0E990A}" type="presOf" srcId="{98751D4E-4884-450C-AD94-5B82E706CE56}" destId="{34944EAC-FE0C-4834-A384-4B57D1DB48C1}" srcOrd="1" destOrd="0" presId="urn:microsoft.com/office/officeart/2009/3/layout/HorizontalOrganizationChart"/>
-    <dgm:cxn modelId="{B545F645-1A47-4EA3-A952-A8A9DDC5D573}" type="presOf" srcId="{AF5C623A-49EA-4F08-88E0-4FE93508D05B}" destId="{9C8D73E8-0F43-4F7E-996C-AD51B59BC6FF}" srcOrd="0" destOrd="0" presId="urn:microsoft.com/office/officeart/2009/3/layout/HorizontalOrganizationChart"/>
-    <dgm:cxn modelId="{73074F73-36D2-4B12-A9BB-F3F3B3149C98}" type="presOf" srcId="{3F5E312B-6EF7-4EDF-8A6E-A8B57B7B8553}" destId="{BF0897BD-1405-4467-A99E-4CDFA7615C55}" srcOrd="1" destOrd="0" presId="urn:microsoft.com/office/officeart/2009/3/layout/HorizontalOrganizationChart"/>
-    <dgm:cxn modelId="{42E75393-DCBD-49DC-8739-E0CC20E01A8D}" type="presOf" srcId="{0A90790D-756E-4003-B92C-09BB2A643E69}" destId="{880876C4-DD6A-41B5-9D59-BF01A237AFF9}" srcOrd="0" destOrd="0" presId="urn:microsoft.com/office/officeart/2009/3/layout/HorizontalOrganizationChart"/>
-    <dgm:cxn modelId="{1A768481-AD7F-44A6-892E-4790BAC7A2DC}" type="presOf" srcId="{3F5E312B-6EF7-4EDF-8A6E-A8B57B7B8553}" destId="{05FA11F8-2983-47C0-BDA4-D035D025E02F}" srcOrd="0" destOrd="0" presId="urn:microsoft.com/office/officeart/2009/3/layout/HorizontalOrganizationChart"/>
-    <dgm:cxn modelId="{1531A51F-9218-497C-B0CA-3E16D7B7A3E6}" type="presOf" srcId="{F144EDDD-F771-4871-A577-81D9D6C05FC7}" destId="{E14E1B4C-34A0-4983-AC81-07D956F6F461}" srcOrd="1" destOrd="0" presId="urn:microsoft.com/office/officeart/2009/3/layout/HorizontalOrganizationChart"/>
-    <dgm:cxn modelId="{B58313A9-557B-4E92-8FEF-8CECE399A6A8}" type="presOf" srcId="{98751D4E-4884-450C-AD94-5B82E706CE56}" destId="{A0433DDC-38A0-491E-B2E4-CC866957FCDD}" srcOrd="0" destOrd="0" presId="urn:microsoft.com/office/officeart/2009/3/layout/HorizontalOrganizationChart"/>
-    <dgm:cxn modelId="{6E4CF2D5-8DA5-47D4-8667-96BC5F66B4FA}" srcId="{0506413A-558B-472B-82C9-BE94B49A70FA}" destId="{92E1E5D2-7D02-4C3E-9970-7D074236425A}" srcOrd="1" destOrd="0" parTransId="{CA4EE4C9-026B-411B-9A01-3C197BB7ACA8}" sibTransId="{2693282B-147D-461A-804A-FBEB4B11C249}"/>
-    <dgm:cxn modelId="{BEDEE40B-B13B-4595-95E8-AF15038E7E90}" type="presOf" srcId="{0506413A-558B-472B-82C9-BE94B49A70FA}" destId="{A5C1906A-82DD-4295-956C-C69DE3C2E69E}" srcOrd="1" destOrd="0" presId="urn:microsoft.com/office/officeart/2009/3/layout/HorizontalOrganizationChart"/>
-    <dgm:cxn modelId="{5E7682A7-51EF-47CB-8430-48E4279B9572}" type="presOf" srcId="{AF2A3F81-0CE3-4CF8-8B9D-732DF119BFF4}" destId="{BD376912-B86E-4C99-9AC0-7B6D1FCEB8E3}" srcOrd="1" destOrd="0" presId="urn:microsoft.com/office/officeart/2009/3/layout/HorizontalOrganizationChart"/>
-    <dgm:cxn modelId="{91F24BD4-79F3-4AFA-9601-870C7A808AED}" type="presOf" srcId="{92E1E5D2-7D02-4C3E-9970-7D074236425A}" destId="{FFAADCF6-7E1D-4A02-83D5-AF83A5FA56B9}" srcOrd="0" destOrd="0" presId="urn:microsoft.com/office/officeart/2009/3/layout/HorizontalOrganizationChart"/>
-    <dgm:cxn modelId="{492DA118-B28B-45EA-8784-5C5EB793A8AE}" type="presOf" srcId="{AF5C623A-49EA-4F08-88E0-4FE93508D05B}" destId="{EA31E612-ABE8-432F-8860-9CE44878045E}" srcOrd="1" destOrd="0" presId="urn:microsoft.com/office/officeart/2009/3/layout/HorizontalOrganizationChart"/>
-    <dgm:cxn modelId="{286F227A-FD0D-450D-B68C-FD7F0FE8C81B}" type="presOf" srcId="{9ECED828-20B7-4B2D-A93F-4EAD25BFD086}" destId="{3BA320A7-F463-40B3-9DA7-4C4671DA4C7A}" srcOrd="1" destOrd="0" presId="urn:microsoft.com/office/officeart/2009/3/layout/HorizontalOrganizationChart"/>
     <dgm:cxn modelId="{628B1379-F880-47F8-BA15-922DE1310EF5}" type="presParOf" srcId="{8630FDD7-AB92-4A6F-9A2B-8BF54C12D2E5}" destId="{8B7B275C-588A-4BE8-B980-96A4ADF7913E}" srcOrd="0" destOrd="0" presId="urn:microsoft.com/office/officeart/2009/3/layout/HorizontalOrganizationChart"/>
     <dgm:cxn modelId="{7AC1833D-0A9C-460A-B9EF-8C324AE48E8B}" type="presParOf" srcId="{8B7B275C-588A-4BE8-B980-96A4ADF7913E}" destId="{D6165584-7E05-4366-A3B9-908AF18105DF}" srcOrd="0" destOrd="0" presId="urn:microsoft.com/office/officeart/2009/3/layout/HorizontalOrganizationChart"/>
     <dgm:cxn modelId="{4291DD85-173D-4D3A-BFAA-C183FBEE763E}" type="presParOf" srcId="{D6165584-7E05-4366-A3B9-908AF18105DF}" destId="{C85D0FDD-2735-445C-AECE-674F1FB2F543}" srcOrd="0" destOrd="0" presId="urn:microsoft.com/office/officeart/2009/3/layout/HorizontalOrganizationChart"/>
@@ -10928,7 +10928,7 @@
         <a:lstStyle/>
         <a:p>
           <a:r>
-            <a:rPr lang="pt-BR" b="0" cap="none" spc="0" smtClean="0">
+            <a:rPr lang="pt-BR" b="0" cap="none" spc="0" dirty="0" smtClean="0">
               <a:ln w="0"/>
               <a:effectLst>
                 <a:outerShdw blurRad="38100" dist="19050" dir="2700000" algn="tl" rotWithShape="0">
@@ -12104,33 +12104,33 @@
     </dgm:pt>
   </dgm:ptLst>
   <dgm:cxnLst>
-    <dgm:cxn modelId="{63F59DFF-5E79-40D6-9AD8-AE0240556776}" srcId="{C765C892-DFA3-4AB0-AAC5-DEA76887D9F3}" destId="{A444AA9D-E1CC-4E62-814D-39D4D31992AE}" srcOrd="0" destOrd="0" parTransId="{A226BF7E-2172-4602-8B34-BBCF1300809F}" sibTransId="{03E555CC-DFF3-4BDE-B979-E473D91F66C4}"/>
-    <dgm:cxn modelId="{9436A9A5-433D-4B30-A4A8-75189D2825D8}" srcId="{A444AA9D-E1CC-4E62-814D-39D4D31992AE}" destId="{0506413A-558B-472B-82C9-BE94B49A70FA}" srcOrd="0" destOrd="0" parTransId="{0A90790D-756E-4003-B92C-09BB2A643E69}" sibTransId="{E8E389D4-B575-4AAB-BEE3-1A7AA2C70884}"/>
-    <dgm:cxn modelId="{F65051D1-1997-4BDC-B2AC-CC7B71A0B869}" type="presOf" srcId="{C765C892-DFA3-4AB0-AAC5-DEA76887D9F3}" destId="{81CFC0DF-98E2-4E97-A96C-D614662DBB33}" srcOrd="0" destOrd="0" presId="urn:microsoft.com/office/officeart/2005/8/layout/hierarchy4"/>
-    <dgm:cxn modelId="{BBC65A9E-402F-4833-84FC-E3C930023638}" srcId="{F93B4164-9EC1-42D3-806C-40DEB15B52A7}" destId="{AF5C623A-49EA-4F08-88E0-4FE93508D05B}" srcOrd="2" destOrd="0" parTransId="{31B6728D-5C8B-43AC-94BC-A8B2632C9DD2}" sibTransId="{13DAA6BF-0802-4868-AFAB-1A8A8F79CD58}"/>
+    <dgm:cxn modelId="{E374A2B8-82C7-45B0-8A73-C20B0FDB9F69}" type="presOf" srcId="{AF2A3F81-0CE3-4CF8-8B9D-732DF119BFF4}" destId="{E63E415D-BFEE-4984-88F7-3CD1AA1F2E47}" srcOrd="0" destOrd="0" presId="urn:microsoft.com/office/officeart/2005/8/layout/hierarchy4"/>
+    <dgm:cxn modelId="{A9CC7C4E-AA32-4C16-89E4-31A41B25EEEE}" srcId="{9ECED828-20B7-4B2D-A93F-4EAD25BFD086}" destId="{F2C93FE7-54E4-4670-915E-4B14943BFF6B}" srcOrd="2" destOrd="0" parTransId="{4559A152-1AA8-458C-9F9C-099623C92D83}" sibTransId="{4825DD2A-1737-46EF-B20F-F3B5A2E8E290}"/>
+    <dgm:cxn modelId="{5F057116-C2AE-4C66-9EA2-770190770D14}" type="presOf" srcId="{0506413A-558B-472B-82C9-BE94B49A70FA}" destId="{75420712-824D-4795-9E7B-6E5C978EB114}" srcOrd="0" destOrd="0" presId="urn:microsoft.com/office/officeart/2005/8/layout/hierarchy4"/>
+    <dgm:cxn modelId="{999D84DE-6D7A-4A77-A7AD-10B88FD2D2CF}" type="presOf" srcId="{1305A32B-F53F-4A77-840B-83014031EBAB}" destId="{1EEBCEFC-BDF2-4F2E-8AA6-2B73076C1B0A}" srcOrd="0" destOrd="0" presId="urn:microsoft.com/office/officeart/2005/8/layout/hierarchy4"/>
     <dgm:cxn modelId="{BFBD2B5C-EAC1-4461-8359-0CC1369DED2B}" type="presOf" srcId="{F144EDDD-F771-4871-A577-81D9D6C05FC7}" destId="{4F24DF4E-6B60-4A0C-97A4-69F289860ED5}" srcOrd="0" destOrd="0" presId="urn:microsoft.com/office/officeart/2005/8/layout/hierarchy4"/>
-    <dgm:cxn modelId="{1DCAE597-38BB-4B19-9509-A3CA0C074245}" srcId="{9ECED828-20B7-4B2D-A93F-4EAD25BFD086}" destId="{1305A32B-F53F-4A77-840B-83014031EBAB}" srcOrd="0" destOrd="0" parTransId="{7DD96D21-5819-489B-A882-E950BB53A72A}" sibTransId="{8CCA59AE-E1D5-48C9-8E98-DDACD206BDDF}"/>
-    <dgm:cxn modelId="{5F057116-C2AE-4C66-9EA2-770190770D14}" type="presOf" srcId="{0506413A-558B-472B-82C9-BE94B49A70FA}" destId="{75420712-824D-4795-9E7B-6E5C978EB114}" srcOrd="0" destOrd="0" presId="urn:microsoft.com/office/officeart/2005/8/layout/hierarchy4"/>
+    <dgm:cxn modelId="{6E4CF2D5-8DA5-47D4-8667-96BC5F66B4FA}" srcId="{0506413A-558B-472B-82C9-BE94B49A70FA}" destId="{92E1E5D2-7D02-4C3E-9970-7D074236425A}" srcOrd="1" destOrd="0" parTransId="{CA4EE4C9-026B-411B-9A01-3C197BB7ACA8}" sibTransId="{2693282B-147D-461A-804A-FBEB4B11C249}"/>
+    <dgm:cxn modelId="{AC27F738-F491-40DF-9289-48AF931D393B}" type="presOf" srcId="{92E1E5D2-7D02-4C3E-9970-7D074236425A}" destId="{57A76745-5EEB-4FA9-A777-DE17BC47351F}" srcOrd="0" destOrd="0" presId="urn:microsoft.com/office/officeart/2005/8/layout/hierarchy4"/>
+    <dgm:cxn modelId="{1C3ABAA0-4BB8-4397-B489-ED42432D37F5}" type="presOf" srcId="{07F8895F-73C6-48E7-92FB-A7AE3FFD5D24}" destId="{EDF213E4-555C-4BE2-BB3C-E60DF9EA1354}" srcOrd="0" destOrd="0" presId="urn:microsoft.com/office/officeart/2005/8/layout/hierarchy4"/>
+    <dgm:cxn modelId="{DAADA83B-7B1F-4341-8871-8FCAA93F9A02}" srcId="{F93B4164-9EC1-42D3-806C-40DEB15B52A7}" destId="{F144EDDD-F771-4871-A577-81D9D6C05FC7}" srcOrd="3" destOrd="0" parTransId="{6FBC4581-86F6-4C7F-9109-47646AAB714D}" sibTransId="{BFB240A7-34E7-4A92-AD3A-E4A24FE8D265}"/>
     <dgm:cxn modelId="{43952A58-DCFE-4413-83B6-B035619A5B08}" type="presOf" srcId="{3F5E312B-6EF7-4EDF-8A6E-A8B57B7B8553}" destId="{0BC71F20-5D10-4698-8BD2-EA49AF651294}" srcOrd="0" destOrd="0" presId="urn:microsoft.com/office/officeart/2005/8/layout/hierarchy4"/>
     <dgm:cxn modelId="{692A671C-A34A-4E07-98AE-3944E69DF27C}" type="presOf" srcId="{F93B4164-9EC1-42D3-806C-40DEB15B52A7}" destId="{FD8465C5-ECAF-464F-B3EE-AA9A841B7C11}" srcOrd="0" destOrd="0" presId="urn:microsoft.com/office/officeart/2005/8/layout/hierarchy4"/>
-    <dgm:cxn modelId="{18D433DC-AD70-4612-8DDA-9B30D273E759}" srcId="{F93B4164-9EC1-42D3-806C-40DEB15B52A7}" destId="{07F8895F-73C6-48E7-92FB-A7AE3FFD5D24}" srcOrd="1" destOrd="0" parTransId="{92415CBB-27B4-4080-BBB5-D825828986B1}" sibTransId="{538EBC35-31FC-4ABD-B8ED-DB204F550954}"/>
-    <dgm:cxn modelId="{A9CC7C4E-AA32-4C16-89E4-31A41B25EEEE}" srcId="{9ECED828-20B7-4B2D-A93F-4EAD25BFD086}" destId="{F2C93FE7-54E4-4670-915E-4B14943BFF6B}" srcOrd="2" destOrd="0" parTransId="{4559A152-1AA8-458C-9F9C-099623C92D83}" sibTransId="{4825DD2A-1737-46EF-B20F-F3B5A2E8E290}"/>
-    <dgm:cxn modelId="{999D84DE-6D7A-4A77-A7AD-10B88FD2D2CF}" type="presOf" srcId="{1305A32B-F53F-4A77-840B-83014031EBAB}" destId="{1EEBCEFC-BDF2-4F2E-8AA6-2B73076C1B0A}" srcOrd="0" destOrd="0" presId="urn:microsoft.com/office/officeart/2005/8/layout/hierarchy4"/>
+    <dgm:cxn modelId="{BBE4ECD4-6281-4539-BDA3-1DB17155E149}" type="presOf" srcId="{AF5C623A-49EA-4F08-88E0-4FE93508D05B}" destId="{B064C285-CBC3-4DE3-8A2F-2DC6CD9A8FD1}" srcOrd="0" destOrd="0" presId="urn:microsoft.com/office/officeart/2005/8/layout/hierarchy4"/>
+    <dgm:cxn modelId="{1DCAE597-38BB-4B19-9509-A3CA0C074245}" srcId="{9ECED828-20B7-4B2D-A93F-4EAD25BFD086}" destId="{1305A32B-F53F-4A77-840B-83014031EBAB}" srcOrd="0" destOrd="0" parTransId="{7DD96D21-5819-489B-A882-E950BB53A72A}" sibTransId="{8CCA59AE-E1D5-48C9-8E98-DDACD206BDDF}"/>
+    <dgm:cxn modelId="{3218D3FC-7D5B-4AF1-BDFB-1D70CF20D348}" srcId="{0506413A-558B-472B-82C9-BE94B49A70FA}" destId="{98751D4E-4884-450C-AD94-5B82E706CE56}" srcOrd="0" destOrd="0" parTransId="{D355140D-4FC9-416F-A866-15207BB93A08}" sibTransId="{73770108-0E46-4D73-BA34-3DE8470E71F7}"/>
+    <dgm:cxn modelId="{6F6014F5-B632-477D-B6F6-162B486A8B34}" srcId="{A444AA9D-E1CC-4E62-814D-39D4D31992AE}" destId="{F93B4164-9EC1-42D3-806C-40DEB15B52A7}" srcOrd="1" destOrd="0" parTransId="{F5F6D209-3F75-4719-98E5-1E37B5F48EC0}" sibTransId="{2F20BDA6-3A49-4926-81E5-6B1B010ED1AF}"/>
+    <dgm:cxn modelId="{4E21592E-6BED-4F97-B191-3494660CE272}" type="presOf" srcId="{98751D4E-4884-450C-AD94-5B82E706CE56}" destId="{485D23E1-B1B7-4031-A9CB-FD21525B6851}" srcOrd="0" destOrd="0" presId="urn:microsoft.com/office/officeart/2005/8/layout/hierarchy4"/>
+    <dgm:cxn modelId="{9C1F3823-88D3-4167-B005-9BD71E1316C7}" srcId="{A444AA9D-E1CC-4E62-814D-39D4D31992AE}" destId="{9ECED828-20B7-4B2D-A93F-4EAD25BFD086}" srcOrd="2" destOrd="0" parTransId="{A249F905-7E9B-463A-A1AA-5B49E024D231}" sibTransId="{166FDE58-11FD-43FE-A90F-212AA78F1E9A}"/>
+    <dgm:cxn modelId="{8F96B27A-3EF5-4405-93B5-1FC97A5A8D5C}" srcId="{9ECED828-20B7-4B2D-A93F-4EAD25BFD086}" destId="{AF2A3F81-0CE3-4CF8-8B9D-732DF119BFF4}" srcOrd="1" destOrd="0" parTransId="{848B06E5-537C-43E8-87F9-BC5BAD5AB5FA}" sibTransId="{8F992BB8-F7F5-4BD1-939B-51E9B18CC91D}"/>
+    <dgm:cxn modelId="{F65051D1-1997-4BDC-B2AC-CC7B71A0B869}" type="presOf" srcId="{C765C892-DFA3-4AB0-AAC5-DEA76887D9F3}" destId="{81CFC0DF-98E2-4E97-A96C-D614662DBB33}" srcOrd="0" destOrd="0" presId="urn:microsoft.com/office/officeart/2005/8/layout/hierarchy4"/>
+    <dgm:cxn modelId="{63F59DFF-5E79-40D6-9AD8-AE0240556776}" srcId="{C765C892-DFA3-4AB0-AAC5-DEA76887D9F3}" destId="{A444AA9D-E1CC-4E62-814D-39D4D31992AE}" srcOrd="0" destOrd="0" parTransId="{A226BF7E-2172-4602-8B34-BBCF1300809F}" sibTransId="{03E555CC-DFF3-4BDE-B979-E473D91F66C4}"/>
     <dgm:cxn modelId="{DA8A6FA4-2B8D-4EE2-8FEE-C05DE36352E0}" type="presOf" srcId="{9ECED828-20B7-4B2D-A93F-4EAD25BFD086}" destId="{78410FDE-F7B1-47E2-8CC6-A01D4089F0B6}" srcOrd="0" destOrd="0" presId="urn:microsoft.com/office/officeart/2005/8/layout/hierarchy4"/>
-    <dgm:cxn modelId="{BBE4ECD4-6281-4539-BDA3-1DB17155E149}" type="presOf" srcId="{AF5C623A-49EA-4F08-88E0-4FE93508D05B}" destId="{B064C285-CBC3-4DE3-8A2F-2DC6CD9A8FD1}" srcOrd="0" destOrd="0" presId="urn:microsoft.com/office/officeart/2005/8/layout/hierarchy4"/>
-    <dgm:cxn modelId="{3218D3FC-7D5B-4AF1-BDFB-1D70CF20D348}" srcId="{0506413A-558B-472B-82C9-BE94B49A70FA}" destId="{98751D4E-4884-450C-AD94-5B82E706CE56}" srcOrd="0" destOrd="0" parTransId="{D355140D-4FC9-416F-A866-15207BB93A08}" sibTransId="{73770108-0E46-4D73-BA34-3DE8470E71F7}"/>
-    <dgm:cxn modelId="{9C1F3823-88D3-4167-B005-9BD71E1316C7}" srcId="{A444AA9D-E1CC-4E62-814D-39D4D31992AE}" destId="{9ECED828-20B7-4B2D-A93F-4EAD25BFD086}" srcOrd="2" destOrd="0" parTransId="{A249F905-7E9B-463A-A1AA-5B49E024D231}" sibTransId="{166FDE58-11FD-43FE-A90F-212AA78F1E9A}"/>
-    <dgm:cxn modelId="{2E412CEC-C56B-4E3C-841E-FCFB839E46F8}" srcId="{F93B4164-9EC1-42D3-806C-40DEB15B52A7}" destId="{3F5E312B-6EF7-4EDF-8A6E-A8B57B7B8553}" srcOrd="0" destOrd="0" parTransId="{AADEFECA-4BEB-4B0E-B3C1-A90916704ED7}" sibTransId="{71963E46-FAC2-4FAD-BBEE-F875DE933911}"/>
-    <dgm:cxn modelId="{8F96B27A-3EF5-4405-93B5-1FC97A5A8D5C}" srcId="{9ECED828-20B7-4B2D-A93F-4EAD25BFD086}" destId="{AF2A3F81-0CE3-4CF8-8B9D-732DF119BFF4}" srcOrd="1" destOrd="0" parTransId="{848B06E5-537C-43E8-87F9-BC5BAD5AB5FA}" sibTransId="{8F992BB8-F7F5-4BD1-939B-51E9B18CC91D}"/>
-    <dgm:cxn modelId="{6E4CF2D5-8DA5-47D4-8667-96BC5F66B4FA}" srcId="{0506413A-558B-472B-82C9-BE94B49A70FA}" destId="{92E1E5D2-7D02-4C3E-9970-7D074236425A}" srcOrd="1" destOrd="0" parTransId="{CA4EE4C9-026B-411B-9A01-3C197BB7ACA8}" sibTransId="{2693282B-147D-461A-804A-FBEB4B11C249}"/>
-    <dgm:cxn modelId="{6F6014F5-B632-477D-B6F6-162B486A8B34}" srcId="{A444AA9D-E1CC-4E62-814D-39D4D31992AE}" destId="{F93B4164-9EC1-42D3-806C-40DEB15B52A7}" srcOrd="1" destOrd="0" parTransId="{F5F6D209-3F75-4719-98E5-1E37B5F48EC0}" sibTransId="{2F20BDA6-3A49-4926-81E5-6B1B010ED1AF}"/>
     <dgm:cxn modelId="{BBA5D795-50F3-4277-8782-16DDEEF6C3A9}" type="presOf" srcId="{A444AA9D-E1CC-4E62-814D-39D4D31992AE}" destId="{06350606-E11B-4A7E-B773-08AB0EFCCCE0}" srcOrd="0" destOrd="0" presId="urn:microsoft.com/office/officeart/2005/8/layout/hierarchy4"/>
     <dgm:cxn modelId="{C8345E9E-61A7-4A8A-BA1A-C05FE66CBDF4}" type="presOf" srcId="{F2C93FE7-54E4-4670-915E-4B14943BFF6B}" destId="{4BDCB288-BF8E-4BC6-8982-0547B20EA757}" srcOrd="0" destOrd="0" presId="urn:microsoft.com/office/officeart/2005/8/layout/hierarchy4"/>
-    <dgm:cxn modelId="{AC27F738-F491-40DF-9289-48AF931D393B}" type="presOf" srcId="{92E1E5D2-7D02-4C3E-9970-7D074236425A}" destId="{57A76745-5EEB-4FA9-A777-DE17BC47351F}" srcOrd="0" destOrd="0" presId="urn:microsoft.com/office/officeart/2005/8/layout/hierarchy4"/>
-    <dgm:cxn modelId="{4E21592E-6BED-4F97-B191-3494660CE272}" type="presOf" srcId="{98751D4E-4884-450C-AD94-5B82E706CE56}" destId="{485D23E1-B1B7-4031-A9CB-FD21525B6851}" srcOrd="0" destOrd="0" presId="urn:microsoft.com/office/officeart/2005/8/layout/hierarchy4"/>
-    <dgm:cxn modelId="{DAADA83B-7B1F-4341-8871-8FCAA93F9A02}" srcId="{F93B4164-9EC1-42D3-806C-40DEB15B52A7}" destId="{F144EDDD-F771-4871-A577-81D9D6C05FC7}" srcOrd="3" destOrd="0" parTransId="{6FBC4581-86F6-4C7F-9109-47646AAB714D}" sibTransId="{BFB240A7-34E7-4A92-AD3A-E4A24FE8D265}"/>
-    <dgm:cxn modelId="{1C3ABAA0-4BB8-4397-B489-ED42432D37F5}" type="presOf" srcId="{07F8895F-73C6-48E7-92FB-A7AE3FFD5D24}" destId="{EDF213E4-555C-4BE2-BB3C-E60DF9EA1354}" srcOrd="0" destOrd="0" presId="urn:microsoft.com/office/officeart/2005/8/layout/hierarchy4"/>
-    <dgm:cxn modelId="{E374A2B8-82C7-45B0-8A73-C20B0FDB9F69}" type="presOf" srcId="{AF2A3F81-0CE3-4CF8-8B9D-732DF119BFF4}" destId="{E63E415D-BFEE-4984-88F7-3CD1AA1F2E47}" srcOrd="0" destOrd="0" presId="urn:microsoft.com/office/officeart/2005/8/layout/hierarchy4"/>
+    <dgm:cxn modelId="{BBC65A9E-402F-4833-84FC-E3C930023638}" srcId="{F93B4164-9EC1-42D3-806C-40DEB15B52A7}" destId="{AF5C623A-49EA-4F08-88E0-4FE93508D05B}" srcOrd="2" destOrd="0" parTransId="{31B6728D-5C8B-43AC-94BC-A8B2632C9DD2}" sibTransId="{13DAA6BF-0802-4868-AFAB-1A8A8F79CD58}"/>
+    <dgm:cxn modelId="{18D433DC-AD70-4612-8DDA-9B30D273E759}" srcId="{F93B4164-9EC1-42D3-806C-40DEB15B52A7}" destId="{07F8895F-73C6-48E7-92FB-A7AE3FFD5D24}" srcOrd="1" destOrd="0" parTransId="{92415CBB-27B4-4080-BBB5-D825828986B1}" sibTransId="{538EBC35-31FC-4ABD-B8ED-DB204F550954}"/>
+    <dgm:cxn modelId="{2E412CEC-C56B-4E3C-841E-FCFB839E46F8}" srcId="{F93B4164-9EC1-42D3-806C-40DEB15B52A7}" destId="{3F5E312B-6EF7-4EDF-8A6E-A8B57B7B8553}" srcOrd="0" destOrd="0" parTransId="{AADEFECA-4BEB-4B0E-B3C1-A90916704ED7}" sibTransId="{71963E46-FAC2-4FAD-BBEE-F875DE933911}"/>
+    <dgm:cxn modelId="{9436A9A5-433D-4B30-A4A8-75189D2825D8}" srcId="{A444AA9D-E1CC-4E62-814D-39D4D31992AE}" destId="{0506413A-558B-472B-82C9-BE94B49A70FA}" srcOrd="0" destOrd="0" parTransId="{0A90790D-756E-4003-B92C-09BB2A643E69}" sibTransId="{E8E389D4-B575-4AAB-BEE3-1A7AA2C70884}"/>
     <dgm:cxn modelId="{0DA9FD43-CB74-4164-AB0D-9952F890B059}" type="presParOf" srcId="{81CFC0DF-98E2-4E97-A96C-D614662DBB33}" destId="{C3E9169B-4904-4F1F-969F-9D6D0488DC2E}" srcOrd="0" destOrd="0" presId="urn:microsoft.com/office/officeart/2005/8/layout/hierarchy4"/>
     <dgm:cxn modelId="{E2C2102B-3423-4BAE-9B20-61031BCAD6F9}" type="presParOf" srcId="{C3E9169B-4904-4F1F-969F-9D6D0488DC2E}" destId="{06350606-E11B-4A7E-B773-08AB0EFCCCE0}" srcOrd="0" destOrd="0" presId="urn:microsoft.com/office/officeart/2005/8/layout/hierarchy4"/>
     <dgm:cxn modelId="{276E7178-DAA4-41CA-AB43-66DE2AC71503}" type="presParOf" srcId="{C3E9169B-4904-4F1F-969F-9D6D0488DC2E}" destId="{B1FC30BB-352B-4A69-B677-2099FE7D1521}" srcOrd="1" destOrd="0" presId="urn:microsoft.com/office/officeart/2005/8/layout/hierarchy4"/>
@@ -14129,58 +14129,58 @@
     </dgm:pt>
   </dgm:ptLst>
   <dgm:cxnLst>
+    <dgm:cxn modelId="{63F59DFF-5E79-40D6-9AD8-AE0240556776}" srcId="{C765C892-DFA3-4AB0-AAC5-DEA76887D9F3}" destId="{A444AA9D-E1CC-4E62-814D-39D4D31992AE}" srcOrd="0" destOrd="0" parTransId="{A226BF7E-2172-4602-8B34-BBCF1300809F}" sibTransId="{03E555CC-DFF3-4BDE-B979-E473D91F66C4}"/>
+    <dgm:cxn modelId="{C120CB0B-CF68-4112-8C08-BC3BC076189D}" type="presOf" srcId="{7DD96D21-5819-489B-A882-E950BB53A72A}" destId="{F5DC8C2A-8AD9-4A47-9854-71E5429FD136}" srcOrd="0" destOrd="0" presId="urn:microsoft.com/office/officeart/2005/8/layout/orgChart1"/>
+    <dgm:cxn modelId="{CBA7B85D-B837-442D-A8AD-84E3FED5A8BC}" type="presOf" srcId="{92E1E5D2-7D02-4C3E-9970-7D074236425A}" destId="{5D6E7692-0A68-48E5-AB54-6EE316AABFEE}" srcOrd="0" destOrd="0" presId="urn:microsoft.com/office/officeart/2005/8/layout/orgChart1"/>
+    <dgm:cxn modelId="{FCEC529F-2745-4B5D-8768-3C16D6DD15A6}" type="presOf" srcId="{07F8895F-73C6-48E7-92FB-A7AE3FFD5D24}" destId="{7152FC3C-F501-4459-9ED8-146452F553AE}" srcOrd="1" destOrd="0" presId="urn:microsoft.com/office/officeart/2005/8/layout/orgChart1"/>
+    <dgm:cxn modelId="{CD964E72-0107-4101-90DB-72C76803E5F4}" type="presOf" srcId="{0506413A-558B-472B-82C9-BE94B49A70FA}" destId="{30B8CC15-06D8-4D4C-9008-89FFCF6DC788}" srcOrd="0" destOrd="0" presId="urn:microsoft.com/office/officeart/2005/8/layout/orgChart1"/>
+    <dgm:cxn modelId="{224EFF83-C251-4238-8DA2-484AF2BA9CDE}" type="presOf" srcId="{F93B4164-9EC1-42D3-806C-40DEB15B52A7}" destId="{0FB1BBB8-BD66-49CC-93C7-C29DEBEFFF5D}" srcOrd="0" destOrd="0" presId="urn:microsoft.com/office/officeart/2005/8/layout/orgChart1"/>
+    <dgm:cxn modelId="{7798C540-BFB0-41FD-9994-A53B0AD404F8}" type="presOf" srcId="{848B06E5-537C-43E8-87F9-BC5BAD5AB5FA}" destId="{263E78B1-7113-428D-82AB-971C824F6C53}" srcOrd="0" destOrd="0" presId="urn:microsoft.com/office/officeart/2005/8/layout/orgChart1"/>
+    <dgm:cxn modelId="{C58647DE-A5F3-49FA-9C9B-8D39CB129061}" type="presOf" srcId="{0506413A-558B-472B-82C9-BE94B49A70FA}" destId="{7A6D1564-164C-42A6-9685-77C0991248BD}" srcOrd="1" destOrd="0" presId="urn:microsoft.com/office/officeart/2005/8/layout/orgChart1"/>
+    <dgm:cxn modelId="{3C46C1DE-EA2B-4DD9-AB1F-BF60303C794B}" type="presOf" srcId="{3F5E312B-6EF7-4EDF-8A6E-A8B57B7B8553}" destId="{EB7B5A83-8289-4862-947E-1A62970683A1}" srcOrd="0" destOrd="0" presId="urn:microsoft.com/office/officeart/2005/8/layout/orgChart1"/>
+    <dgm:cxn modelId="{6F6014F5-B632-477D-B6F6-162B486A8B34}" srcId="{A444AA9D-E1CC-4E62-814D-39D4D31992AE}" destId="{F93B4164-9EC1-42D3-806C-40DEB15B52A7}" srcOrd="1" destOrd="0" parTransId="{F5F6D209-3F75-4719-98E5-1E37B5F48EC0}" sibTransId="{2F20BDA6-3A49-4926-81E5-6B1B010ED1AF}"/>
     <dgm:cxn modelId="{9C1F3823-88D3-4167-B005-9BD71E1316C7}" srcId="{A444AA9D-E1CC-4E62-814D-39D4D31992AE}" destId="{9ECED828-20B7-4B2D-A93F-4EAD25BFD086}" srcOrd="2" destOrd="0" parTransId="{A249F905-7E9B-463A-A1AA-5B49E024D231}" sibTransId="{166FDE58-11FD-43FE-A90F-212AA78F1E9A}"/>
+    <dgm:cxn modelId="{BC157B09-F896-4853-8B70-AF905CEC1A4A}" type="presOf" srcId="{9ECED828-20B7-4B2D-A93F-4EAD25BFD086}" destId="{ED529555-F94B-49C9-ADBB-C84BDE999B86}" srcOrd="1" destOrd="0" presId="urn:microsoft.com/office/officeart/2005/8/layout/orgChart1"/>
+    <dgm:cxn modelId="{9436A9A5-433D-4B30-A4A8-75189D2825D8}" srcId="{A444AA9D-E1CC-4E62-814D-39D4D31992AE}" destId="{0506413A-558B-472B-82C9-BE94B49A70FA}" srcOrd="0" destOrd="0" parTransId="{0A90790D-756E-4003-B92C-09BB2A643E69}" sibTransId="{E8E389D4-B575-4AAB-BEE3-1A7AA2C70884}"/>
+    <dgm:cxn modelId="{D9689E60-BC21-42FC-8046-610F5863B083}" type="presOf" srcId="{F144EDDD-F771-4871-A577-81D9D6C05FC7}" destId="{ECE50D3A-93FE-4FF1-92DC-739E0CC5D5A6}" srcOrd="1" destOrd="0" presId="urn:microsoft.com/office/officeart/2005/8/layout/orgChart1"/>
+    <dgm:cxn modelId="{3D90CB56-8F52-4FEA-A442-18CBCD0ED82C}" type="presOf" srcId="{F144EDDD-F771-4871-A577-81D9D6C05FC7}" destId="{FEB26FEA-F46B-46FB-AACF-6EBE645E92E7}" srcOrd="0" destOrd="0" presId="urn:microsoft.com/office/officeart/2005/8/layout/orgChart1"/>
+    <dgm:cxn modelId="{68EB0602-4B0B-4DC3-A00A-ACE6AD7685BD}" type="presOf" srcId="{F93B4164-9EC1-42D3-806C-40DEB15B52A7}" destId="{A27B2D8A-8E53-4FB1-81DD-E4B78020F7B7}" srcOrd="1" destOrd="0" presId="urn:microsoft.com/office/officeart/2005/8/layout/orgChart1"/>
+    <dgm:cxn modelId="{FF87ABF5-9394-4813-B41D-6D818025A7B9}" type="presOf" srcId="{6FBC4581-86F6-4C7F-9109-47646AAB714D}" destId="{C507DF7B-7D28-4D6F-8702-D5B92EBB27FE}" srcOrd="0" destOrd="0" presId="urn:microsoft.com/office/officeart/2005/8/layout/orgChart1"/>
+    <dgm:cxn modelId="{F1C7000F-F98D-487D-91F0-AFCE6A92B734}" type="presOf" srcId="{CA4EE4C9-026B-411B-9A01-3C197BB7ACA8}" destId="{8196559D-AA31-4F95-B006-C161D5200B8A}" srcOrd="0" destOrd="0" presId="urn:microsoft.com/office/officeart/2005/8/layout/orgChart1"/>
+    <dgm:cxn modelId="{3911A59A-7308-470C-BF58-3FA12BE9D044}" type="presOf" srcId="{AADEFECA-4BEB-4B0E-B3C1-A90916704ED7}" destId="{E1F846F7-FDBA-49CB-A4E9-8B616AE7AFDC}" srcOrd="0" destOrd="0" presId="urn:microsoft.com/office/officeart/2005/8/layout/orgChart1"/>
+    <dgm:cxn modelId="{18D433DC-AD70-4612-8DDA-9B30D273E759}" srcId="{F93B4164-9EC1-42D3-806C-40DEB15B52A7}" destId="{07F8895F-73C6-48E7-92FB-A7AE3FFD5D24}" srcOrd="1" destOrd="0" parTransId="{92415CBB-27B4-4080-BBB5-D825828986B1}" sibTransId="{538EBC35-31FC-4ABD-B8ED-DB204F550954}"/>
+    <dgm:cxn modelId="{8F96B27A-3EF5-4405-93B5-1FC97A5A8D5C}" srcId="{9ECED828-20B7-4B2D-A93F-4EAD25BFD086}" destId="{AF2A3F81-0CE3-4CF8-8B9D-732DF119BFF4}" srcOrd="1" destOrd="0" parTransId="{848B06E5-537C-43E8-87F9-BC5BAD5AB5FA}" sibTransId="{8F992BB8-F7F5-4BD1-939B-51E9B18CC91D}"/>
+    <dgm:cxn modelId="{BBC65A9E-402F-4833-84FC-E3C930023638}" srcId="{F93B4164-9EC1-42D3-806C-40DEB15B52A7}" destId="{AF5C623A-49EA-4F08-88E0-4FE93508D05B}" srcOrd="2" destOrd="0" parTransId="{31B6728D-5C8B-43AC-94BC-A8B2632C9DD2}" sibTransId="{13DAA6BF-0802-4868-AFAB-1A8A8F79CD58}"/>
+    <dgm:cxn modelId="{E5DD6DB1-977B-469D-8525-7B8EF19EC077}" type="presOf" srcId="{07F8895F-73C6-48E7-92FB-A7AE3FFD5D24}" destId="{CC4D7D39-8429-496E-B4FD-480863E9A786}" srcOrd="0" destOrd="0" presId="urn:microsoft.com/office/officeart/2005/8/layout/orgChart1"/>
+    <dgm:cxn modelId="{F9A8F753-FD99-43A8-9E8B-57E882D12ECD}" type="presOf" srcId="{AF5C623A-49EA-4F08-88E0-4FE93508D05B}" destId="{ED8AB073-3472-4727-99E4-81824321CA9D}" srcOrd="1" destOrd="0" presId="urn:microsoft.com/office/officeart/2005/8/layout/orgChart1"/>
+    <dgm:cxn modelId="{D1A288EA-5158-477F-9295-0CC9FC59DFAA}" type="presOf" srcId="{3F5E312B-6EF7-4EDF-8A6E-A8B57B7B8553}" destId="{D4B069E9-99FA-44C8-BA1E-5A21ADCEB8B7}" srcOrd="1" destOrd="0" presId="urn:microsoft.com/office/officeart/2005/8/layout/orgChart1"/>
+    <dgm:cxn modelId="{180A7142-EF89-40AB-BAF9-167DFB249AE0}" type="presOf" srcId="{0A90790D-756E-4003-B92C-09BB2A643E69}" destId="{6421A2FD-1A2E-4780-A835-C9BFDF468AFB}" srcOrd="0" destOrd="0" presId="urn:microsoft.com/office/officeart/2005/8/layout/orgChart1"/>
     <dgm:cxn modelId="{1DCAE597-38BB-4B19-9509-A3CA0C074245}" srcId="{9ECED828-20B7-4B2D-A93F-4EAD25BFD086}" destId="{1305A32B-F53F-4A77-840B-83014031EBAB}" srcOrd="0" destOrd="0" parTransId="{7DD96D21-5819-489B-A882-E950BB53A72A}" sibTransId="{8CCA59AE-E1D5-48C9-8E98-DDACD206BDDF}"/>
+    <dgm:cxn modelId="{AD812AFB-13D3-4C94-B5E1-B1BFB4AB058A}" type="presOf" srcId="{A444AA9D-E1CC-4E62-814D-39D4D31992AE}" destId="{86A0FED4-BE81-4745-9847-8A6031386E84}" srcOrd="1" destOrd="0" presId="urn:microsoft.com/office/officeart/2005/8/layout/orgChart1"/>
+    <dgm:cxn modelId="{500BD8B8-F684-44CE-BAF7-0915A4A386BD}" type="presOf" srcId="{1305A32B-F53F-4A77-840B-83014031EBAB}" destId="{D48C7F15-E19E-4B5F-BA4B-90E64072E88E}" srcOrd="1" destOrd="0" presId="urn:microsoft.com/office/officeart/2005/8/layout/orgChart1"/>
+    <dgm:cxn modelId="{0E0A2DD7-1540-44F4-8AE3-4C82CEC17278}" type="presOf" srcId="{A444AA9D-E1CC-4E62-814D-39D4D31992AE}" destId="{11AE4411-94B9-4B0B-8F1C-C1FAB3CBF86A}" srcOrd="0" destOrd="0" presId="urn:microsoft.com/office/officeart/2005/8/layout/orgChart1"/>
+    <dgm:cxn modelId="{5E1C531F-8220-4767-BB64-D1D3421FDF06}" type="presOf" srcId="{98751D4E-4884-450C-AD94-5B82E706CE56}" destId="{10CC7168-B7C5-46EA-ABEA-37649FFB8FC8}" srcOrd="1" destOrd="0" presId="urn:microsoft.com/office/officeart/2005/8/layout/orgChart1"/>
+    <dgm:cxn modelId="{87033595-C39D-430C-B7FB-0FFB53A3A57A}" type="presOf" srcId="{AF5C623A-49EA-4F08-88E0-4FE93508D05B}" destId="{1474400E-7E07-4D48-8205-22E8B2B73563}" srcOrd="0" destOrd="0" presId="urn:microsoft.com/office/officeart/2005/8/layout/orgChart1"/>
+    <dgm:cxn modelId="{DAADA83B-7B1F-4341-8871-8FCAA93F9A02}" srcId="{F93B4164-9EC1-42D3-806C-40DEB15B52A7}" destId="{F144EDDD-F771-4871-A577-81D9D6C05FC7}" srcOrd="3" destOrd="0" parTransId="{6FBC4581-86F6-4C7F-9109-47646AAB714D}" sibTransId="{BFB240A7-34E7-4A92-AD3A-E4A24FE8D265}"/>
+    <dgm:cxn modelId="{6E4CF2D5-8DA5-47D4-8667-96BC5F66B4FA}" srcId="{0506413A-558B-472B-82C9-BE94B49A70FA}" destId="{92E1E5D2-7D02-4C3E-9970-7D074236425A}" srcOrd="1" destOrd="0" parTransId="{CA4EE4C9-026B-411B-9A01-3C197BB7ACA8}" sibTransId="{2693282B-147D-461A-804A-FBEB4B11C249}"/>
+    <dgm:cxn modelId="{E626A266-FE8B-4728-8294-41B9048867CA}" type="presOf" srcId="{AF2A3F81-0CE3-4CF8-8B9D-732DF119BFF4}" destId="{7B5B87D3-9375-4544-8BB0-F543E8659AED}" srcOrd="0" destOrd="0" presId="urn:microsoft.com/office/officeart/2005/8/layout/orgChart1"/>
+    <dgm:cxn modelId="{3218D3FC-7D5B-4AF1-BDFB-1D70CF20D348}" srcId="{0506413A-558B-472B-82C9-BE94B49A70FA}" destId="{98751D4E-4884-450C-AD94-5B82E706CE56}" srcOrd="0" destOrd="0" parTransId="{D355140D-4FC9-416F-A866-15207BB93A08}" sibTransId="{73770108-0E46-4D73-BA34-3DE8470E71F7}"/>
+    <dgm:cxn modelId="{6520B3DA-5052-49DC-A951-5D657982A494}" type="presOf" srcId="{1305A32B-F53F-4A77-840B-83014031EBAB}" destId="{B8AFF7D3-76AA-47F4-8C1C-6866993171FD}" srcOrd="0" destOrd="0" presId="urn:microsoft.com/office/officeart/2005/8/layout/orgChart1"/>
+    <dgm:cxn modelId="{5EBC5F69-9284-4C03-96A7-C99586900149}" type="presOf" srcId="{F2C93FE7-54E4-4670-915E-4B14943BFF6B}" destId="{8CE9B514-93D2-4C3F-821C-B769B8C8B136}" srcOrd="1" destOrd="0" presId="urn:microsoft.com/office/officeart/2005/8/layout/orgChart1"/>
+    <dgm:cxn modelId="{6661F3BB-E8EC-4146-AD79-97282510F26C}" type="presOf" srcId="{F2C93FE7-54E4-4670-915E-4B14943BFF6B}" destId="{CD95A2CB-7376-4CE7-B100-722258A0827A}" srcOrd="0" destOrd="0" presId="urn:microsoft.com/office/officeart/2005/8/layout/orgChart1"/>
+    <dgm:cxn modelId="{01B5930A-5572-491F-B397-0D863515C78D}" type="presOf" srcId="{4559A152-1AA8-458C-9F9C-099623C92D83}" destId="{EEB0F468-9328-4C67-A377-251FD65F3C29}" srcOrd="0" destOrd="0" presId="urn:microsoft.com/office/officeart/2005/8/layout/orgChart1"/>
+    <dgm:cxn modelId="{9FFE8286-36BC-4684-91A7-7AE86109044F}" type="presOf" srcId="{C765C892-DFA3-4AB0-AAC5-DEA76887D9F3}" destId="{EE9D194C-C2C3-4CF4-B857-0F1B8EE121E9}" srcOrd="0" destOrd="0" presId="urn:microsoft.com/office/officeart/2005/8/layout/orgChart1"/>
+    <dgm:cxn modelId="{59533050-6AF8-4F1D-B1F0-8544B9CA3DB4}" type="presOf" srcId="{98751D4E-4884-450C-AD94-5B82E706CE56}" destId="{31E7EFC8-9F5D-4040-9C2A-F9FBED120D90}" srcOrd="0" destOrd="0" presId="urn:microsoft.com/office/officeart/2005/8/layout/orgChart1"/>
+    <dgm:cxn modelId="{8F43B7DC-E101-46CF-855E-4EA3E495234B}" type="presOf" srcId="{A249F905-7E9B-463A-A1AA-5B49E024D231}" destId="{EA0B7ADE-5E56-48F2-A18C-020120D1D2BC}" srcOrd="0" destOrd="0" presId="urn:microsoft.com/office/officeart/2005/8/layout/orgChart1"/>
+    <dgm:cxn modelId="{8F0251FB-A313-4569-8F9D-EA79FDF8852F}" type="presOf" srcId="{F5F6D209-3F75-4719-98E5-1E37B5F48EC0}" destId="{D00FF34D-A975-43B4-AAE8-19063AFF0E74}" srcOrd="0" destOrd="0" presId="urn:microsoft.com/office/officeart/2005/8/layout/orgChart1"/>
+    <dgm:cxn modelId="{3FED369F-0010-4A3F-9A2B-4465A803CD4A}" type="presOf" srcId="{AF2A3F81-0CE3-4CF8-8B9D-732DF119BFF4}" destId="{BD691704-1BA4-4492-963B-B3D40987B1A8}" srcOrd="1" destOrd="0" presId="urn:microsoft.com/office/officeart/2005/8/layout/orgChart1"/>
+    <dgm:cxn modelId="{C7B22352-805F-4F45-8C23-B426F3E82748}" type="presOf" srcId="{31B6728D-5C8B-43AC-94BC-A8B2632C9DD2}" destId="{978C5358-B5F5-4CF9-B049-AEF63B463403}" srcOrd="0" destOrd="0" presId="urn:microsoft.com/office/officeart/2005/8/layout/orgChart1"/>
+    <dgm:cxn modelId="{B4358BD1-F397-4D40-862D-D8CFF9B40B7E}" type="presOf" srcId="{92415CBB-27B4-4080-BBB5-D825828986B1}" destId="{5D06D775-14AD-4B72-96A0-AB3096C3233E}" srcOrd="0" destOrd="0" presId="urn:microsoft.com/office/officeart/2005/8/layout/orgChart1"/>
     <dgm:cxn modelId="{D909E0EA-A181-4FA5-9C35-8555BB738EBB}" type="presOf" srcId="{D355140D-4FC9-416F-A866-15207BB93A08}" destId="{5D0A3148-3A73-46D6-9A60-9EA9D334CEC5}" srcOrd="0" destOrd="0" presId="urn:microsoft.com/office/officeart/2005/8/layout/orgChart1"/>
-    <dgm:cxn modelId="{9FFE8286-36BC-4684-91A7-7AE86109044F}" type="presOf" srcId="{C765C892-DFA3-4AB0-AAC5-DEA76887D9F3}" destId="{EE9D194C-C2C3-4CF4-B857-0F1B8EE121E9}" srcOrd="0" destOrd="0" presId="urn:microsoft.com/office/officeart/2005/8/layout/orgChart1"/>
-    <dgm:cxn modelId="{E5DD6DB1-977B-469D-8525-7B8EF19EC077}" type="presOf" srcId="{07F8895F-73C6-48E7-92FB-A7AE3FFD5D24}" destId="{CC4D7D39-8429-496E-B4FD-480863E9A786}" srcOrd="0" destOrd="0" presId="urn:microsoft.com/office/officeart/2005/8/layout/orgChart1"/>
+    <dgm:cxn modelId="{009C8176-D6E3-49D6-B04C-C35BAA27234F}" type="presOf" srcId="{92E1E5D2-7D02-4C3E-9970-7D074236425A}" destId="{A6E36ED9-AFC2-453E-8274-C6869396788C}" srcOrd="1" destOrd="0" presId="urn:microsoft.com/office/officeart/2005/8/layout/orgChart1"/>
+    <dgm:cxn modelId="{9038CCF5-8984-4E36-B031-8043982256B3}" type="presOf" srcId="{9ECED828-20B7-4B2D-A93F-4EAD25BFD086}" destId="{FF3748F9-5879-420C-BD8B-B48219F6D84A}" srcOrd="0" destOrd="0" presId="urn:microsoft.com/office/officeart/2005/8/layout/orgChart1"/>
+    <dgm:cxn modelId="{A9CC7C4E-AA32-4C16-89E4-31A41B25EEEE}" srcId="{9ECED828-20B7-4B2D-A93F-4EAD25BFD086}" destId="{F2C93FE7-54E4-4670-915E-4B14943BFF6B}" srcOrd="2" destOrd="0" parTransId="{4559A152-1AA8-458C-9F9C-099623C92D83}" sibTransId="{4825DD2A-1737-46EF-B20F-F3B5A2E8E290}"/>
     <dgm:cxn modelId="{2E412CEC-C56B-4E3C-841E-FCFB839E46F8}" srcId="{F93B4164-9EC1-42D3-806C-40DEB15B52A7}" destId="{3F5E312B-6EF7-4EDF-8A6E-A8B57B7B8553}" srcOrd="0" destOrd="0" parTransId="{AADEFECA-4BEB-4B0E-B3C1-A90916704ED7}" sibTransId="{71963E46-FAC2-4FAD-BBEE-F875DE933911}"/>
-    <dgm:cxn modelId="{7798C540-BFB0-41FD-9994-A53B0AD404F8}" type="presOf" srcId="{848B06E5-537C-43E8-87F9-BC5BAD5AB5FA}" destId="{263E78B1-7113-428D-82AB-971C824F6C53}" srcOrd="0" destOrd="0" presId="urn:microsoft.com/office/officeart/2005/8/layout/orgChart1"/>
-    <dgm:cxn modelId="{CBA7B85D-B837-442D-A8AD-84E3FED5A8BC}" type="presOf" srcId="{92E1E5D2-7D02-4C3E-9970-7D074236425A}" destId="{5D6E7692-0A68-48E5-AB54-6EE316AABFEE}" srcOrd="0" destOrd="0" presId="urn:microsoft.com/office/officeart/2005/8/layout/orgChart1"/>
-    <dgm:cxn modelId="{3911A59A-7308-470C-BF58-3FA12BE9D044}" type="presOf" srcId="{AADEFECA-4BEB-4B0E-B3C1-A90916704ED7}" destId="{E1F846F7-FDBA-49CB-A4E9-8B616AE7AFDC}" srcOrd="0" destOrd="0" presId="urn:microsoft.com/office/officeart/2005/8/layout/orgChart1"/>
-    <dgm:cxn modelId="{63F59DFF-5E79-40D6-9AD8-AE0240556776}" srcId="{C765C892-DFA3-4AB0-AAC5-DEA76887D9F3}" destId="{A444AA9D-E1CC-4E62-814D-39D4D31992AE}" srcOrd="0" destOrd="0" parTransId="{A226BF7E-2172-4602-8B34-BBCF1300809F}" sibTransId="{03E555CC-DFF3-4BDE-B979-E473D91F66C4}"/>
-    <dgm:cxn modelId="{0E0A2DD7-1540-44F4-8AE3-4C82CEC17278}" type="presOf" srcId="{A444AA9D-E1CC-4E62-814D-39D4D31992AE}" destId="{11AE4411-94B9-4B0B-8F1C-C1FAB3CBF86A}" srcOrd="0" destOrd="0" presId="urn:microsoft.com/office/officeart/2005/8/layout/orgChart1"/>
-    <dgm:cxn modelId="{AD812AFB-13D3-4C94-B5E1-B1BFB4AB058A}" type="presOf" srcId="{A444AA9D-E1CC-4E62-814D-39D4D31992AE}" destId="{86A0FED4-BE81-4745-9847-8A6031386E84}" srcOrd="1" destOrd="0" presId="urn:microsoft.com/office/officeart/2005/8/layout/orgChart1"/>
-    <dgm:cxn modelId="{5EBC5F69-9284-4C03-96A7-C99586900149}" type="presOf" srcId="{F2C93FE7-54E4-4670-915E-4B14943BFF6B}" destId="{8CE9B514-93D2-4C3F-821C-B769B8C8B136}" srcOrd="1" destOrd="0" presId="urn:microsoft.com/office/officeart/2005/8/layout/orgChart1"/>
-    <dgm:cxn modelId="{D9689E60-BC21-42FC-8046-610F5863B083}" type="presOf" srcId="{F144EDDD-F771-4871-A577-81D9D6C05FC7}" destId="{ECE50D3A-93FE-4FF1-92DC-739E0CC5D5A6}" srcOrd="1" destOrd="0" presId="urn:microsoft.com/office/officeart/2005/8/layout/orgChart1"/>
-    <dgm:cxn modelId="{009C8176-D6E3-49D6-B04C-C35BAA27234F}" type="presOf" srcId="{92E1E5D2-7D02-4C3E-9970-7D074236425A}" destId="{A6E36ED9-AFC2-453E-8274-C6869396788C}" srcOrd="1" destOrd="0" presId="urn:microsoft.com/office/officeart/2005/8/layout/orgChart1"/>
-    <dgm:cxn modelId="{9436A9A5-433D-4B30-A4A8-75189D2825D8}" srcId="{A444AA9D-E1CC-4E62-814D-39D4D31992AE}" destId="{0506413A-558B-472B-82C9-BE94B49A70FA}" srcOrd="0" destOrd="0" parTransId="{0A90790D-756E-4003-B92C-09BB2A643E69}" sibTransId="{E8E389D4-B575-4AAB-BEE3-1A7AA2C70884}"/>
-    <dgm:cxn modelId="{3D90CB56-8F52-4FEA-A442-18CBCD0ED82C}" type="presOf" srcId="{F144EDDD-F771-4871-A577-81D9D6C05FC7}" destId="{FEB26FEA-F46B-46FB-AACF-6EBE645E92E7}" srcOrd="0" destOrd="0" presId="urn:microsoft.com/office/officeart/2005/8/layout/orgChart1"/>
-    <dgm:cxn modelId="{59533050-6AF8-4F1D-B1F0-8544B9CA3DB4}" type="presOf" srcId="{98751D4E-4884-450C-AD94-5B82E706CE56}" destId="{31E7EFC8-9F5D-4040-9C2A-F9FBED120D90}" srcOrd="0" destOrd="0" presId="urn:microsoft.com/office/officeart/2005/8/layout/orgChart1"/>
-    <dgm:cxn modelId="{3218D3FC-7D5B-4AF1-BDFB-1D70CF20D348}" srcId="{0506413A-558B-472B-82C9-BE94B49A70FA}" destId="{98751D4E-4884-450C-AD94-5B82E706CE56}" srcOrd="0" destOrd="0" parTransId="{D355140D-4FC9-416F-A866-15207BB93A08}" sibTransId="{73770108-0E46-4D73-BA34-3DE8470E71F7}"/>
-    <dgm:cxn modelId="{68EB0602-4B0B-4DC3-A00A-ACE6AD7685BD}" type="presOf" srcId="{F93B4164-9EC1-42D3-806C-40DEB15B52A7}" destId="{A27B2D8A-8E53-4FB1-81DD-E4B78020F7B7}" srcOrd="1" destOrd="0" presId="urn:microsoft.com/office/officeart/2005/8/layout/orgChart1"/>
-    <dgm:cxn modelId="{C7B22352-805F-4F45-8C23-B426F3E82748}" type="presOf" srcId="{31B6728D-5C8B-43AC-94BC-A8B2632C9DD2}" destId="{978C5358-B5F5-4CF9-B049-AEF63B463403}" srcOrd="0" destOrd="0" presId="urn:microsoft.com/office/officeart/2005/8/layout/orgChart1"/>
-    <dgm:cxn modelId="{F1C7000F-F98D-487D-91F0-AFCE6A92B734}" type="presOf" srcId="{CA4EE4C9-026B-411B-9A01-3C197BB7ACA8}" destId="{8196559D-AA31-4F95-B006-C161D5200B8A}" srcOrd="0" destOrd="0" presId="urn:microsoft.com/office/officeart/2005/8/layout/orgChart1"/>
-    <dgm:cxn modelId="{8F0251FB-A313-4569-8F9D-EA79FDF8852F}" type="presOf" srcId="{F5F6D209-3F75-4719-98E5-1E37B5F48EC0}" destId="{D00FF34D-A975-43B4-AAE8-19063AFF0E74}" srcOrd="0" destOrd="0" presId="urn:microsoft.com/office/officeart/2005/8/layout/orgChart1"/>
-    <dgm:cxn modelId="{C58647DE-A5F3-49FA-9C9B-8D39CB129061}" type="presOf" srcId="{0506413A-558B-472B-82C9-BE94B49A70FA}" destId="{7A6D1564-164C-42A6-9685-77C0991248BD}" srcOrd="1" destOrd="0" presId="urn:microsoft.com/office/officeart/2005/8/layout/orgChart1"/>
-    <dgm:cxn modelId="{6520B3DA-5052-49DC-A951-5D657982A494}" type="presOf" srcId="{1305A32B-F53F-4A77-840B-83014031EBAB}" destId="{B8AFF7D3-76AA-47F4-8C1C-6866993171FD}" srcOrd="0" destOrd="0" presId="urn:microsoft.com/office/officeart/2005/8/layout/orgChart1"/>
-    <dgm:cxn modelId="{6F6014F5-B632-477D-B6F6-162B486A8B34}" srcId="{A444AA9D-E1CC-4E62-814D-39D4D31992AE}" destId="{F93B4164-9EC1-42D3-806C-40DEB15B52A7}" srcOrd="1" destOrd="0" parTransId="{F5F6D209-3F75-4719-98E5-1E37B5F48EC0}" sibTransId="{2F20BDA6-3A49-4926-81E5-6B1B010ED1AF}"/>
-    <dgm:cxn modelId="{E626A266-FE8B-4728-8294-41B9048867CA}" type="presOf" srcId="{AF2A3F81-0CE3-4CF8-8B9D-732DF119BFF4}" destId="{7B5B87D3-9375-4544-8BB0-F543E8659AED}" srcOrd="0" destOrd="0" presId="urn:microsoft.com/office/officeart/2005/8/layout/orgChart1"/>
-    <dgm:cxn modelId="{5E1C531F-8220-4767-BB64-D1D3421FDF06}" type="presOf" srcId="{98751D4E-4884-450C-AD94-5B82E706CE56}" destId="{10CC7168-B7C5-46EA-ABEA-37649FFB8FC8}" srcOrd="1" destOrd="0" presId="urn:microsoft.com/office/officeart/2005/8/layout/orgChart1"/>
-    <dgm:cxn modelId="{9038CCF5-8984-4E36-B031-8043982256B3}" type="presOf" srcId="{9ECED828-20B7-4B2D-A93F-4EAD25BFD086}" destId="{FF3748F9-5879-420C-BD8B-B48219F6D84A}" srcOrd="0" destOrd="0" presId="urn:microsoft.com/office/officeart/2005/8/layout/orgChart1"/>
-    <dgm:cxn modelId="{8F96B27A-3EF5-4405-93B5-1FC97A5A8D5C}" srcId="{9ECED828-20B7-4B2D-A93F-4EAD25BFD086}" destId="{AF2A3F81-0CE3-4CF8-8B9D-732DF119BFF4}" srcOrd="1" destOrd="0" parTransId="{848B06E5-537C-43E8-87F9-BC5BAD5AB5FA}" sibTransId="{8F992BB8-F7F5-4BD1-939B-51E9B18CC91D}"/>
-    <dgm:cxn modelId="{FCEC529F-2745-4B5D-8768-3C16D6DD15A6}" type="presOf" srcId="{07F8895F-73C6-48E7-92FB-A7AE3FFD5D24}" destId="{7152FC3C-F501-4459-9ED8-146452F553AE}" srcOrd="1" destOrd="0" presId="urn:microsoft.com/office/officeart/2005/8/layout/orgChart1"/>
-    <dgm:cxn modelId="{6E4CF2D5-8DA5-47D4-8667-96BC5F66B4FA}" srcId="{0506413A-558B-472B-82C9-BE94B49A70FA}" destId="{92E1E5D2-7D02-4C3E-9970-7D074236425A}" srcOrd="1" destOrd="0" parTransId="{CA4EE4C9-026B-411B-9A01-3C197BB7ACA8}" sibTransId="{2693282B-147D-461A-804A-FBEB4B11C249}"/>
-    <dgm:cxn modelId="{C120CB0B-CF68-4112-8C08-BC3BC076189D}" type="presOf" srcId="{7DD96D21-5819-489B-A882-E950BB53A72A}" destId="{F5DC8C2A-8AD9-4A47-9854-71E5429FD136}" srcOrd="0" destOrd="0" presId="urn:microsoft.com/office/officeart/2005/8/layout/orgChart1"/>
-    <dgm:cxn modelId="{DAADA83B-7B1F-4341-8871-8FCAA93F9A02}" srcId="{F93B4164-9EC1-42D3-806C-40DEB15B52A7}" destId="{F144EDDD-F771-4871-A577-81D9D6C05FC7}" srcOrd="3" destOrd="0" parTransId="{6FBC4581-86F6-4C7F-9109-47646AAB714D}" sibTransId="{BFB240A7-34E7-4A92-AD3A-E4A24FE8D265}"/>
-    <dgm:cxn modelId="{FF87ABF5-9394-4813-B41D-6D818025A7B9}" type="presOf" srcId="{6FBC4581-86F6-4C7F-9109-47646AAB714D}" destId="{C507DF7B-7D28-4D6F-8702-D5B92EBB27FE}" srcOrd="0" destOrd="0" presId="urn:microsoft.com/office/officeart/2005/8/layout/orgChart1"/>
-    <dgm:cxn modelId="{B4358BD1-F397-4D40-862D-D8CFF9B40B7E}" type="presOf" srcId="{92415CBB-27B4-4080-BBB5-D825828986B1}" destId="{5D06D775-14AD-4B72-96A0-AB3096C3233E}" srcOrd="0" destOrd="0" presId="urn:microsoft.com/office/officeart/2005/8/layout/orgChart1"/>
-    <dgm:cxn modelId="{01B5930A-5572-491F-B397-0D863515C78D}" type="presOf" srcId="{4559A152-1AA8-458C-9F9C-099623C92D83}" destId="{EEB0F468-9328-4C67-A377-251FD65F3C29}" srcOrd="0" destOrd="0" presId="urn:microsoft.com/office/officeart/2005/8/layout/orgChart1"/>
-    <dgm:cxn modelId="{F9A8F753-FD99-43A8-9E8B-57E882D12ECD}" type="presOf" srcId="{AF5C623A-49EA-4F08-88E0-4FE93508D05B}" destId="{ED8AB073-3472-4727-99E4-81824321CA9D}" srcOrd="1" destOrd="0" presId="urn:microsoft.com/office/officeart/2005/8/layout/orgChart1"/>
-    <dgm:cxn modelId="{6661F3BB-E8EC-4146-AD79-97282510F26C}" type="presOf" srcId="{F2C93FE7-54E4-4670-915E-4B14943BFF6B}" destId="{CD95A2CB-7376-4CE7-B100-722258A0827A}" srcOrd="0" destOrd="0" presId="urn:microsoft.com/office/officeart/2005/8/layout/orgChart1"/>
-    <dgm:cxn modelId="{CD964E72-0107-4101-90DB-72C76803E5F4}" type="presOf" srcId="{0506413A-558B-472B-82C9-BE94B49A70FA}" destId="{30B8CC15-06D8-4D4C-9008-89FFCF6DC788}" srcOrd="0" destOrd="0" presId="urn:microsoft.com/office/officeart/2005/8/layout/orgChart1"/>
-    <dgm:cxn modelId="{8F43B7DC-E101-46CF-855E-4EA3E495234B}" type="presOf" srcId="{A249F905-7E9B-463A-A1AA-5B49E024D231}" destId="{EA0B7ADE-5E56-48F2-A18C-020120D1D2BC}" srcOrd="0" destOrd="0" presId="urn:microsoft.com/office/officeart/2005/8/layout/orgChart1"/>
-    <dgm:cxn modelId="{87033595-C39D-430C-B7FB-0FFB53A3A57A}" type="presOf" srcId="{AF5C623A-49EA-4F08-88E0-4FE93508D05B}" destId="{1474400E-7E07-4D48-8205-22E8B2B73563}" srcOrd="0" destOrd="0" presId="urn:microsoft.com/office/officeart/2005/8/layout/orgChart1"/>
-    <dgm:cxn modelId="{180A7142-EF89-40AB-BAF9-167DFB249AE0}" type="presOf" srcId="{0A90790D-756E-4003-B92C-09BB2A643E69}" destId="{6421A2FD-1A2E-4780-A835-C9BFDF468AFB}" srcOrd="0" destOrd="0" presId="urn:microsoft.com/office/officeart/2005/8/layout/orgChart1"/>
-    <dgm:cxn modelId="{3FED369F-0010-4A3F-9A2B-4465A803CD4A}" type="presOf" srcId="{AF2A3F81-0CE3-4CF8-8B9D-732DF119BFF4}" destId="{BD691704-1BA4-4492-963B-B3D40987B1A8}" srcOrd="1" destOrd="0" presId="urn:microsoft.com/office/officeart/2005/8/layout/orgChart1"/>
-    <dgm:cxn modelId="{18D433DC-AD70-4612-8DDA-9B30D273E759}" srcId="{F93B4164-9EC1-42D3-806C-40DEB15B52A7}" destId="{07F8895F-73C6-48E7-92FB-A7AE3FFD5D24}" srcOrd="1" destOrd="0" parTransId="{92415CBB-27B4-4080-BBB5-D825828986B1}" sibTransId="{538EBC35-31FC-4ABD-B8ED-DB204F550954}"/>
-    <dgm:cxn modelId="{3C46C1DE-EA2B-4DD9-AB1F-BF60303C794B}" type="presOf" srcId="{3F5E312B-6EF7-4EDF-8A6E-A8B57B7B8553}" destId="{EB7B5A83-8289-4862-947E-1A62970683A1}" srcOrd="0" destOrd="0" presId="urn:microsoft.com/office/officeart/2005/8/layout/orgChart1"/>
-    <dgm:cxn modelId="{D1A288EA-5158-477F-9295-0CC9FC59DFAA}" type="presOf" srcId="{3F5E312B-6EF7-4EDF-8A6E-A8B57B7B8553}" destId="{D4B069E9-99FA-44C8-BA1E-5A21ADCEB8B7}" srcOrd="1" destOrd="0" presId="urn:microsoft.com/office/officeart/2005/8/layout/orgChart1"/>
-    <dgm:cxn modelId="{BC157B09-F896-4853-8B70-AF905CEC1A4A}" type="presOf" srcId="{9ECED828-20B7-4B2D-A93F-4EAD25BFD086}" destId="{ED529555-F94B-49C9-ADBB-C84BDE999B86}" srcOrd="1" destOrd="0" presId="urn:microsoft.com/office/officeart/2005/8/layout/orgChart1"/>
-    <dgm:cxn modelId="{500BD8B8-F684-44CE-BAF7-0915A4A386BD}" type="presOf" srcId="{1305A32B-F53F-4A77-840B-83014031EBAB}" destId="{D48C7F15-E19E-4B5F-BA4B-90E64072E88E}" srcOrd="1" destOrd="0" presId="urn:microsoft.com/office/officeart/2005/8/layout/orgChart1"/>
-    <dgm:cxn modelId="{A9CC7C4E-AA32-4C16-89E4-31A41B25EEEE}" srcId="{9ECED828-20B7-4B2D-A93F-4EAD25BFD086}" destId="{F2C93FE7-54E4-4670-915E-4B14943BFF6B}" srcOrd="2" destOrd="0" parTransId="{4559A152-1AA8-458C-9F9C-099623C92D83}" sibTransId="{4825DD2A-1737-46EF-B20F-F3B5A2E8E290}"/>
-    <dgm:cxn modelId="{224EFF83-C251-4238-8DA2-484AF2BA9CDE}" type="presOf" srcId="{F93B4164-9EC1-42D3-806C-40DEB15B52A7}" destId="{0FB1BBB8-BD66-49CC-93C7-C29DEBEFFF5D}" srcOrd="0" destOrd="0" presId="urn:microsoft.com/office/officeart/2005/8/layout/orgChart1"/>
-    <dgm:cxn modelId="{BBC65A9E-402F-4833-84FC-E3C930023638}" srcId="{F93B4164-9EC1-42D3-806C-40DEB15B52A7}" destId="{AF5C623A-49EA-4F08-88E0-4FE93508D05B}" srcOrd="2" destOrd="0" parTransId="{31B6728D-5C8B-43AC-94BC-A8B2632C9DD2}" sibTransId="{13DAA6BF-0802-4868-AFAB-1A8A8F79CD58}"/>
     <dgm:cxn modelId="{73905053-3AB0-4D04-B5DE-B9E82600F739}" type="presParOf" srcId="{EE9D194C-C2C3-4CF4-B857-0F1B8EE121E9}" destId="{06B75B13-1912-49CC-AC86-99E8001D47F7}" srcOrd="0" destOrd="0" presId="urn:microsoft.com/office/officeart/2005/8/layout/orgChart1"/>
     <dgm:cxn modelId="{57396379-E207-40E1-801C-5889B31474C6}" type="presParOf" srcId="{06B75B13-1912-49CC-AC86-99E8001D47F7}" destId="{6F2302C6-E5FF-484D-B807-04D313AB504F}" srcOrd="0" destOrd="0" presId="urn:microsoft.com/office/officeart/2005/8/layout/orgChart1"/>
     <dgm:cxn modelId="{DD1DAE62-3A84-4911-8C1F-D0C80DFB2D06}" type="presParOf" srcId="{6F2302C6-E5FF-484D-B807-04D313AB504F}" destId="{11AE4411-94B9-4B0B-8F1C-C1FAB3CBF86A}" srcOrd="0" destOrd="0" presId="urn:microsoft.com/office/officeart/2005/8/layout/orgChart1"/>
@@ -19226,1890 +19226,6 @@
       <dsp:cNvGrpSpPr/>
     </dsp:nvGrpSpPr>
     <dsp:grpSpPr/>
-    <dsp:sp modelId="{7DDAF8C5-5C65-4BB5-83D8-D022E74C6F11}">
-      <dsp:nvSpPr>
-        <dsp:cNvPr id="0" name=""/>
-        <dsp:cNvSpPr/>
-      </dsp:nvSpPr>
-      <dsp:spPr>
-        <a:xfrm>
-          <a:off x="7011292" y="5790455"/>
-          <a:ext cx="366117" cy="787151"/>
-        </a:xfrm>
-        <a:custGeom>
-          <a:avLst/>
-          <a:gdLst/>
-          <a:ahLst/>
-          <a:cxnLst/>
-          <a:rect l="0" t="0" r="0" b="0"/>
-          <a:pathLst>
-            <a:path>
-              <a:moveTo>
-                <a:pt x="0" y="0"/>
-              </a:moveTo>
-              <a:lnTo>
-                <a:pt x="183058" y="0"/>
-              </a:lnTo>
-              <a:lnTo>
-                <a:pt x="183058" y="787151"/>
-              </a:lnTo>
-              <a:lnTo>
-                <a:pt x="366117" y="787151"/>
-              </a:lnTo>
-            </a:path>
-          </a:pathLst>
-        </a:custGeom>
-        <a:noFill/>
-        <a:ln w="12700" cap="flat" cmpd="sng" algn="ctr">
-          <a:solidFill>
-            <a:schemeClr val="accent3">
-              <a:hueOff val="0"/>
-              <a:satOff val="0"/>
-              <a:lumOff val="0"/>
-              <a:alphaOff val="0"/>
-            </a:schemeClr>
-          </a:solidFill>
-          <a:prstDash val="solid"/>
-          <a:miter lim="800000"/>
-        </a:ln>
-        <a:effectLst/>
-      </dsp:spPr>
-      <dsp:style>
-        <a:lnRef idx="2">
-          <a:scrgbClr r="0" g="0" b="0"/>
-        </a:lnRef>
-        <a:fillRef idx="0">
-          <a:scrgbClr r="0" g="0" b="0"/>
-        </a:fillRef>
-        <a:effectRef idx="0">
-          <a:scrgbClr r="0" g="0" b="0"/>
-        </a:effectRef>
-        <a:fontRef idx="minor"/>
-      </dsp:style>
-    </dsp:sp>
-    <dsp:sp modelId="{13C4F1BA-A0C1-4BF4-83AA-70F09832A28C}">
-      <dsp:nvSpPr>
-        <dsp:cNvPr id="0" name=""/>
-        <dsp:cNvSpPr/>
-      </dsp:nvSpPr>
-      <dsp:spPr>
-        <a:xfrm>
-          <a:off x="7011292" y="5744735"/>
-          <a:ext cx="366117" cy="91440"/>
-        </a:xfrm>
-        <a:custGeom>
-          <a:avLst/>
-          <a:gdLst/>
-          <a:ahLst/>
-          <a:cxnLst/>
-          <a:rect l="0" t="0" r="0" b="0"/>
-          <a:pathLst>
-            <a:path>
-              <a:moveTo>
-                <a:pt x="0" y="45720"/>
-              </a:moveTo>
-              <a:lnTo>
-                <a:pt x="366117" y="45720"/>
-              </a:lnTo>
-            </a:path>
-          </a:pathLst>
-        </a:custGeom>
-        <a:noFill/>
-        <a:ln w="12700" cap="flat" cmpd="sng" algn="ctr">
-          <a:solidFill>
-            <a:schemeClr val="accent3">
-              <a:hueOff val="0"/>
-              <a:satOff val="0"/>
-              <a:lumOff val="0"/>
-              <a:alphaOff val="0"/>
-            </a:schemeClr>
-          </a:solidFill>
-          <a:prstDash val="solid"/>
-          <a:miter lim="800000"/>
-        </a:ln>
-        <a:effectLst/>
-      </dsp:spPr>
-      <dsp:style>
-        <a:lnRef idx="2">
-          <a:scrgbClr r="0" g="0" b="0"/>
-        </a:lnRef>
-        <a:fillRef idx="0">
-          <a:scrgbClr r="0" g="0" b="0"/>
-        </a:fillRef>
-        <a:effectRef idx="0">
-          <a:scrgbClr r="0" g="0" b="0"/>
-        </a:effectRef>
-        <a:fontRef idx="minor"/>
-      </dsp:style>
-    </dsp:sp>
-    <dsp:sp modelId="{D93940C2-17F6-43AD-80A4-019CB4324CFF}">
-      <dsp:nvSpPr>
-        <dsp:cNvPr id="0" name=""/>
-        <dsp:cNvSpPr/>
-      </dsp:nvSpPr>
-      <dsp:spPr>
-        <a:xfrm>
-          <a:off x="7011292" y="5003303"/>
-          <a:ext cx="366117" cy="787151"/>
-        </a:xfrm>
-        <a:custGeom>
-          <a:avLst/>
-          <a:gdLst/>
-          <a:ahLst/>
-          <a:cxnLst/>
-          <a:rect l="0" t="0" r="0" b="0"/>
-          <a:pathLst>
-            <a:path>
-              <a:moveTo>
-                <a:pt x="0" y="787151"/>
-              </a:moveTo>
-              <a:lnTo>
-                <a:pt x="183058" y="787151"/>
-              </a:lnTo>
-              <a:lnTo>
-                <a:pt x="183058" y="0"/>
-              </a:lnTo>
-              <a:lnTo>
-                <a:pt x="366117" y="0"/>
-              </a:lnTo>
-            </a:path>
-          </a:pathLst>
-        </a:custGeom>
-        <a:noFill/>
-        <a:ln w="12700" cap="flat" cmpd="sng" algn="ctr">
-          <a:solidFill>
-            <a:schemeClr val="accent3">
-              <a:hueOff val="0"/>
-              <a:satOff val="0"/>
-              <a:lumOff val="0"/>
-              <a:alphaOff val="0"/>
-            </a:schemeClr>
-          </a:solidFill>
-          <a:prstDash val="solid"/>
-          <a:miter lim="800000"/>
-        </a:ln>
-        <a:effectLst/>
-      </dsp:spPr>
-      <dsp:style>
-        <a:lnRef idx="2">
-          <a:scrgbClr r="0" g="0" b="0"/>
-        </a:lnRef>
-        <a:fillRef idx="0">
-          <a:scrgbClr r="0" g="0" b="0"/>
-        </a:fillRef>
-        <a:effectRef idx="0">
-          <a:scrgbClr r="0" g="0" b="0"/>
-        </a:effectRef>
-        <a:fontRef idx="minor"/>
-      </dsp:style>
-    </dsp:sp>
-    <dsp:sp modelId="{7CD820B9-7843-476A-9DB9-4C5ADF8CBE90}">
-      <dsp:nvSpPr>
-        <dsp:cNvPr id="0" name=""/>
-        <dsp:cNvSpPr/>
-      </dsp:nvSpPr>
-      <dsp:spPr>
-        <a:xfrm>
-          <a:off x="4814589" y="3137324"/>
-          <a:ext cx="366117" cy="2653131"/>
-        </a:xfrm>
-        <a:custGeom>
-          <a:avLst/>
-          <a:gdLst/>
-          <a:ahLst/>
-          <a:cxnLst/>
-          <a:rect l="0" t="0" r="0" b="0"/>
-          <a:pathLst>
-            <a:path>
-              <a:moveTo>
-                <a:pt x="0" y="0"/>
-              </a:moveTo>
-              <a:lnTo>
-                <a:pt x="183058" y="0"/>
-              </a:lnTo>
-              <a:lnTo>
-                <a:pt x="183058" y="2653131"/>
-              </a:lnTo>
-              <a:lnTo>
-                <a:pt x="366117" y="2653131"/>
-              </a:lnTo>
-            </a:path>
-          </a:pathLst>
-        </a:custGeom>
-        <a:noFill/>
-        <a:ln w="12700" cap="flat" cmpd="sng" algn="ctr">
-          <a:solidFill>
-            <a:schemeClr val="accent2">
-              <a:hueOff val="0"/>
-              <a:satOff val="0"/>
-              <a:lumOff val="0"/>
-              <a:alphaOff val="0"/>
-            </a:schemeClr>
-          </a:solidFill>
-          <a:prstDash val="solid"/>
-          <a:miter lim="800000"/>
-        </a:ln>
-        <a:effectLst/>
-      </dsp:spPr>
-      <dsp:style>
-        <a:lnRef idx="2">
-          <a:scrgbClr r="0" g="0" b="0"/>
-        </a:lnRef>
-        <a:fillRef idx="0">
-          <a:scrgbClr r="0" g="0" b="0"/>
-        </a:fillRef>
-        <a:effectRef idx="0">
-          <a:scrgbClr r="0" g="0" b="0"/>
-        </a:effectRef>
-        <a:fontRef idx="minor"/>
-      </dsp:style>
-    </dsp:sp>
-    <dsp:sp modelId="{93D47DB9-236E-47A8-9CE3-E8B9DA240574}">
-      <dsp:nvSpPr>
-        <dsp:cNvPr id="0" name=""/>
-        <dsp:cNvSpPr/>
-      </dsp:nvSpPr>
-      <dsp:spPr>
-        <a:xfrm>
-          <a:off x="7011292" y="3035424"/>
-          <a:ext cx="366117" cy="1180727"/>
-        </a:xfrm>
-        <a:custGeom>
-          <a:avLst/>
-          <a:gdLst/>
-          <a:ahLst/>
-          <a:cxnLst/>
-          <a:rect l="0" t="0" r="0" b="0"/>
-          <a:pathLst>
-            <a:path>
-              <a:moveTo>
-                <a:pt x="0" y="0"/>
-              </a:moveTo>
-              <a:lnTo>
-                <a:pt x="183058" y="0"/>
-              </a:lnTo>
-              <a:lnTo>
-                <a:pt x="183058" y="1180727"/>
-              </a:lnTo>
-              <a:lnTo>
-                <a:pt x="366117" y="1180727"/>
-              </a:lnTo>
-            </a:path>
-          </a:pathLst>
-        </a:custGeom>
-        <a:noFill/>
-        <a:ln w="12700" cap="flat" cmpd="sng" algn="ctr">
-          <a:solidFill>
-            <a:schemeClr val="accent3">
-              <a:hueOff val="0"/>
-              <a:satOff val="0"/>
-              <a:lumOff val="0"/>
-              <a:alphaOff val="0"/>
-            </a:schemeClr>
-          </a:solidFill>
-          <a:prstDash val="solid"/>
-          <a:miter lim="800000"/>
-        </a:ln>
-        <a:effectLst/>
-      </dsp:spPr>
-      <dsp:style>
-        <a:lnRef idx="2">
-          <a:scrgbClr r="0" g="0" b="0"/>
-        </a:lnRef>
-        <a:fillRef idx="0">
-          <a:scrgbClr r="0" g="0" b="0"/>
-        </a:fillRef>
-        <a:effectRef idx="0">
-          <a:scrgbClr r="0" g="0" b="0"/>
-        </a:effectRef>
-        <a:fontRef idx="minor"/>
-      </dsp:style>
-    </dsp:sp>
-    <dsp:sp modelId="{B5CBB6B1-6AF9-46FC-AD32-CE00A51B8945}">
-      <dsp:nvSpPr>
-        <dsp:cNvPr id="0" name=""/>
-        <dsp:cNvSpPr/>
-      </dsp:nvSpPr>
-      <dsp:spPr>
-        <a:xfrm>
-          <a:off x="7011292" y="3035424"/>
-          <a:ext cx="366117" cy="393575"/>
-        </a:xfrm>
-        <a:custGeom>
-          <a:avLst/>
-          <a:gdLst/>
-          <a:ahLst/>
-          <a:cxnLst/>
-          <a:rect l="0" t="0" r="0" b="0"/>
-          <a:pathLst>
-            <a:path>
-              <a:moveTo>
-                <a:pt x="0" y="0"/>
-              </a:moveTo>
-              <a:lnTo>
-                <a:pt x="183058" y="0"/>
-              </a:lnTo>
-              <a:lnTo>
-                <a:pt x="183058" y="393575"/>
-              </a:lnTo>
-              <a:lnTo>
-                <a:pt x="366117" y="393575"/>
-              </a:lnTo>
-            </a:path>
-          </a:pathLst>
-        </a:custGeom>
-        <a:noFill/>
-        <a:ln w="12700" cap="flat" cmpd="sng" algn="ctr">
-          <a:solidFill>
-            <a:schemeClr val="accent3">
-              <a:hueOff val="0"/>
-              <a:satOff val="0"/>
-              <a:lumOff val="0"/>
-              <a:alphaOff val="0"/>
-            </a:schemeClr>
-          </a:solidFill>
-          <a:prstDash val="solid"/>
-          <a:miter lim="800000"/>
-        </a:ln>
-        <a:effectLst/>
-      </dsp:spPr>
-      <dsp:style>
-        <a:lnRef idx="2">
-          <a:scrgbClr r="0" g="0" b="0"/>
-        </a:lnRef>
-        <a:fillRef idx="0">
-          <a:scrgbClr r="0" g="0" b="0"/>
-        </a:fillRef>
-        <a:effectRef idx="0">
-          <a:scrgbClr r="0" g="0" b="0"/>
-        </a:effectRef>
-        <a:fontRef idx="minor"/>
-      </dsp:style>
-    </dsp:sp>
-    <dsp:sp modelId="{5F8AB91F-3D9F-4854-A25D-5FE000B2E781}">
-      <dsp:nvSpPr>
-        <dsp:cNvPr id="0" name=""/>
-        <dsp:cNvSpPr/>
-      </dsp:nvSpPr>
-      <dsp:spPr>
-        <a:xfrm>
-          <a:off x="7011292" y="2641848"/>
-          <a:ext cx="366117" cy="393575"/>
-        </a:xfrm>
-        <a:custGeom>
-          <a:avLst/>
-          <a:gdLst/>
-          <a:ahLst/>
-          <a:cxnLst/>
-          <a:rect l="0" t="0" r="0" b="0"/>
-          <a:pathLst>
-            <a:path>
-              <a:moveTo>
-                <a:pt x="0" y="393575"/>
-              </a:moveTo>
-              <a:lnTo>
-                <a:pt x="183058" y="393575"/>
-              </a:lnTo>
-              <a:lnTo>
-                <a:pt x="183058" y="0"/>
-              </a:lnTo>
-              <a:lnTo>
-                <a:pt x="366117" y="0"/>
-              </a:lnTo>
-            </a:path>
-          </a:pathLst>
-        </a:custGeom>
-        <a:noFill/>
-        <a:ln w="12700" cap="flat" cmpd="sng" algn="ctr">
-          <a:solidFill>
-            <a:schemeClr val="accent3">
-              <a:hueOff val="0"/>
-              <a:satOff val="0"/>
-              <a:lumOff val="0"/>
-              <a:alphaOff val="0"/>
-            </a:schemeClr>
-          </a:solidFill>
-          <a:prstDash val="solid"/>
-          <a:miter lim="800000"/>
-        </a:ln>
-        <a:effectLst/>
-      </dsp:spPr>
-      <dsp:style>
-        <a:lnRef idx="2">
-          <a:scrgbClr r="0" g="0" b="0"/>
-        </a:lnRef>
-        <a:fillRef idx="0">
-          <a:scrgbClr r="0" g="0" b="0"/>
-        </a:fillRef>
-        <a:effectRef idx="0">
-          <a:scrgbClr r="0" g="0" b="0"/>
-        </a:effectRef>
-        <a:fontRef idx="minor"/>
-      </dsp:style>
-    </dsp:sp>
-    <dsp:sp modelId="{5C7596BD-D421-4FF6-9752-76232FF697E9}">
-      <dsp:nvSpPr>
-        <dsp:cNvPr id="0" name=""/>
-        <dsp:cNvSpPr/>
-      </dsp:nvSpPr>
-      <dsp:spPr>
-        <a:xfrm>
-          <a:off x="7011292" y="1854696"/>
-          <a:ext cx="366117" cy="1180727"/>
-        </a:xfrm>
-        <a:custGeom>
-          <a:avLst/>
-          <a:gdLst/>
-          <a:ahLst/>
-          <a:cxnLst/>
-          <a:rect l="0" t="0" r="0" b="0"/>
-          <a:pathLst>
-            <a:path>
-              <a:moveTo>
-                <a:pt x="0" y="1180727"/>
-              </a:moveTo>
-              <a:lnTo>
-                <a:pt x="183058" y="1180727"/>
-              </a:lnTo>
-              <a:lnTo>
-                <a:pt x="183058" y="0"/>
-              </a:lnTo>
-              <a:lnTo>
-                <a:pt x="366117" y="0"/>
-              </a:lnTo>
-            </a:path>
-          </a:pathLst>
-        </a:custGeom>
-        <a:noFill/>
-        <a:ln w="12700" cap="flat" cmpd="sng" algn="ctr">
-          <a:solidFill>
-            <a:schemeClr val="accent3">
-              <a:hueOff val="0"/>
-              <a:satOff val="0"/>
-              <a:lumOff val="0"/>
-              <a:alphaOff val="0"/>
-            </a:schemeClr>
-          </a:solidFill>
-          <a:prstDash val="solid"/>
-          <a:miter lim="800000"/>
-        </a:ln>
-        <a:effectLst/>
-      </dsp:spPr>
-      <dsp:style>
-        <a:lnRef idx="2">
-          <a:scrgbClr r="0" g="0" b="0"/>
-        </a:lnRef>
-        <a:fillRef idx="0">
-          <a:scrgbClr r="0" g="0" b="0"/>
-        </a:fillRef>
-        <a:effectRef idx="0">
-          <a:scrgbClr r="0" g="0" b="0"/>
-        </a:effectRef>
-        <a:fontRef idx="minor"/>
-      </dsp:style>
-    </dsp:sp>
-    <dsp:sp modelId="{42A06A71-4233-4C91-ADB7-5EA47BB4D535}">
-      <dsp:nvSpPr>
-        <dsp:cNvPr id="0" name=""/>
-        <dsp:cNvSpPr/>
-      </dsp:nvSpPr>
-      <dsp:spPr>
-        <a:xfrm>
-          <a:off x="4814589" y="3035424"/>
-          <a:ext cx="366117" cy="101900"/>
-        </a:xfrm>
-        <a:custGeom>
-          <a:avLst/>
-          <a:gdLst/>
-          <a:ahLst/>
-          <a:cxnLst/>
-          <a:rect l="0" t="0" r="0" b="0"/>
-          <a:pathLst>
-            <a:path>
-              <a:moveTo>
-                <a:pt x="0" y="101900"/>
-              </a:moveTo>
-              <a:lnTo>
-                <a:pt x="183058" y="101900"/>
-              </a:lnTo>
-              <a:lnTo>
-                <a:pt x="183058" y="0"/>
-              </a:lnTo>
-              <a:lnTo>
-                <a:pt x="366117" y="0"/>
-              </a:lnTo>
-            </a:path>
-          </a:pathLst>
-        </a:custGeom>
-        <a:noFill/>
-        <a:ln w="12700" cap="flat" cmpd="sng" algn="ctr">
-          <a:solidFill>
-            <a:schemeClr val="accent2">
-              <a:hueOff val="0"/>
-              <a:satOff val="0"/>
-              <a:lumOff val="0"/>
-              <a:alphaOff val="0"/>
-            </a:schemeClr>
-          </a:solidFill>
-          <a:prstDash val="solid"/>
-          <a:miter lim="800000"/>
-        </a:ln>
-        <a:effectLst/>
-      </dsp:spPr>
-      <dsp:style>
-        <a:lnRef idx="2">
-          <a:scrgbClr r="0" g="0" b="0"/>
-        </a:lnRef>
-        <a:fillRef idx="0">
-          <a:scrgbClr r="0" g="0" b="0"/>
-        </a:fillRef>
-        <a:effectRef idx="0">
-          <a:scrgbClr r="0" g="0" b="0"/>
-        </a:effectRef>
-        <a:fontRef idx="minor"/>
-      </dsp:style>
-    </dsp:sp>
-    <dsp:sp modelId="{86CD6BB2-3935-4583-B3C4-F94F574AF2F1}">
-      <dsp:nvSpPr>
-        <dsp:cNvPr id="0" name=""/>
-        <dsp:cNvSpPr/>
-      </dsp:nvSpPr>
-      <dsp:spPr>
-        <a:xfrm>
-          <a:off x="7011292" y="673968"/>
-          <a:ext cx="366117" cy="393575"/>
-        </a:xfrm>
-        <a:custGeom>
-          <a:avLst/>
-          <a:gdLst/>
-          <a:ahLst/>
-          <a:cxnLst/>
-          <a:rect l="0" t="0" r="0" b="0"/>
-          <a:pathLst>
-            <a:path>
-              <a:moveTo>
-                <a:pt x="0" y="0"/>
-              </a:moveTo>
-              <a:lnTo>
-                <a:pt x="183058" y="0"/>
-              </a:lnTo>
-              <a:lnTo>
-                <a:pt x="183058" y="393575"/>
-              </a:lnTo>
-              <a:lnTo>
-                <a:pt x="366117" y="393575"/>
-              </a:lnTo>
-            </a:path>
-          </a:pathLst>
-        </a:custGeom>
-        <a:noFill/>
-        <a:ln w="12700" cap="flat" cmpd="sng" algn="ctr">
-          <a:solidFill>
-            <a:schemeClr val="accent3">
-              <a:hueOff val="0"/>
-              <a:satOff val="0"/>
-              <a:lumOff val="0"/>
-              <a:alphaOff val="0"/>
-            </a:schemeClr>
-          </a:solidFill>
-          <a:prstDash val="solid"/>
-          <a:miter lim="800000"/>
-        </a:ln>
-        <a:effectLst/>
-      </dsp:spPr>
-      <dsp:style>
-        <a:lnRef idx="2">
-          <a:scrgbClr r="0" g="0" b="0"/>
-        </a:lnRef>
-        <a:fillRef idx="0">
-          <a:scrgbClr r="0" g="0" b="0"/>
-        </a:fillRef>
-        <a:effectRef idx="0">
-          <a:scrgbClr r="0" g="0" b="0"/>
-        </a:effectRef>
-        <a:fontRef idx="minor"/>
-      </dsp:style>
-    </dsp:sp>
-    <dsp:sp modelId="{A6507134-B29B-4AFD-995D-0062663771EC}">
-      <dsp:nvSpPr>
-        <dsp:cNvPr id="0" name=""/>
-        <dsp:cNvSpPr/>
-      </dsp:nvSpPr>
-      <dsp:spPr>
-        <a:xfrm>
-          <a:off x="7011292" y="280392"/>
-          <a:ext cx="366117" cy="393575"/>
-        </a:xfrm>
-        <a:custGeom>
-          <a:avLst/>
-          <a:gdLst/>
-          <a:ahLst/>
-          <a:cxnLst/>
-          <a:rect l="0" t="0" r="0" b="0"/>
-          <a:pathLst>
-            <a:path>
-              <a:moveTo>
-                <a:pt x="0" y="393575"/>
-              </a:moveTo>
-              <a:lnTo>
-                <a:pt x="183058" y="393575"/>
-              </a:lnTo>
-              <a:lnTo>
-                <a:pt x="183058" y="0"/>
-              </a:lnTo>
-              <a:lnTo>
-                <a:pt x="366117" y="0"/>
-              </a:lnTo>
-            </a:path>
-          </a:pathLst>
-        </a:custGeom>
-        <a:noFill/>
-        <a:ln w="12700" cap="flat" cmpd="sng" algn="ctr">
-          <a:solidFill>
-            <a:schemeClr val="accent3">
-              <a:hueOff val="0"/>
-              <a:satOff val="0"/>
-              <a:lumOff val="0"/>
-              <a:alphaOff val="0"/>
-            </a:schemeClr>
-          </a:solidFill>
-          <a:prstDash val="solid"/>
-          <a:miter lim="800000"/>
-        </a:ln>
-        <a:effectLst/>
-      </dsp:spPr>
-      <dsp:style>
-        <a:lnRef idx="2">
-          <a:scrgbClr r="0" g="0" b="0"/>
-        </a:lnRef>
-        <a:fillRef idx="0">
-          <a:scrgbClr r="0" g="0" b="0"/>
-        </a:fillRef>
-        <a:effectRef idx="0">
-          <a:scrgbClr r="0" g="0" b="0"/>
-        </a:effectRef>
-        <a:fontRef idx="minor"/>
-      </dsp:style>
-    </dsp:sp>
-    <dsp:sp modelId="{880876C4-DD6A-41B5-9D59-BF01A237AFF9}">
-      <dsp:nvSpPr>
-        <dsp:cNvPr id="0" name=""/>
-        <dsp:cNvSpPr/>
-      </dsp:nvSpPr>
-      <dsp:spPr>
-        <a:xfrm>
-          <a:off x="4814589" y="673968"/>
-          <a:ext cx="366117" cy="2463355"/>
-        </a:xfrm>
-        <a:custGeom>
-          <a:avLst/>
-          <a:gdLst/>
-          <a:ahLst/>
-          <a:cxnLst/>
-          <a:rect l="0" t="0" r="0" b="0"/>
-          <a:pathLst>
-            <a:path>
-              <a:moveTo>
-                <a:pt x="0" y="2463355"/>
-              </a:moveTo>
-              <a:lnTo>
-                <a:pt x="183058" y="2463355"/>
-              </a:lnTo>
-              <a:lnTo>
-                <a:pt x="183058" y="0"/>
-              </a:lnTo>
-              <a:lnTo>
-                <a:pt x="366117" y="0"/>
-              </a:lnTo>
-            </a:path>
-          </a:pathLst>
-        </a:custGeom>
-        <a:noFill/>
-        <a:ln w="12700" cap="flat" cmpd="sng" algn="ctr">
-          <a:solidFill>
-            <a:schemeClr val="accent2">
-              <a:hueOff val="0"/>
-              <a:satOff val="0"/>
-              <a:lumOff val="0"/>
-              <a:alphaOff val="0"/>
-            </a:schemeClr>
-          </a:solidFill>
-          <a:prstDash val="solid"/>
-          <a:miter lim="800000"/>
-        </a:ln>
-        <a:effectLst/>
-      </dsp:spPr>
-      <dsp:style>
-        <a:lnRef idx="2">
-          <a:scrgbClr r="0" g="0" b="0"/>
-        </a:lnRef>
-        <a:fillRef idx="0">
-          <a:scrgbClr r="0" g="0" b="0"/>
-        </a:fillRef>
-        <a:effectRef idx="0">
-          <a:scrgbClr r="0" g="0" b="0"/>
-        </a:effectRef>
-        <a:fontRef idx="minor"/>
-      </dsp:style>
-    </dsp:sp>
-    <dsp:sp modelId="{C85D0FDD-2735-445C-AECE-674F1FB2F543}">
-      <dsp:nvSpPr>
-        <dsp:cNvPr id="0" name=""/>
-        <dsp:cNvSpPr/>
-      </dsp:nvSpPr>
-      <dsp:spPr>
-        <a:xfrm>
-          <a:off x="2984003" y="2858159"/>
-          <a:ext cx="1830585" cy="558328"/>
-        </a:xfrm>
-        <a:prstGeom prst="rect">
-          <a:avLst/>
-        </a:prstGeom>
-        <a:solidFill>
-          <a:schemeClr val="accent1">
-            <a:hueOff val="0"/>
-            <a:satOff val="0"/>
-            <a:lumOff val="0"/>
-            <a:alphaOff val="0"/>
-          </a:schemeClr>
-        </a:solidFill>
-        <a:ln w="12700" cap="flat" cmpd="sng" algn="ctr">
-          <a:solidFill>
-            <a:schemeClr val="lt1">
-              <a:hueOff val="0"/>
-              <a:satOff val="0"/>
-              <a:lumOff val="0"/>
-              <a:alphaOff val="0"/>
-            </a:schemeClr>
-          </a:solidFill>
-          <a:prstDash val="solid"/>
-          <a:miter lim="800000"/>
-        </a:ln>
-        <a:effectLst/>
-      </dsp:spPr>
-      <dsp:style>
-        <a:lnRef idx="2">
-          <a:scrgbClr r="0" g="0" b="0"/>
-        </a:lnRef>
-        <a:fillRef idx="1">
-          <a:scrgbClr r="0" g="0" b="0"/>
-        </a:fillRef>
-        <a:effectRef idx="0">
-          <a:scrgbClr r="0" g="0" b="0"/>
-        </a:effectRef>
-        <a:fontRef idx="minor">
-          <a:schemeClr val="lt1"/>
-        </a:fontRef>
-      </dsp:style>
-      <dsp:txBody>
-        <a:bodyPr spcFirstLastPara="0" vert="horz" wrap="square" lIns="12065" tIns="12065" rIns="12065" bIns="12065" numCol="1" spcCol="1270" anchor="ctr" anchorCtr="0">
-          <a:noAutofit/>
-        </a:bodyPr>
-        <a:lstStyle/>
-        <a:p>
-          <a:pPr lvl="0" algn="ctr" defTabSz="844550">
-            <a:lnSpc>
-              <a:spcPct val="90000"/>
-            </a:lnSpc>
-            <a:spcBef>
-              <a:spcPct val="0"/>
-            </a:spcBef>
-            <a:spcAft>
-              <a:spcPct val="35000"/>
-            </a:spcAft>
-          </a:pPr>
-          <a:r>
-            <a:rPr lang="pt-BR" sz="1900" b="0" kern="1200" cap="none" spc="0" smtClean="0">
-              <a:ln w="0"/>
-              <a:effectLst>
-                <a:outerShdw blurRad="38100" dist="19050" dir="2700000" algn="tl" rotWithShape="0">
-                  <a:schemeClr val="dk1">
-                    <a:alpha val="40000"/>
-                  </a:schemeClr>
-                </a:outerShdw>
-              </a:effectLst>
-            </a:rPr>
-            <a:t>Direção</a:t>
-          </a:r>
-          <a:endParaRPr lang="pt-BR" sz="1900" b="0" kern="1200" cap="none" spc="0" dirty="0">
-            <a:ln w="0"/>
-            <a:effectLst>
-              <a:outerShdw blurRad="38100" dist="19050" dir="2700000" algn="tl" rotWithShape="0">
-                <a:schemeClr val="dk1">
-                  <a:alpha val="40000"/>
-                </a:schemeClr>
-              </a:outerShdw>
-            </a:effectLst>
-          </a:endParaRPr>
-        </a:p>
-      </dsp:txBody>
-      <dsp:txXfrm>
-        <a:off x="2984003" y="2858159"/>
-        <a:ext cx="1830585" cy="558328"/>
-      </dsp:txXfrm>
-    </dsp:sp>
-    <dsp:sp modelId="{A5C4CFA2-F83E-4FD7-BA9A-16A2D1C16209}">
-      <dsp:nvSpPr>
-        <dsp:cNvPr id="0" name=""/>
-        <dsp:cNvSpPr/>
-      </dsp:nvSpPr>
-      <dsp:spPr>
-        <a:xfrm>
-          <a:off x="5180707" y="394803"/>
-          <a:ext cx="1830585" cy="558328"/>
-        </a:xfrm>
-        <a:prstGeom prst="rect">
-          <a:avLst/>
-        </a:prstGeom>
-        <a:solidFill>
-          <a:schemeClr val="accent2">
-            <a:hueOff val="0"/>
-            <a:satOff val="0"/>
-            <a:lumOff val="0"/>
-            <a:alphaOff val="0"/>
-          </a:schemeClr>
-        </a:solidFill>
-        <a:ln w="12700" cap="flat" cmpd="sng" algn="ctr">
-          <a:solidFill>
-            <a:schemeClr val="lt1">
-              <a:hueOff val="0"/>
-              <a:satOff val="0"/>
-              <a:lumOff val="0"/>
-              <a:alphaOff val="0"/>
-            </a:schemeClr>
-          </a:solidFill>
-          <a:prstDash val="solid"/>
-          <a:miter lim="800000"/>
-        </a:ln>
-        <a:effectLst/>
-      </dsp:spPr>
-      <dsp:style>
-        <a:lnRef idx="2">
-          <a:scrgbClr r="0" g="0" b="0"/>
-        </a:lnRef>
-        <a:fillRef idx="1">
-          <a:scrgbClr r="0" g="0" b="0"/>
-        </a:fillRef>
-        <a:effectRef idx="0">
-          <a:scrgbClr r="0" g="0" b="0"/>
-        </a:effectRef>
-        <a:fontRef idx="minor">
-          <a:schemeClr val="lt1"/>
-        </a:fontRef>
-      </dsp:style>
-      <dsp:txBody>
-        <a:bodyPr spcFirstLastPara="0" vert="horz" wrap="square" lIns="12065" tIns="12065" rIns="12065" bIns="12065" numCol="1" spcCol="1270" anchor="ctr" anchorCtr="0">
-          <a:noAutofit/>
-        </a:bodyPr>
-        <a:lstStyle/>
-        <a:p>
-          <a:pPr lvl="0" algn="ctr" defTabSz="844550">
-            <a:lnSpc>
-              <a:spcPct val="90000"/>
-            </a:lnSpc>
-            <a:spcBef>
-              <a:spcPct val="0"/>
-            </a:spcBef>
-            <a:spcAft>
-              <a:spcPct val="35000"/>
-            </a:spcAft>
-          </a:pPr>
-          <a:r>
-            <a:rPr lang="pt-BR" sz="1900" b="0" kern="1200" cap="none" spc="0" smtClean="0">
-              <a:ln w="0"/>
-              <a:effectLst>
-                <a:outerShdw blurRad="38100" dist="19050" dir="2700000" algn="tl" rotWithShape="0">
-                  <a:schemeClr val="dk1">
-                    <a:alpha val="40000"/>
-                  </a:schemeClr>
-                </a:outerShdw>
-              </a:effectLst>
-            </a:rPr>
-            <a:t>Administrativo</a:t>
-          </a:r>
-          <a:endParaRPr lang="pt-BR" sz="1900" b="0" kern="1200" cap="none" spc="0" dirty="0">
-            <a:ln w="0"/>
-            <a:effectLst>
-              <a:outerShdw blurRad="38100" dist="19050" dir="2700000" algn="tl" rotWithShape="0">
-                <a:schemeClr val="dk1">
-                  <a:alpha val="40000"/>
-                </a:schemeClr>
-              </a:outerShdw>
-            </a:effectLst>
-          </a:endParaRPr>
-        </a:p>
-      </dsp:txBody>
-      <dsp:txXfrm>
-        <a:off x="5180707" y="394803"/>
-        <a:ext cx="1830585" cy="558328"/>
-      </dsp:txXfrm>
-    </dsp:sp>
-    <dsp:sp modelId="{A0433DDC-38A0-491E-B2E4-CC866957FCDD}">
-      <dsp:nvSpPr>
-        <dsp:cNvPr id="0" name=""/>
-        <dsp:cNvSpPr/>
-      </dsp:nvSpPr>
-      <dsp:spPr>
-        <a:xfrm>
-          <a:off x="7377410" y="1227"/>
-          <a:ext cx="1830585" cy="558328"/>
-        </a:xfrm>
-        <a:prstGeom prst="rect">
-          <a:avLst/>
-        </a:prstGeom>
-        <a:solidFill>
-          <a:schemeClr val="accent6"/>
-        </a:solidFill>
-        <a:ln w="19050" cap="flat" cmpd="sng" algn="ctr">
-          <a:solidFill>
-            <a:schemeClr val="lt1"/>
-          </a:solidFill>
-          <a:prstDash val="solid"/>
-          <a:miter lim="800000"/>
-        </a:ln>
-        <a:effectLst/>
-      </dsp:spPr>
-      <dsp:style>
-        <a:lnRef idx="3">
-          <a:schemeClr val="lt1"/>
-        </a:lnRef>
-        <a:fillRef idx="1">
-          <a:schemeClr val="accent6"/>
-        </a:fillRef>
-        <a:effectRef idx="1">
-          <a:schemeClr val="accent6"/>
-        </a:effectRef>
-        <a:fontRef idx="minor">
-          <a:schemeClr val="lt1"/>
-        </a:fontRef>
-      </dsp:style>
-      <dsp:txBody>
-        <a:bodyPr spcFirstLastPara="0" vert="horz" wrap="square" lIns="12065" tIns="12065" rIns="12065" bIns="12065" numCol="1" spcCol="1270" anchor="ctr" anchorCtr="0">
-          <a:noAutofit/>
-        </a:bodyPr>
-        <a:lstStyle/>
-        <a:p>
-          <a:pPr lvl="0" algn="ctr" defTabSz="844550">
-            <a:lnSpc>
-              <a:spcPct val="90000"/>
-            </a:lnSpc>
-            <a:spcBef>
-              <a:spcPct val="0"/>
-            </a:spcBef>
-            <a:spcAft>
-              <a:spcPct val="35000"/>
-            </a:spcAft>
-          </a:pPr>
-          <a:r>
-            <a:rPr lang="pt-BR" sz="1900" b="0" kern="1200" cap="none" spc="0" smtClean="0">
-              <a:ln w="0"/>
-              <a:effectLst>
-                <a:outerShdw blurRad="38100" dist="19050" dir="2700000" algn="tl" rotWithShape="0">
-                  <a:schemeClr val="dk1">
-                    <a:alpha val="40000"/>
-                  </a:schemeClr>
-                </a:outerShdw>
-              </a:effectLst>
-            </a:rPr>
-            <a:t>Financeiro</a:t>
-          </a:r>
-          <a:endParaRPr lang="pt-BR" sz="1900" b="0" kern="1200" cap="none" spc="0" dirty="0">
-            <a:ln w="0"/>
-            <a:effectLst>
-              <a:outerShdw blurRad="38100" dist="19050" dir="2700000" algn="tl" rotWithShape="0">
-                <a:schemeClr val="dk1">
-                  <a:alpha val="40000"/>
-                </a:schemeClr>
-              </a:outerShdw>
-            </a:effectLst>
-          </a:endParaRPr>
-        </a:p>
-      </dsp:txBody>
-      <dsp:txXfrm>
-        <a:off x="7377410" y="1227"/>
-        <a:ext cx="1830585" cy="558328"/>
-      </dsp:txXfrm>
-    </dsp:sp>
-    <dsp:sp modelId="{FFAADCF6-7E1D-4A02-83D5-AF83A5FA56B9}">
-      <dsp:nvSpPr>
-        <dsp:cNvPr id="0" name=""/>
-        <dsp:cNvSpPr/>
-      </dsp:nvSpPr>
-      <dsp:spPr>
-        <a:xfrm>
-          <a:off x="7377410" y="788379"/>
-          <a:ext cx="1830585" cy="558328"/>
-        </a:xfrm>
-        <a:prstGeom prst="rect">
-          <a:avLst/>
-        </a:prstGeom>
-        <a:solidFill>
-          <a:schemeClr val="accent6"/>
-        </a:solidFill>
-        <a:ln w="19050" cap="flat" cmpd="sng" algn="ctr">
-          <a:solidFill>
-            <a:schemeClr val="lt1"/>
-          </a:solidFill>
-          <a:prstDash val="solid"/>
-          <a:miter lim="800000"/>
-        </a:ln>
-        <a:effectLst/>
-      </dsp:spPr>
-      <dsp:style>
-        <a:lnRef idx="3">
-          <a:schemeClr val="lt1"/>
-        </a:lnRef>
-        <a:fillRef idx="1">
-          <a:schemeClr val="accent6"/>
-        </a:fillRef>
-        <a:effectRef idx="1">
-          <a:schemeClr val="accent6"/>
-        </a:effectRef>
-        <a:fontRef idx="minor">
-          <a:schemeClr val="lt1"/>
-        </a:fontRef>
-      </dsp:style>
-      <dsp:txBody>
-        <a:bodyPr spcFirstLastPara="0" vert="horz" wrap="square" lIns="12065" tIns="12065" rIns="12065" bIns="12065" numCol="1" spcCol="1270" anchor="ctr" anchorCtr="0">
-          <a:noAutofit/>
-        </a:bodyPr>
-        <a:lstStyle/>
-        <a:p>
-          <a:pPr lvl="0" algn="ctr" defTabSz="844550">
-            <a:lnSpc>
-              <a:spcPct val="90000"/>
-            </a:lnSpc>
-            <a:spcBef>
-              <a:spcPct val="0"/>
-            </a:spcBef>
-            <a:spcAft>
-              <a:spcPct val="35000"/>
-            </a:spcAft>
-          </a:pPr>
-          <a:r>
-            <a:rPr lang="pt-BR" sz="1900" b="0" kern="1200" cap="none" spc="0" smtClean="0">
-              <a:ln w="0"/>
-              <a:effectLst>
-                <a:outerShdw blurRad="38100" dist="19050" dir="2700000" algn="tl" rotWithShape="0">
-                  <a:schemeClr val="dk1">
-                    <a:alpha val="40000"/>
-                  </a:schemeClr>
-                </a:outerShdw>
-              </a:effectLst>
-            </a:rPr>
-            <a:t>Dept. Pessoal</a:t>
-          </a:r>
-          <a:endParaRPr lang="pt-BR" sz="1900" b="0" kern="1200" cap="none" spc="0" dirty="0">
-            <a:ln w="0"/>
-            <a:effectLst>
-              <a:outerShdw blurRad="38100" dist="19050" dir="2700000" algn="tl" rotWithShape="0">
-                <a:schemeClr val="dk1">
-                  <a:alpha val="40000"/>
-                </a:schemeClr>
-              </a:outerShdw>
-            </a:effectLst>
-          </a:endParaRPr>
-        </a:p>
-      </dsp:txBody>
-      <dsp:txXfrm>
-        <a:off x="7377410" y="788379"/>
-        <a:ext cx="1830585" cy="558328"/>
-      </dsp:txXfrm>
-    </dsp:sp>
-    <dsp:sp modelId="{636CD6F1-F7F5-4326-B6D9-E71CECC53D06}">
-      <dsp:nvSpPr>
-        <dsp:cNvPr id="0" name=""/>
-        <dsp:cNvSpPr/>
-      </dsp:nvSpPr>
-      <dsp:spPr>
-        <a:xfrm>
-          <a:off x="5180707" y="2756259"/>
-          <a:ext cx="1830585" cy="558328"/>
-        </a:xfrm>
-        <a:prstGeom prst="rect">
-          <a:avLst/>
-        </a:prstGeom>
-        <a:solidFill>
-          <a:schemeClr val="accent2">
-            <a:hueOff val="0"/>
-            <a:satOff val="0"/>
-            <a:lumOff val="0"/>
-            <a:alphaOff val="0"/>
-          </a:schemeClr>
-        </a:solidFill>
-        <a:ln w="12700" cap="flat" cmpd="sng" algn="ctr">
-          <a:solidFill>
-            <a:schemeClr val="lt1">
-              <a:hueOff val="0"/>
-              <a:satOff val="0"/>
-              <a:lumOff val="0"/>
-              <a:alphaOff val="0"/>
-            </a:schemeClr>
-          </a:solidFill>
-          <a:prstDash val="solid"/>
-          <a:miter lim="800000"/>
-        </a:ln>
-        <a:effectLst/>
-      </dsp:spPr>
-      <dsp:style>
-        <a:lnRef idx="2">
-          <a:scrgbClr r="0" g="0" b="0"/>
-        </a:lnRef>
-        <a:fillRef idx="1">
-          <a:scrgbClr r="0" g="0" b="0"/>
-        </a:fillRef>
-        <a:effectRef idx="0">
-          <a:scrgbClr r="0" g="0" b="0"/>
-        </a:effectRef>
-        <a:fontRef idx="minor">
-          <a:schemeClr val="lt1"/>
-        </a:fontRef>
-      </dsp:style>
-      <dsp:txBody>
-        <a:bodyPr spcFirstLastPara="0" vert="horz" wrap="square" lIns="12065" tIns="12065" rIns="12065" bIns="12065" numCol="1" spcCol="1270" anchor="ctr" anchorCtr="0">
-          <a:noAutofit/>
-        </a:bodyPr>
-        <a:lstStyle/>
-        <a:p>
-          <a:pPr lvl="0" algn="ctr" defTabSz="844550">
-            <a:lnSpc>
-              <a:spcPct val="90000"/>
-            </a:lnSpc>
-            <a:spcBef>
-              <a:spcPct val="0"/>
-            </a:spcBef>
-            <a:spcAft>
-              <a:spcPct val="35000"/>
-            </a:spcAft>
-          </a:pPr>
-          <a:r>
-            <a:rPr lang="pt-BR" sz="1900" b="0" kern="1200" cap="none" spc="0" smtClean="0">
-              <a:ln w="0"/>
-              <a:effectLst>
-                <a:outerShdw blurRad="38100" dist="19050" dir="2700000" algn="tl" rotWithShape="0">
-                  <a:schemeClr val="dk1">
-                    <a:alpha val="40000"/>
-                  </a:schemeClr>
-                </a:outerShdw>
-              </a:effectLst>
-            </a:rPr>
-            <a:t>Comercial</a:t>
-          </a:r>
-          <a:endParaRPr lang="pt-BR" sz="1900" b="0" kern="1200" cap="none" spc="0" dirty="0">
-            <a:ln w="0"/>
-            <a:effectLst>
-              <a:outerShdw blurRad="38100" dist="19050" dir="2700000" algn="tl" rotWithShape="0">
-                <a:schemeClr val="dk1">
-                  <a:alpha val="40000"/>
-                </a:schemeClr>
-              </a:outerShdw>
-            </a:effectLst>
-          </a:endParaRPr>
-        </a:p>
-      </dsp:txBody>
-      <dsp:txXfrm>
-        <a:off x="5180707" y="2756259"/>
-        <a:ext cx="1830585" cy="558328"/>
-      </dsp:txXfrm>
-    </dsp:sp>
-    <dsp:sp modelId="{05FA11F8-2983-47C0-BDA4-D035D025E02F}">
-      <dsp:nvSpPr>
-        <dsp:cNvPr id="0" name=""/>
-        <dsp:cNvSpPr/>
-      </dsp:nvSpPr>
-      <dsp:spPr>
-        <a:xfrm>
-          <a:off x="7377410" y="1575531"/>
-          <a:ext cx="1830585" cy="558328"/>
-        </a:xfrm>
-        <a:prstGeom prst="rect">
-          <a:avLst/>
-        </a:prstGeom>
-        <a:solidFill>
-          <a:schemeClr val="accent6"/>
-        </a:solidFill>
-        <a:ln w="19050" cap="flat" cmpd="sng" algn="ctr">
-          <a:solidFill>
-            <a:schemeClr val="lt1"/>
-          </a:solidFill>
-          <a:prstDash val="solid"/>
-          <a:miter lim="800000"/>
-        </a:ln>
-        <a:effectLst/>
-      </dsp:spPr>
-      <dsp:style>
-        <a:lnRef idx="3">
-          <a:schemeClr val="lt1"/>
-        </a:lnRef>
-        <a:fillRef idx="1">
-          <a:schemeClr val="accent6"/>
-        </a:fillRef>
-        <a:effectRef idx="1">
-          <a:schemeClr val="accent6"/>
-        </a:effectRef>
-        <a:fontRef idx="minor">
-          <a:schemeClr val="lt1"/>
-        </a:fontRef>
-      </dsp:style>
-      <dsp:txBody>
-        <a:bodyPr spcFirstLastPara="0" vert="horz" wrap="square" lIns="12065" tIns="12065" rIns="12065" bIns="12065" numCol="1" spcCol="1270" anchor="ctr" anchorCtr="0">
-          <a:noAutofit/>
-        </a:bodyPr>
-        <a:lstStyle/>
-        <a:p>
-          <a:pPr lvl="0" algn="ctr" defTabSz="844550">
-            <a:lnSpc>
-              <a:spcPct val="90000"/>
-            </a:lnSpc>
-            <a:spcBef>
-              <a:spcPct val="0"/>
-            </a:spcBef>
-            <a:spcAft>
-              <a:spcPct val="35000"/>
-            </a:spcAft>
-          </a:pPr>
-          <a:r>
-            <a:rPr lang="pt-BR" sz="1900" b="0" kern="1200" cap="none" spc="0" smtClean="0">
-              <a:ln w="0"/>
-              <a:effectLst>
-                <a:outerShdw blurRad="38100" dist="19050" dir="2700000" algn="tl" rotWithShape="0">
-                  <a:schemeClr val="dk1">
-                    <a:alpha val="40000"/>
-                  </a:schemeClr>
-                </a:outerShdw>
-              </a:effectLst>
-            </a:rPr>
-            <a:t>Vendas</a:t>
-          </a:r>
-          <a:endParaRPr lang="pt-BR" sz="1900" b="0" kern="1200" cap="none" spc="0" dirty="0">
-            <a:ln w="0"/>
-            <a:effectLst>
-              <a:outerShdw blurRad="38100" dist="19050" dir="2700000" algn="tl" rotWithShape="0">
-                <a:schemeClr val="dk1">
-                  <a:alpha val="40000"/>
-                </a:schemeClr>
-              </a:outerShdw>
-            </a:effectLst>
-          </a:endParaRPr>
-        </a:p>
-      </dsp:txBody>
-      <dsp:txXfrm>
-        <a:off x="7377410" y="1575531"/>
-        <a:ext cx="1830585" cy="558328"/>
-      </dsp:txXfrm>
-    </dsp:sp>
-    <dsp:sp modelId="{9BCFB519-B600-418E-9925-12688D6A3C0E}">
-      <dsp:nvSpPr>
-        <dsp:cNvPr id="0" name=""/>
-        <dsp:cNvSpPr/>
-      </dsp:nvSpPr>
-      <dsp:spPr>
-        <a:xfrm>
-          <a:off x="7377410" y="2362683"/>
-          <a:ext cx="1830585" cy="558328"/>
-        </a:xfrm>
-        <a:prstGeom prst="rect">
-          <a:avLst/>
-        </a:prstGeom>
-        <a:solidFill>
-          <a:schemeClr val="accent6"/>
-        </a:solidFill>
-        <a:ln w="19050" cap="flat" cmpd="sng" algn="ctr">
-          <a:solidFill>
-            <a:schemeClr val="lt1"/>
-          </a:solidFill>
-          <a:prstDash val="solid"/>
-          <a:miter lim="800000"/>
-        </a:ln>
-        <a:effectLst/>
-      </dsp:spPr>
-      <dsp:style>
-        <a:lnRef idx="3">
-          <a:schemeClr val="lt1"/>
-        </a:lnRef>
-        <a:fillRef idx="1">
-          <a:schemeClr val="accent6"/>
-        </a:fillRef>
-        <a:effectRef idx="1">
-          <a:schemeClr val="accent6"/>
-        </a:effectRef>
-        <a:fontRef idx="minor">
-          <a:schemeClr val="lt1"/>
-        </a:fontRef>
-      </dsp:style>
-      <dsp:txBody>
-        <a:bodyPr spcFirstLastPara="0" vert="horz" wrap="square" lIns="12065" tIns="12065" rIns="12065" bIns="12065" numCol="1" spcCol="1270" anchor="ctr" anchorCtr="0">
-          <a:noAutofit/>
-        </a:bodyPr>
-        <a:lstStyle/>
-        <a:p>
-          <a:pPr lvl="0" algn="ctr" defTabSz="844550">
-            <a:lnSpc>
-              <a:spcPct val="90000"/>
-            </a:lnSpc>
-            <a:spcBef>
-              <a:spcPct val="0"/>
-            </a:spcBef>
-            <a:spcAft>
-              <a:spcPct val="35000"/>
-            </a:spcAft>
-          </a:pPr>
-          <a:r>
-            <a:rPr lang="pt-BR" sz="1900" b="0" kern="1200" cap="none" spc="0" smtClean="0">
-              <a:ln w="0"/>
-              <a:effectLst>
-                <a:outerShdw blurRad="38100" dist="19050" dir="2700000" algn="tl" rotWithShape="0">
-                  <a:schemeClr val="dk1">
-                    <a:alpha val="40000"/>
-                  </a:schemeClr>
-                </a:outerShdw>
-              </a:effectLst>
-            </a:rPr>
-            <a:t>Implantação</a:t>
-          </a:r>
-          <a:endParaRPr lang="pt-BR" sz="1900" b="0" kern="1200" cap="none" spc="0" dirty="0">
-            <a:ln w="0"/>
-            <a:effectLst>
-              <a:outerShdw blurRad="38100" dist="19050" dir="2700000" algn="tl" rotWithShape="0">
-                <a:schemeClr val="dk1">
-                  <a:alpha val="40000"/>
-                </a:schemeClr>
-              </a:outerShdw>
-            </a:effectLst>
-          </a:endParaRPr>
-        </a:p>
-      </dsp:txBody>
-      <dsp:txXfrm>
-        <a:off x="7377410" y="2362683"/>
-        <a:ext cx="1830585" cy="558328"/>
-      </dsp:txXfrm>
-    </dsp:sp>
-    <dsp:sp modelId="{9C8D73E8-0F43-4F7E-996C-AD51B59BC6FF}">
-      <dsp:nvSpPr>
-        <dsp:cNvPr id="0" name=""/>
-        <dsp:cNvSpPr/>
-      </dsp:nvSpPr>
-      <dsp:spPr>
-        <a:xfrm>
-          <a:off x="7377410" y="3149835"/>
-          <a:ext cx="1830585" cy="558328"/>
-        </a:xfrm>
-        <a:prstGeom prst="rect">
-          <a:avLst/>
-        </a:prstGeom>
-        <a:solidFill>
-          <a:schemeClr val="accent6"/>
-        </a:solidFill>
-        <a:ln w="19050" cap="flat" cmpd="sng" algn="ctr">
-          <a:solidFill>
-            <a:schemeClr val="lt1"/>
-          </a:solidFill>
-          <a:prstDash val="solid"/>
-          <a:miter lim="800000"/>
-        </a:ln>
-        <a:effectLst/>
-      </dsp:spPr>
-      <dsp:style>
-        <a:lnRef idx="3">
-          <a:schemeClr val="lt1"/>
-        </a:lnRef>
-        <a:fillRef idx="1">
-          <a:schemeClr val="accent6"/>
-        </a:fillRef>
-        <a:effectRef idx="1">
-          <a:schemeClr val="accent6"/>
-        </a:effectRef>
-        <a:fontRef idx="minor">
-          <a:schemeClr val="lt1"/>
-        </a:fontRef>
-      </dsp:style>
-      <dsp:txBody>
-        <a:bodyPr spcFirstLastPara="0" vert="horz" wrap="square" lIns="12065" tIns="12065" rIns="12065" bIns="12065" numCol="1" spcCol="1270" anchor="ctr" anchorCtr="0">
-          <a:noAutofit/>
-        </a:bodyPr>
-        <a:lstStyle/>
-        <a:p>
-          <a:pPr lvl="0" algn="ctr" defTabSz="844550">
-            <a:lnSpc>
-              <a:spcPct val="90000"/>
-            </a:lnSpc>
-            <a:spcBef>
-              <a:spcPct val="0"/>
-            </a:spcBef>
-            <a:spcAft>
-              <a:spcPct val="35000"/>
-            </a:spcAft>
-          </a:pPr>
-          <a:r>
-            <a:rPr lang="pt-BR" sz="1900" b="0" kern="1200" cap="none" spc="0" smtClean="0">
-              <a:ln w="0"/>
-              <a:effectLst>
-                <a:outerShdw blurRad="38100" dist="19050" dir="2700000" algn="tl" rotWithShape="0">
-                  <a:schemeClr val="dk1">
-                    <a:alpha val="40000"/>
-                  </a:schemeClr>
-                </a:outerShdw>
-              </a:effectLst>
-            </a:rPr>
-            <a:t>Suporte</a:t>
-          </a:r>
-          <a:endParaRPr lang="pt-BR" sz="1900" b="0" kern="1200" cap="none" spc="0" dirty="0">
-            <a:ln w="0"/>
-            <a:effectLst>
-              <a:outerShdw blurRad="38100" dist="19050" dir="2700000" algn="tl" rotWithShape="0">
-                <a:schemeClr val="dk1">
-                  <a:alpha val="40000"/>
-                </a:schemeClr>
-              </a:outerShdw>
-            </a:effectLst>
-          </a:endParaRPr>
-        </a:p>
-      </dsp:txBody>
-      <dsp:txXfrm>
-        <a:off x="7377410" y="3149835"/>
-        <a:ext cx="1830585" cy="558328"/>
-      </dsp:txXfrm>
-    </dsp:sp>
-    <dsp:sp modelId="{72F9DAA5-67E1-4985-B550-F3C1FDBC7A4E}">
-      <dsp:nvSpPr>
-        <dsp:cNvPr id="0" name=""/>
-        <dsp:cNvSpPr/>
-      </dsp:nvSpPr>
-      <dsp:spPr>
-        <a:xfrm>
-          <a:off x="7377410" y="3936987"/>
-          <a:ext cx="1830585" cy="558328"/>
-        </a:xfrm>
-        <a:prstGeom prst="rect">
-          <a:avLst/>
-        </a:prstGeom>
-        <a:solidFill>
-          <a:schemeClr val="accent6"/>
-        </a:solidFill>
-        <a:ln w="19050" cap="flat" cmpd="sng" algn="ctr">
-          <a:solidFill>
-            <a:schemeClr val="lt1"/>
-          </a:solidFill>
-          <a:prstDash val="solid"/>
-          <a:miter lim="800000"/>
-        </a:ln>
-        <a:effectLst/>
-      </dsp:spPr>
-      <dsp:style>
-        <a:lnRef idx="3">
-          <a:schemeClr val="lt1"/>
-        </a:lnRef>
-        <a:fillRef idx="1">
-          <a:schemeClr val="accent6"/>
-        </a:fillRef>
-        <a:effectRef idx="1">
-          <a:schemeClr val="accent6"/>
-        </a:effectRef>
-        <a:fontRef idx="minor">
-          <a:schemeClr val="lt1"/>
-        </a:fontRef>
-      </dsp:style>
-      <dsp:txBody>
-        <a:bodyPr spcFirstLastPara="0" vert="horz" wrap="square" lIns="12065" tIns="12065" rIns="12065" bIns="12065" numCol="1" spcCol="1270" anchor="ctr" anchorCtr="0">
-          <a:noAutofit/>
-        </a:bodyPr>
-        <a:lstStyle/>
-        <a:p>
-          <a:pPr lvl="0" algn="ctr" defTabSz="844550">
-            <a:lnSpc>
-              <a:spcPct val="90000"/>
-            </a:lnSpc>
-            <a:spcBef>
-              <a:spcPct val="0"/>
-            </a:spcBef>
-            <a:spcAft>
-              <a:spcPct val="35000"/>
-            </a:spcAft>
-          </a:pPr>
-          <a:r>
-            <a:rPr lang="pt-BR" sz="1900" b="0" kern="1200" cap="none" spc="0" smtClean="0">
-              <a:ln w="0"/>
-              <a:effectLst>
-                <a:outerShdw blurRad="38100" dist="19050" dir="2700000" algn="tl" rotWithShape="0">
-                  <a:schemeClr val="dk1">
-                    <a:alpha val="40000"/>
-                  </a:schemeClr>
-                </a:outerShdw>
-              </a:effectLst>
-            </a:rPr>
-            <a:t>Consultoria</a:t>
-          </a:r>
-          <a:endParaRPr lang="pt-BR" sz="1900" b="0" kern="1200" cap="none" spc="0" dirty="0">
-            <a:ln w="0"/>
-            <a:effectLst>
-              <a:outerShdw blurRad="38100" dist="19050" dir="2700000" algn="tl" rotWithShape="0">
-                <a:schemeClr val="dk1">
-                  <a:alpha val="40000"/>
-                </a:schemeClr>
-              </a:outerShdw>
-            </a:effectLst>
-          </a:endParaRPr>
-        </a:p>
-      </dsp:txBody>
-      <dsp:txXfrm>
-        <a:off x="7377410" y="3936987"/>
-        <a:ext cx="1830585" cy="558328"/>
-      </dsp:txXfrm>
-    </dsp:sp>
-    <dsp:sp modelId="{9B34D963-68D2-4EAC-82AA-CAFA32AE5C6A}">
-      <dsp:nvSpPr>
-        <dsp:cNvPr id="0" name=""/>
-        <dsp:cNvSpPr/>
-      </dsp:nvSpPr>
-      <dsp:spPr>
-        <a:xfrm>
-          <a:off x="5180707" y="5511291"/>
-          <a:ext cx="1830585" cy="558328"/>
-        </a:xfrm>
-        <a:prstGeom prst="rect">
-          <a:avLst/>
-        </a:prstGeom>
-        <a:solidFill>
-          <a:schemeClr val="accent2">
-            <a:hueOff val="0"/>
-            <a:satOff val="0"/>
-            <a:lumOff val="0"/>
-            <a:alphaOff val="0"/>
-          </a:schemeClr>
-        </a:solidFill>
-        <a:ln w="12700" cap="flat" cmpd="sng" algn="ctr">
-          <a:solidFill>
-            <a:schemeClr val="lt1">
-              <a:hueOff val="0"/>
-              <a:satOff val="0"/>
-              <a:lumOff val="0"/>
-              <a:alphaOff val="0"/>
-            </a:schemeClr>
-          </a:solidFill>
-          <a:prstDash val="solid"/>
-          <a:miter lim="800000"/>
-        </a:ln>
-        <a:effectLst/>
-      </dsp:spPr>
-      <dsp:style>
-        <a:lnRef idx="2">
-          <a:scrgbClr r="0" g="0" b="0"/>
-        </a:lnRef>
-        <a:fillRef idx="1">
-          <a:scrgbClr r="0" g="0" b="0"/>
-        </a:fillRef>
-        <a:effectRef idx="0">
-          <a:scrgbClr r="0" g="0" b="0"/>
-        </a:effectRef>
-        <a:fontRef idx="minor">
-          <a:schemeClr val="lt1"/>
-        </a:fontRef>
-      </dsp:style>
-      <dsp:txBody>
-        <a:bodyPr spcFirstLastPara="0" vert="horz" wrap="square" lIns="12065" tIns="12065" rIns="12065" bIns="12065" numCol="1" spcCol="1270" anchor="ctr" anchorCtr="0">
-          <a:noAutofit/>
-        </a:bodyPr>
-        <a:lstStyle/>
-        <a:p>
-          <a:pPr lvl="0" algn="ctr" defTabSz="844550">
-            <a:lnSpc>
-              <a:spcPct val="90000"/>
-            </a:lnSpc>
-            <a:spcBef>
-              <a:spcPct val="0"/>
-            </a:spcBef>
-            <a:spcAft>
-              <a:spcPct val="35000"/>
-            </a:spcAft>
-          </a:pPr>
-          <a:r>
-            <a:rPr lang="pt-BR" sz="1900" b="0" kern="1200" cap="none" spc="0" smtClean="0">
-              <a:ln w="0"/>
-              <a:effectLst>
-                <a:outerShdw blurRad="38100" dist="19050" dir="2700000" algn="tl" rotWithShape="0">
-                  <a:schemeClr val="dk1">
-                    <a:alpha val="40000"/>
-                  </a:schemeClr>
-                </a:outerShdw>
-              </a:effectLst>
-            </a:rPr>
-            <a:t>Engenharia de projetos</a:t>
-          </a:r>
-          <a:endParaRPr lang="pt-BR" sz="1900" b="0" kern="1200" cap="none" spc="0" dirty="0">
-            <a:ln w="0"/>
-            <a:effectLst>
-              <a:outerShdw blurRad="38100" dist="19050" dir="2700000" algn="tl" rotWithShape="0">
-                <a:schemeClr val="dk1">
-                  <a:alpha val="40000"/>
-                </a:schemeClr>
-              </a:outerShdw>
-            </a:effectLst>
-          </a:endParaRPr>
-        </a:p>
-      </dsp:txBody>
-      <dsp:txXfrm>
-        <a:off x="5180707" y="5511291"/>
-        <a:ext cx="1830585" cy="558328"/>
-      </dsp:txXfrm>
-    </dsp:sp>
-    <dsp:sp modelId="{43DC58B2-44E0-4D97-B3B6-E45CBA5C4037}">
-      <dsp:nvSpPr>
-        <dsp:cNvPr id="0" name=""/>
-        <dsp:cNvSpPr/>
-      </dsp:nvSpPr>
-      <dsp:spPr>
-        <a:xfrm>
-          <a:off x="7377410" y="4724139"/>
-          <a:ext cx="1830585" cy="558328"/>
-        </a:xfrm>
-        <a:prstGeom prst="rect">
-          <a:avLst/>
-        </a:prstGeom>
-        <a:solidFill>
-          <a:schemeClr val="accent6"/>
-        </a:solidFill>
-        <a:ln w="19050" cap="flat" cmpd="sng" algn="ctr">
-          <a:solidFill>
-            <a:schemeClr val="lt1"/>
-          </a:solidFill>
-          <a:prstDash val="solid"/>
-          <a:miter lim="800000"/>
-        </a:ln>
-        <a:effectLst/>
-      </dsp:spPr>
-      <dsp:style>
-        <a:lnRef idx="3">
-          <a:schemeClr val="lt1"/>
-        </a:lnRef>
-        <a:fillRef idx="1">
-          <a:schemeClr val="accent6"/>
-        </a:fillRef>
-        <a:effectRef idx="1">
-          <a:schemeClr val="accent6"/>
-        </a:effectRef>
-        <a:fontRef idx="minor">
-          <a:schemeClr val="lt1"/>
-        </a:fontRef>
-      </dsp:style>
-      <dsp:txBody>
-        <a:bodyPr spcFirstLastPara="0" vert="horz" wrap="square" lIns="12065" tIns="12065" rIns="12065" bIns="12065" numCol="1" spcCol="1270" anchor="ctr" anchorCtr="0">
-          <a:noAutofit/>
-        </a:bodyPr>
-        <a:lstStyle/>
-        <a:p>
-          <a:pPr lvl="0" algn="ctr" defTabSz="844550">
-            <a:lnSpc>
-              <a:spcPct val="90000"/>
-            </a:lnSpc>
-            <a:spcBef>
-              <a:spcPct val="0"/>
-            </a:spcBef>
-            <a:spcAft>
-              <a:spcPct val="35000"/>
-            </a:spcAft>
-          </a:pPr>
-          <a:r>
-            <a:rPr lang="pt-BR" sz="1900" b="0" kern="1200" cap="none" spc="0" smtClean="0">
-              <a:ln w="0"/>
-              <a:effectLst>
-                <a:outerShdw blurRad="38100" dist="19050" dir="2700000" algn="tl" rotWithShape="0">
-                  <a:schemeClr val="dk1">
-                    <a:alpha val="40000"/>
-                  </a:schemeClr>
-                </a:outerShdw>
-              </a:effectLst>
-            </a:rPr>
-            <a:t>Análise de sistemas</a:t>
-          </a:r>
-          <a:endParaRPr lang="pt-BR" sz="1900" b="0" kern="1200" cap="none" spc="0" dirty="0">
-            <a:ln w="0"/>
-            <a:effectLst>
-              <a:outerShdw blurRad="38100" dist="19050" dir="2700000" algn="tl" rotWithShape="0">
-                <a:schemeClr val="dk1">
-                  <a:alpha val="40000"/>
-                </a:schemeClr>
-              </a:outerShdw>
-            </a:effectLst>
-          </a:endParaRPr>
-        </a:p>
-      </dsp:txBody>
-      <dsp:txXfrm>
-        <a:off x="7377410" y="4724139"/>
-        <a:ext cx="1830585" cy="558328"/>
-      </dsp:txXfrm>
-    </dsp:sp>
-    <dsp:sp modelId="{D5965F06-FDFE-4E6D-BAA5-FCDD3871EC9E}">
-      <dsp:nvSpPr>
-        <dsp:cNvPr id="0" name=""/>
-        <dsp:cNvSpPr/>
-      </dsp:nvSpPr>
-      <dsp:spPr>
-        <a:xfrm>
-          <a:off x="7377410" y="5511291"/>
-          <a:ext cx="1830585" cy="558328"/>
-        </a:xfrm>
-        <a:prstGeom prst="rect">
-          <a:avLst/>
-        </a:prstGeom>
-        <a:solidFill>
-          <a:schemeClr val="accent6"/>
-        </a:solidFill>
-        <a:ln w="19050" cap="flat" cmpd="sng" algn="ctr">
-          <a:solidFill>
-            <a:schemeClr val="lt1"/>
-          </a:solidFill>
-          <a:prstDash val="solid"/>
-          <a:miter lim="800000"/>
-        </a:ln>
-        <a:effectLst/>
-      </dsp:spPr>
-      <dsp:style>
-        <a:lnRef idx="3">
-          <a:schemeClr val="lt1"/>
-        </a:lnRef>
-        <a:fillRef idx="1">
-          <a:schemeClr val="accent6"/>
-        </a:fillRef>
-        <a:effectRef idx="1">
-          <a:schemeClr val="accent6"/>
-        </a:effectRef>
-        <a:fontRef idx="minor">
-          <a:schemeClr val="lt1"/>
-        </a:fontRef>
-      </dsp:style>
-      <dsp:txBody>
-        <a:bodyPr spcFirstLastPara="0" vert="horz" wrap="square" lIns="12065" tIns="12065" rIns="12065" bIns="12065" numCol="1" spcCol="1270" anchor="ctr" anchorCtr="0">
-          <a:noAutofit/>
-        </a:bodyPr>
-        <a:lstStyle/>
-        <a:p>
-          <a:pPr lvl="0" algn="ctr" defTabSz="844550">
-            <a:lnSpc>
-              <a:spcPct val="90000"/>
-            </a:lnSpc>
-            <a:spcBef>
-              <a:spcPct val="0"/>
-            </a:spcBef>
-            <a:spcAft>
-              <a:spcPct val="35000"/>
-            </a:spcAft>
-          </a:pPr>
-          <a:r>
-            <a:rPr lang="pt-BR" sz="1900" b="0" kern="1200" cap="none" spc="0" smtClean="0">
-              <a:ln w="0"/>
-              <a:effectLst>
-                <a:outerShdw blurRad="38100" dist="19050" dir="2700000" algn="tl" rotWithShape="0">
-                  <a:schemeClr val="dk1">
-                    <a:alpha val="40000"/>
-                  </a:schemeClr>
-                </a:outerShdw>
-              </a:effectLst>
-            </a:rPr>
-            <a:t>Desenvolvimento</a:t>
-          </a:r>
-          <a:endParaRPr lang="pt-BR" sz="1900" b="0" kern="1200" cap="none" spc="0" dirty="0">
-            <a:ln w="0"/>
-            <a:effectLst>
-              <a:outerShdw blurRad="38100" dist="19050" dir="2700000" algn="tl" rotWithShape="0">
-                <a:schemeClr val="dk1">
-                  <a:alpha val="40000"/>
-                </a:schemeClr>
-              </a:outerShdw>
-            </a:effectLst>
-          </a:endParaRPr>
-        </a:p>
-      </dsp:txBody>
-      <dsp:txXfrm>
-        <a:off x="7377410" y="5511291"/>
-        <a:ext cx="1830585" cy="558328"/>
-      </dsp:txXfrm>
-    </dsp:sp>
-    <dsp:sp modelId="{AD3EFA24-6F79-46CA-8512-18B9FD53EADA}">
-      <dsp:nvSpPr>
-        <dsp:cNvPr id="0" name=""/>
-        <dsp:cNvSpPr/>
-      </dsp:nvSpPr>
-      <dsp:spPr>
-        <a:xfrm>
-          <a:off x="7377410" y="6298443"/>
-          <a:ext cx="1830585" cy="558328"/>
-        </a:xfrm>
-        <a:prstGeom prst="rect">
-          <a:avLst/>
-        </a:prstGeom>
-        <a:solidFill>
-          <a:schemeClr val="accent6"/>
-        </a:solidFill>
-        <a:ln w="19050" cap="flat" cmpd="sng" algn="ctr">
-          <a:solidFill>
-            <a:schemeClr val="lt1"/>
-          </a:solidFill>
-          <a:prstDash val="solid"/>
-          <a:miter lim="800000"/>
-        </a:ln>
-        <a:effectLst/>
-      </dsp:spPr>
-      <dsp:style>
-        <a:lnRef idx="3">
-          <a:schemeClr val="lt1"/>
-        </a:lnRef>
-        <a:fillRef idx="1">
-          <a:schemeClr val="accent6"/>
-        </a:fillRef>
-        <a:effectRef idx="1">
-          <a:schemeClr val="accent6"/>
-        </a:effectRef>
-        <a:fontRef idx="minor">
-          <a:schemeClr val="lt1"/>
-        </a:fontRef>
-      </dsp:style>
-      <dsp:txBody>
-        <a:bodyPr spcFirstLastPara="0" vert="horz" wrap="square" lIns="12065" tIns="12065" rIns="12065" bIns="12065" numCol="1" spcCol="1270" anchor="ctr" anchorCtr="0">
-          <a:noAutofit/>
-        </a:bodyPr>
-        <a:lstStyle/>
-        <a:p>
-          <a:pPr lvl="0" algn="ctr" defTabSz="844550">
-            <a:lnSpc>
-              <a:spcPct val="90000"/>
-            </a:lnSpc>
-            <a:spcBef>
-              <a:spcPct val="0"/>
-            </a:spcBef>
-            <a:spcAft>
-              <a:spcPct val="35000"/>
-            </a:spcAft>
-          </a:pPr>
-          <a:r>
-            <a:rPr lang="pt-BR" sz="1900" b="0" kern="1200" cap="none" spc="0" smtClean="0">
-              <a:ln w="0"/>
-              <a:effectLst>
-                <a:outerShdw blurRad="38100" dist="19050" dir="2700000" algn="tl" rotWithShape="0">
-                  <a:schemeClr val="dk1">
-                    <a:alpha val="40000"/>
-                  </a:schemeClr>
-                </a:outerShdw>
-              </a:effectLst>
-            </a:rPr>
-            <a:t>Homologação</a:t>
-          </a:r>
-          <a:endParaRPr lang="pt-BR" sz="1900" b="0" kern="1200" cap="none" spc="0" dirty="0">
-            <a:ln w="0"/>
-            <a:effectLst>
-              <a:outerShdw blurRad="38100" dist="19050" dir="2700000" algn="tl" rotWithShape="0">
-                <a:schemeClr val="dk1">
-                  <a:alpha val="40000"/>
-                </a:schemeClr>
-              </a:outerShdw>
-            </a:effectLst>
-          </a:endParaRPr>
-        </a:p>
-      </dsp:txBody>
-      <dsp:txXfrm>
-        <a:off x="7377410" y="6298443"/>
-        <a:ext cx="1830585" cy="558328"/>
-      </dsp:txXfrm>
-    </dsp:sp>
   </dsp:spTree>
 </dsp:drawing>
 </file>
@@ -22013,7 +20129,7 @@
             </a:spcAft>
           </a:pPr>
           <a:r>
-            <a:rPr lang="pt-BR" sz="2900" b="0" kern="1200" cap="none" spc="0" smtClean="0">
+            <a:rPr lang="pt-BR" sz="2900" b="0" kern="1200" cap="none" spc="0" dirty="0" smtClean="0">
               <a:ln w="0"/>
               <a:effectLst>
                 <a:outerShdw blurRad="38100" dist="19050" dir="2700000" algn="tl" rotWithShape="0">
@@ -22318,1863 +20434,6 @@
       <dsp:cNvGrpSpPr/>
     </dsp:nvGrpSpPr>
     <dsp:grpSpPr/>
-    <dsp:sp modelId="{EEB0F468-9328-4C67-A377-251FD65F3C29}">
-      <dsp:nvSpPr>
-        <dsp:cNvPr id="0" name=""/>
-        <dsp:cNvSpPr/>
-      </dsp:nvSpPr>
-      <dsp:spPr>
-        <a:xfrm>
-          <a:off x="7255650" y="2049270"/>
-          <a:ext cx="253937" cy="3182689"/>
-        </a:xfrm>
-        <a:custGeom>
-          <a:avLst/>
-          <a:gdLst/>
-          <a:ahLst/>
-          <a:cxnLst/>
-          <a:rect l="0" t="0" r="0" b="0"/>
-          <a:pathLst>
-            <a:path>
-              <a:moveTo>
-                <a:pt x="0" y="0"/>
-              </a:moveTo>
-              <a:lnTo>
-                <a:pt x="0" y="3182689"/>
-              </a:lnTo>
-              <a:lnTo>
-                <a:pt x="253937" y="3182689"/>
-              </a:lnTo>
-            </a:path>
-          </a:pathLst>
-        </a:custGeom>
-        <a:noFill/>
-        <a:ln w="12700" cap="flat" cmpd="sng" algn="ctr">
-          <a:solidFill>
-            <a:schemeClr val="accent3">
-              <a:hueOff val="0"/>
-              <a:satOff val="0"/>
-              <a:lumOff val="0"/>
-              <a:alphaOff val="0"/>
-            </a:schemeClr>
-          </a:solidFill>
-          <a:prstDash val="solid"/>
-          <a:miter lim="800000"/>
-        </a:ln>
-        <a:effectLst/>
-      </dsp:spPr>
-      <dsp:style>
-        <a:lnRef idx="2">
-          <a:scrgbClr r="0" g="0" b="0"/>
-        </a:lnRef>
-        <a:fillRef idx="0">
-          <a:scrgbClr r="0" g="0" b="0"/>
-        </a:fillRef>
-        <a:effectRef idx="0">
-          <a:scrgbClr r="0" g="0" b="0"/>
-        </a:effectRef>
-        <a:fontRef idx="minor"/>
-      </dsp:style>
-    </dsp:sp>
-    <dsp:sp modelId="{263E78B1-7113-428D-82AB-971C824F6C53}">
-      <dsp:nvSpPr>
-        <dsp:cNvPr id="0" name=""/>
-        <dsp:cNvSpPr/>
-      </dsp:nvSpPr>
-      <dsp:spPr>
-        <a:xfrm>
-          <a:off x="7255650" y="2049270"/>
-          <a:ext cx="253937" cy="1980716"/>
-        </a:xfrm>
-        <a:custGeom>
-          <a:avLst/>
-          <a:gdLst/>
-          <a:ahLst/>
-          <a:cxnLst/>
-          <a:rect l="0" t="0" r="0" b="0"/>
-          <a:pathLst>
-            <a:path>
-              <a:moveTo>
-                <a:pt x="0" y="0"/>
-              </a:moveTo>
-              <a:lnTo>
-                <a:pt x="0" y="1980716"/>
-              </a:lnTo>
-              <a:lnTo>
-                <a:pt x="253937" y="1980716"/>
-              </a:lnTo>
-            </a:path>
-          </a:pathLst>
-        </a:custGeom>
-        <a:noFill/>
-        <a:ln w="12700" cap="flat" cmpd="sng" algn="ctr">
-          <a:solidFill>
-            <a:schemeClr val="accent3">
-              <a:hueOff val="0"/>
-              <a:satOff val="0"/>
-              <a:lumOff val="0"/>
-              <a:alphaOff val="0"/>
-            </a:schemeClr>
-          </a:solidFill>
-          <a:prstDash val="solid"/>
-          <a:miter lim="800000"/>
-        </a:ln>
-        <a:effectLst/>
-      </dsp:spPr>
-      <dsp:style>
-        <a:lnRef idx="2">
-          <a:scrgbClr r="0" g="0" b="0"/>
-        </a:lnRef>
-        <a:fillRef idx="0">
-          <a:scrgbClr r="0" g="0" b="0"/>
-        </a:fillRef>
-        <a:effectRef idx="0">
-          <a:scrgbClr r="0" g="0" b="0"/>
-        </a:effectRef>
-        <a:fontRef idx="minor"/>
-      </dsp:style>
-    </dsp:sp>
-    <dsp:sp modelId="{F5DC8C2A-8AD9-4A47-9854-71E5429FD136}">
-      <dsp:nvSpPr>
-        <dsp:cNvPr id="0" name=""/>
-        <dsp:cNvSpPr/>
-      </dsp:nvSpPr>
-      <dsp:spPr>
-        <a:xfrm>
-          <a:off x="7255650" y="2049270"/>
-          <a:ext cx="253937" cy="778743"/>
-        </a:xfrm>
-        <a:custGeom>
-          <a:avLst/>
-          <a:gdLst/>
-          <a:ahLst/>
-          <a:cxnLst/>
-          <a:rect l="0" t="0" r="0" b="0"/>
-          <a:pathLst>
-            <a:path>
-              <a:moveTo>
-                <a:pt x="0" y="0"/>
-              </a:moveTo>
-              <a:lnTo>
-                <a:pt x="0" y="778743"/>
-              </a:lnTo>
-              <a:lnTo>
-                <a:pt x="253937" y="778743"/>
-              </a:lnTo>
-            </a:path>
-          </a:pathLst>
-        </a:custGeom>
-        <a:noFill/>
-        <a:ln w="12700" cap="flat" cmpd="sng" algn="ctr">
-          <a:solidFill>
-            <a:schemeClr val="accent3">
-              <a:hueOff val="0"/>
-              <a:satOff val="0"/>
-              <a:lumOff val="0"/>
-              <a:alphaOff val="0"/>
-            </a:schemeClr>
-          </a:solidFill>
-          <a:prstDash val="solid"/>
-          <a:miter lim="800000"/>
-        </a:ln>
-        <a:effectLst/>
-      </dsp:spPr>
-      <dsp:style>
-        <a:lnRef idx="2">
-          <a:scrgbClr r="0" g="0" b="0"/>
-        </a:lnRef>
-        <a:fillRef idx="0">
-          <a:scrgbClr r="0" g="0" b="0"/>
-        </a:fillRef>
-        <a:effectRef idx="0">
-          <a:scrgbClr r="0" g="0" b="0"/>
-        </a:effectRef>
-        <a:fontRef idx="minor"/>
-      </dsp:style>
-    </dsp:sp>
-    <dsp:sp modelId="{EA0B7ADE-5E56-48F2-A18C-020120D1D2BC}">
-      <dsp:nvSpPr>
-        <dsp:cNvPr id="0" name=""/>
-        <dsp:cNvSpPr/>
-      </dsp:nvSpPr>
-      <dsp:spPr>
-        <a:xfrm>
-          <a:off x="5884385" y="847297"/>
-          <a:ext cx="2048433" cy="355513"/>
-        </a:xfrm>
-        <a:custGeom>
-          <a:avLst/>
-          <a:gdLst/>
-          <a:ahLst/>
-          <a:cxnLst/>
-          <a:rect l="0" t="0" r="0" b="0"/>
-          <a:pathLst>
-            <a:path>
-              <a:moveTo>
-                <a:pt x="0" y="0"/>
-              </a:moveTo>
-              <a:lnTo>
-                <a:pt x="0" y="177756"/>
-              </a:lnTo>
-              <a:lnTo>
-                <a:pt x="2048433" y="177756"/>
-              </a:lnTo>
-              <a:lnTo>
-                <a:pt x="2048433" y="355513"/>
-              </a:lnTo>
-            </a:path>
-          </a:pathLst>
-        </a:custGeom>
-        <a:noFill/>
-        <a:ln w="12700" cap="flat" cmpd="sng" algn="ctr">
-          <a:solidFill>
-            <a:schemeClr val="accent2">
-              <a:hueOff val="0"/>
-              <a:satOff val="0"/>
-              <a:lumOff val="0"/>
-              <a:alphaOff val="0"/>
-            </a:schemeClr>
-          </a:solidFill>
-          <a:prstDash val="solid"/>
-          <a:miter lim="800000"/>
-        </a:ln>
-        <a:effectLst/>
-      </dsp:spPr>
-      <dsp:style>
-        <a:lnRef idx="2">
-          <a:scrgbClr r="0" g="0" b="0"/>
-        </a:lnRef>
-        <a:fillRef idx="0">
-          <a:scrgbClr r="0" g="0" b="0"/>
-        </a:fillRef>
-        <a:effectRef idx="0">
-          <a:scrgbClr r="0" g="0" b="0"/>
-        </a:effectRef>
-        <a:fontRef idx="minor"/>
-      </dsp:style>
-    </dsp:sp>
-    <dsp:sp modelId="{C507DF7B-7D28-4D6F-8702-D5B92EBB27FE}">
-      <dsp:nvSpPr>
-        <dsp:cNvPr id="0" name=""/>
-        <dsp:cNvSpPr/>
-      </dsp:nvSpPr>
-      <dsp:spPr>
-        <a:xfrm>
-          <a:off x="5207217" y="2049270"/>
-          <a:ext cx="253937" cy="4384662"/>
-        </a:xfrm>
-        <a:custGeom>
-          <a:avLst/>
-          <a:gdLst/>
-          <a:ahLst/>
-          <a:cxnLst/>
-          <a:rect l="0" t="0" r="0" b="0"/>
-          <a:pathLst>
-            <a:path>
-              <a:moveTo>
-                <a:pt x="0" y="0"/>
-              </a:moveTo>
-              <a:lnTo>
-                <a:pt x="0" y="4384662"/>
-              </a:lnTo>
-              <a:lnTo>
-                <a:pt x="253937" y="4384662"/>
-              </a:lnTo>
-            </a:path>
-          </a:pathLst>
-        </a:custGeom>
-        <a:noFill/>
-        <a:ln w="12700" cap="flat" cmpd="sng" algn="ctr">
-          <a:solidFill>
-            <a:schemeClr val="accent3">
-              <a:hueOff val="0"/>
-              <a:satOff val="0"/>
-              <a:lumOff val="0"/>
-              <a:alphaOff val="0"/>
-            </a:schemeClr>
-          </a:solidFill>
-          <a:prstDash val="solid"/>
-          <a:miter lim="800000"/>
-        </a:ln>
-        <a:effectLst/>
-      </dsp:spPr>
-      <dsp:style>
-        <a:lnRef idx="2">
-          <a:scrgbClr r="0" g="0" b="0"/>
-        </a:lnRef>
-        <a:fillRef idx="0">
-          <a:scrgbClr r="0" g="0" b="0"/>
-        </a:fillRef>
-        <a:effectRef idx="0">
-          <a:scrgbClr r="0" g="0" b="0"/>
-        </a:effectRef>
-        <a:fontRef idx="minor"/>
-      </dsp:style>
-    </dsp:sp>
-    <dsp:sp modelId="{978C5358-B5F5-4CF9-B049-AEF63B463403}">
-      <dsp:nvSpPr>
-        <dsp:cNvPr id="0" name=""/>
-        <dsp:cNvSpPr/>
-      </dsp:nvSpPr>
-      <dsp:spPr>
-        <a:xfrm>
-          <a:off x="5207217" y="2049270"/>
-          <a:ext cx="253937" cy="3182689"/>
-        </a:xfrm>
-        <a:custGeom>
-          <a:avLst/>
-          <a:gdLst/>
-          <a:ahLst/>
-          <a:cxnLst/>
-          <a:rect l="0" t="0" r="0" b="0"/>
-          <a:pathLst>
-            <a:path>
-              <a:moveTo>
-                <a:pt x="0" y="0"/>
-              </a:moveTo>
-              <a:lnTo>
-                <a:pt x="0" y="3182689"/>
-              </a:lnTo>
-              <a:lnTo>
-                <a:pt x="253937" y="3182689"/>
-              </a:lnTo>
-            </a:path>
-          </a:pathLst>
-        </a:custGeom>
-        <a:noFill/>
-        <a:ln w="12700" cap="flat" cmpd="sng" algn="ctr">
-          <a:solidFill>
-            <a:schemeClr val="accent3">
-              <a:hueOff val="0"/>
-              <a:satOff val="0"/>
-              <a:lumOff val="0"/>
-              <a:alphaOff val="0"/>
-            </a:schemeClr>
-          </a:solidFill>
-          <a:prstDash val="solid"/>
-          <a:miter lim="800000"/>
-        </a:ln>
-        <a:effectLst/>
-      </dsp:spPr>
-      <dsp:style>
-        <a:lnRef idx="2">
-          <a:scrgbClr r="0" g="0" b="0"/>
-        </a:lnRef>
-        <a:fillRef idx="0">
-          <a:scrgbClr r="0" g="0" b="0"/>
-        </a:fillRef>
-        <a:effectRef idx="0">
-          <a:scrgbClr r="0" g="0" b="0"/>
-        </a:effectRef>
-        <a:fontRef idx="minor"/>
-      </dsp:style>
-    </dsp:sp>
-    <dsp:sp modelId="{5D06D775-14AD-4B72-96A0-AB3096C3233E}">
-      <dsp:nvSpPr>
-        <dsp:cNvPr id="0" name=""/>
-        <dsp:cNvSpPr/>
-      </dsp:nvSpPr>
-      <dsp:spPr>
-        <a:xfrm>
-          <a:off x="5207217" y="2049270"/>
-          <a:ext cx="253937" cy="1980716"/>
-        </a:xfrm>
-        <a:custGeom>
-          <a:avLst/>
-          <a:gdLst/>
-          <a:ahLst/>
-          <a:cxnLst/>
-          <a:rect l="0" t="0" r="0" b="0"/>
-          <a:pathLst>
-            <a:path>
-              <a:moveTo>
-                <a:pt x="0" y="0"/>
-              </a:moveTo>
-              <a:lnTo>
-                <a:pt x="0" y="1980716"/>
-              </a:lnTo>
-              <a:lnTo>
-                <a:pt x="253937" y="1980716"/>
-              </a:lnTo>
-            </a:path>
-          </a:pathLst>
-        </a:custGeom>
-        <a:noFill/>
-        <a:ln w="12700" cap="flat" cmpd="sng" algn="ctr">
-          <a:solidFill>
-            <a:schemeClr val="accent3">
-              <a:hueOff val="0"/>
-              <a:satOff val="0"/>
-              <a:lumOff val="0"/>
-              <a:alphaOff val="0"/>
-            </a:schemeClr>
-          </a:solidFill>
-          <a:prstDash val="solid"/>
-          <a:miter lim="800000"/>
-        </a:ln>
-        <a:effectLst/>
-      </dsp:spPr>
-      <dsp:style>
-        <a:lnRef idx="2">
-          <a:scrgbClr r="0" g="0" b="0"/>
-        </a:lnRef>
-        <a:fillRef idx="0">
-          <a:scrgbClr r="0" g="0" b="0"/>
-        </a:fillRef>
-        <a:effectRef idx="0">
-          <a:scrgbClr r="0" g="0" b="0"/>
-        </a:effectRef>
-        <a:fontRef idx="minor"/>
-      </dsp:style>
-    </dsp:sp>
-    <dsp:sp modelId="{E1F846F7-FDBA-49CB-A4E9-8B616AE7AFDC}">
-      <dsp:nvSpPr>
-        <dsp:cNvPr id="0" name=""/>
-        <dsp:cNvSpPr/>
-      </dsp:nvSpPr>
-      <dsp:spPr>
-        <a:xfrm>
-          <a:off x="5207217" y="2049270"/>
-          <a:ext cx="253937" cy="778743"/>
-        </a:xfrm>
-        <a:custGeom>
-          <a:avLst/>
-          <a:gdLst/>
-          <a:ahLst/>
-          <a:cxnLst/>
-          <a:rect l="0" t="0" r="0" b="0"/>
-          <a:pathLst>
-            <a:path>
-              <a:moveTo>
-                <a:pt x="0" y="0"/>
-              </a:moveTo>
-              <a:lnTo>
-                <a:pt x="0" y="778743"/>
-              </a:lnTo>
-              <a:lnTo>
-                <a:pt x="253937" y="778743"/>
-              </a:lnTo>
-            </a:path>
-          </a:pathLst>
-        </a:custGeom>
-        <a:noFill/>
-        <a:ln w="12700" cap="flat" cmpd="sng" algn="ctr">
-          <a:solidFill>
-            <a:schemeClr val="accent3">
-              <a:hueOff val="0"/>
-              <a:satOff val="0"/>
-              <a:lumOff val="0"/>
-              <a:alphaOff val="0"/>
-            </a:schemeClr>
-          </a:solidFill>
-          <a:prstDash val="solid"/>
-          <a:miter lim="800000"/>
-        </a:ln>
-        <a:effectLst/>
-      </dsp:spPr>
-      <dsp:style>
-        <a:lnRef idx="2">
-          <a:scrgbClr r="0" g="0" b="0"/>
-        </a:lnRef>
-        <a:fillRef idx="0">
-          <a:scrgbClr r="0" g="0" b="0"/>
-        </a:fillRef>
-        <a:effectRef idx="0">
-          <a:scrgbClr r="0" g="0" b="0"/>
-        </a:effectRef>
-        <a:fontRef idx="minor"/>
-      </dsp:style>
-    </dsp:sp>
-    <dsp:sp modelId="{D00FF34D-A975-43B4-AAE8-19063AFF0E74}">
-      <dsp:nvSpPr>
-        <dsp:cNvPr id="0" name=""/>
-        <dsp:cNvSpPr/>
-      </dsp:nvSpPr>
-      <dsp:spPr>
-        <a:xfrm>
-          <a:off x="5838665" y="847297"/>
-          <a:ext cx="91440" cy="355513"/>
-        </a:xfrm>
-        <a:custGeom>
-          <a:avLst/>
-          <a:gdLst/>
-          <a:ahLst/>
-          <a:cxnLst/>
-          <a:rect l="0" t="0" r="0" b="0"/>
-          <a:pathLst>
-            <a:path>
-              <a:moveTo>
-                <a:pt x="45720" y="0"/>
-              </a:moveTo>
-              <a:lnTo>
-                <a:pt x="45720" y="355513"/>
-              </a:lnTo>
-            </a:path>
-          </a:pathLst>
-        </a:custGeom>
-        <a:noFill/>
-        <a:ln w="12700" cap="flat" cmpd="sng" algn="ctr">
-          <a:solidFill>
-            <a:schemeClr val="accent2">
-              <a:hueOff val="0"/>
-              <a:satOff val="0"/>
-              <a:lumOff val="0"/>
-              <a:alphaOff val="0"/>
-            </a:schemeClr>
-          </a:solidFill>
-          <a:prstDash val="solid"/>
-          <a:miter lim="800000"/>
-        </a:ln>
-        <a:effectLst/>
-      </dsp:spPr>
-      <dsp:style>
-        <a:lnRef idx="2">
-          <a:scrgbClr r="0" g="0" b="0"/>
-        </a:lnRef>
-        <a:fillRef idx="0">
-          <a:scrgbClr r="0" g="0" b="0"/>
-        </a:fillRef>
-        <a:effectRef idx="0">
-          <a:scrgbClr r="0" g="0" b="0"/>
-        </a:effectRef>
-        <a:fontRef idx="minor"/>
-      </dsp:style>
-    </dsp:sp>
-    <dsp:sp modelId="{8196559D-AA31-4F95-B006-C161D5200B8A}">
-      <dsp:nvSpPr>
-        <dsp:cNvPr id="0" name=""/>
-        <dsp:cNvSpPr/>
-      </dsp:nvSpPr>
-      <dsp:spPr>
-        <a:xfrm>
-          <a:off x="3158783" y="2049270"/>
-          <a:ext cx="253937" cy="1980716"/>
-        </a:xfrm>
-        <a:custGeom>
-          <a:avLst/>
-          <a:gdLst/>
-          <a:ahLst/>
-          <a:cxnLst/>
-          <a:rect l="0" t="0" r="0" b="0"/>
-          <a:pathLst>
-            <a:path>
-              <a:moveTo>
-                <a:pt x="0" y="0"/>
-              </a:moveTo>
-              <a:lnTo>
-                <a:pt x="0" y="1980716"/>
-              </a:lnTo>
-              <a:lnTo>
-                <a:pt x="253937" y="1980716"/>
-              </a:lnTo>
-            </a:path>
-          </a:pathLst>
-        </a:custGeom>
-        <a:noFill/>
-        <a:ln w="12700" cap="flat" cmpd="sng" algn="ctr">
-          <a:solidFill>
-            <a:schemeClr val="accent3">
-              <a:hueOff val="0"/>
-              <a:satOff val="0"/>
-              <a:lumOff val="0"/>
-              <a:alphaOff val="0"/>
-            </a:schemeClr>
-          </a:solidFill>
-          <a:prstDash val="solid"/>
-          <a:miter lim="800000"/>
-        </a:ln>
-        <a:effectLst/>
-      </dsp:spPr>
-      <dsp:style>
-        <a:lnRef idx="2">
-          <a:scrgbClr r="0" g="0" b="0"/>
-        </a:lnRef>
-        <a:fillRef idx="0">
-          <a:scrgbClr r="0" g="0" b="0"/>
-        </a:fillRef>
-        <a:effectRef idx="0">
-          <a:scrgbClr r="0" g="0" b="0"/>
-        </a:effectRef>
-        <a:fontRef idx="minor"/>
-      </dsp:style>
-    </dsp:sp>
-    <dsp:sp modelId="{5D0A3148-3A73-46D6-9A60-9EA9D334CEC5}">
-      <dsp:nvSpPr>
-        <dsp:cNvPr id="0" name=""/>
-        <dsp:cNvSpPr/>
-      </dsp:nvSpPr>
-      <dsp:spPr>
-        <a:xfrm>
-          <a:off x="3158783" y="2049270"/>
-          <a:ext cx="253937" cy="778743"/>
-        </a:xfrm>
-        <a:custGeom>
-          <a:avLst/>
-          <a:gdLst/>
-          <a:ahLst/>
-          <a:cxnLst/>
-          <a:rect l="0" t="0" r="0" b="0"/>
-          <a:pathLst>
-            <a:path>
-              <a:moveTo>
-                <a:pt x="0" y="0"/>
-              </a:moveTo>
-              <a:lnTo>
-                <a:pt x="0" y="778743"/>
-              </a:lnTo>
-              <a:lnTo>
-                <a:pt x="253937" y="778743"/>
-              </a:lnTo>
-            </a:path>
-          </a:pathLst>
-        </a:custGeom>
-        <a:noFill/>
-        <a:ln w="12700" cap="flat" cmpd="sng" algn="ctr">
-          <a:solidFill>
-            <a:schemeClr val="accent3">
-              <a:hueOff val="0"/>
-              <a:satOff val="0"/>
-              <a:lumOff val="0"/>
-              <a:alphaOff val="0"/>
-            </a:schemeClr>
-          </a:solidFill>
-          <a:prstDash val="solid"/>
-          <a:miter lim="800000"/>
-        </a:ln>
-        <a:effectLst/>
-      </dsp:spPr>
-      <dsp:style>
-        <a:lnRef idx="2">
-          <a:scrgbClr r="0" g="0" b="0"/>
-        </a:lnRef>
-        <a:fillRef idx="0">
-          <a:scrgbClr r="0" g="0" b="0"/>
-        </a:fillRef>
-        <a:effectRef idx="0">
-          <a:scrgbClr r="0" g="0" b="0"/>
-        </a:effectRef>
-        <a:fontRef idx="minor"/>
-      </dsp:style>
-    </dsp:sp>
-    <dsp:sp modelId="{6421A2FD-1A2E-4780-A835-C9BFDF468AFB}">
-      <dsp:nvSpPr>
-        <dsp:cNvPr id="0" name=""/>
-        <dsp:cNvSpPr/>
-      </dsp:nvSpPr>
-      <dsp:spPr>
-        <a:xfrm>
-          <a:off x="3835951" y="847297"/>
-          <a:ext cx="2048433" cy="355513"/>
-        </a:xfrm>
-        <a:custGeom>
-          <a:avLst/>
-          <a:gdLst/>
-          <a:ahLst/>
-          <a:cxnLst/>
-          <a:rect l="0" t="0" r="0" b="0"/>
-          <a:pathLst>
-            <a:path>
-              <a:moveTo>
-                <a:pt x="2048433" y="0"/>
-              </a:moveTo>
-              <a:lnTo>
-                <a:pt x="2048433" y="177756"/>
-              </a:lnTo>
-              <a:lnTo>
-                <a:pt x="0" y="177756"/>
-              </a:lnTo>
-              <a:lnTo>
-                <a:pt x="0" y="355513"/>
-              </a:lnTo>
-            </a:path>
-          </a:pathLst>
-        </a:custGeom>
-        <a:noFill/>
-        <a:ln w="12700" cap="flat" cmpd="sng" algn="ctr">
-          <a:solidFill>
-            <a:schemeClr val="accent2">
-              <a:hueOff val="0"/>
-              <a:satOff val="0"/>
-              <a:lumOff val="0"/>
-              <a:alphaOff val="0"/>
-            </a:schemeClr>
-          </a:solidFill>
-          <a:prstDash val="solid"/>
-          <a:miter lim="800000"/>
-        </a:ln>
-        <a:effectLst/>
-      </dsp:spPr>
-      <dsp:style>
-        <a:lnRef idx="2">
-          <a:scrgbClr r="0" g="0" b="0"/>
-        </a:lnRef>
-        <a:fillRef idx="0">
-          <a:scrgbClr r="0" g="0" b="0"/>
-        </a:fillRef>
-        <a:effectRef idx="0">
-          <a:scrgbClr r="0" g="0" b="0"/>
-        </a:effectRef>
-        <a:fontRef idx="minor"/>
-      </dsp:style>
-    </dsp:sp>
-    <dsp:sp modelId="{11AE4411-94B9-4B0B-8F1C-C1FAB3CBF86A}">
-      <dsp:nvSpPr>
-        <dsp:cNvPr id="0" name=""/>
-        <dsp:cNvSpPr/>
-      </dsp:nvSpPr>
-      <dsp:spPr>
-        <a:xfrm>
-          <a:off x="5037925" y="837"/>
-          <a:ext cx="1692919" cy="846459"/>
-        </a:xfrm>
-        <a:prstGeom prst="rect">
-          <a:avLst/>
-        </a:prstGeom>
-        <a:solidFill>
-          <a:schemeClr val="accent1">
-            <a:hueOff val="0"/>
-            <a:satOff val="0"/>
-            <a:lumOff val="0"/>
-            <a:alphaOff val="0"/>
-          </a:schemeClr>
-        </a:solidFill>
-        <a:ln w="12700" cap="flat" cmpd="sng" algn="ctr">
-          <a:solidFill>
-            <a:schemeClr val="lt1">
-              <a:hueOff val="0"/>
-              <a:satOff val="0"/>
-              <a:lumOff val="0"/>
-              <a:alphaOff val="0"/>
-            </a:schemeClr>
-          </a:solidFill>
-          <a:prstDash val="solid"/>
-          <a:miter lim="800000"/>
-        </a:ln>
-        <a:effectLst/>
-      </dsp:spPr>
-      <dsp:style>
-        <a:lnRef idx="2">
-          <a:scrgbClr r="0" g="0" b="0"/>
-        </a:lnRef>
-        <a:fillRef idx="1">
-          <a:scrgbClr r="0" g="0" b="0"/>
-        </a:fillRef>
-        <a:effectRef idx="0">
-          <a:scrgbClr r="0" g="0" b="0"/>
-        </a:effectRef>
-        <a:fontRef idx="minor">
-          <a:schemeClr val="lt1"/>
-        </a:fontRef>
-      </dsp:style>
-      <dsp:txBody>
-        <a:bodyPr spcFirstLastPara="0" vert="horz" wrap="square" lIns="11430" tIns="11430" rIns="11430" bIns="11430" numCol="1" spcCol="1270" anchor="ctr" anchorCtr="0">
-          <a:noAutofit/>
-        </a:bodyPr>
-        <a:lstStyle/>
-        <a:p>
-          <a:pPr lvl="0" algn="ctr" defTabSz="800100">
-            <a:lnSpc>
-              <a:spcPct val="90000"/>
-            </a:lnSpc>
-            <a:spcBef>
-              <a:spcPct val="0"/>
-            </a:spcBef>
-            <a:spcAft>
-              <a:spcPct val="35000"/>
-            </a:spcAft>
-          </a:pPr>
-          <a:r>
-            <a:rPr lang="pt-BR" sz="1800" b="0" kern="1200" cap="none" spc="0" smtClean="0">
-              <a:ln w="0"/>
-              <a:effectLst>
-                <a:outerShdw blurRad="38100" dist="19050" dir="2700000" algn="tl" rotWithShape="0">
-                  <a:schemeClr val="dk1">
-                    <a:alpha val="40000"/>
-                  </a:schemeClr>
-                </a:outerShdw>
-              </a:effectLst>
-            </a:rPr>
-            <a:t>Direção</a:t>
-          </a:r>
-          <a:endParaRPr lang="pt-BR" sz="1800" b="0" kern="1200" cap="none" spc="0" dirty="0">
-            <a:ln w="0"/>
-            <a:effectLst>
-              <a:outerShdw blurRad="38100" dist="19050" dir="2700000" algn="tl" rotWithShape="0">
-                <a:schemeClr val="dk1">
-                  <a:alpha val="40000"/>
-                </a:schemeClr>
-              </a:outerShdw>
-            </a:effectLst>
-          </a:endParaRPr>
-        </a:p>
-      </dsp:txBody>
-      <dsp:txXfrm>
-        <a:off x="5037925" y="837"/>
-        <a:ext cx="1692919" cy="846459"/>
-      </dsp:txXfrm>
-    </dsp:sp>
-    <dsp:sp modelId="{30B8CC15-06D8-4D4C-9008-89FFCF6DC788}">
-      <dsp:nvSpPr>
-        <dsp:cNvPr id="0" name=""/>
-        <dsp:cNvSpPr/>
-      </dsp:nvSpPr>
-      <dsp:spPr>
-        <a:xfrm>
-          <a:off x="2989491" y="1202810"/>
-          <a:ext cx="1692919" cy="846459"/>
-        </a:xfrm>
-        <a:prstGeom prst="rect">
-          <a:avLst/>
-        </a:prstGeom>
-        <a:solidFill>
-          <a:schemeClr val="accent2">
-            <a:hueOff val="0"/>
-            <a:satOff val="0"/>
-            <a:lumOff val="0"/>
-            <a:alphaOff val="0"/>
-          </a:schemeClr>
-        </a:solidFill>
-        <a:ln w="12700" cap="flat" cmpd="sng" algn="ctr">
-          <a:solidFill>
-            <a:schemeClr val="lt1">
-              <a:hueOff val="0"/>
-              <a:satOff val="0"/>
-              <a:lumOff val="0"/>
-              <a:alphaOff val="0"/>
-            </a:schemeClr>
-          </a:solidFill>
-          <a:prstDash val="solid"/>
-          <a:miter lim="800000"/>
-        </a:ln>
-        <a:effectLst/>
-      </dsp:spPr>
-      <dsp:style>
-        <a:lnRef idx="2">
-          <a:scrgbClr r="0" g="0" b="0"/>
-        </a:lnRef>
-        <a:fillRef idx="1">
-          <a:scrgbClr r="0" g="0" b="0"/>
-        </a:fillRef>
-        <a:effectRef idx="0">
-          <a:scrgbClr r="0" g="0" b="0"/>
-        </a:effectRef>
-        <a:fontRef idx="minor">
-          <a:schemeClr val="lt1"/>
-        </a:fontRef>
-      </dsp:style>
-      <dsp:txBody>
-        <a:bodyPr spcFirstLastPara="0" vert="horz" wrap="square" lIns="11430" tIns="11430" rIns="11430" bIns="11430" numCol="1" spcCol="1270" anchor="ctr" anchorCtr="0">
-          <a:noAutofit/>
-        </a:bodyPr>
-        <a:lstStyle/>
-        <a:p>
-          <a:pPr lvl="0" algn="ctr" defTabSz="800100">
-            <a:lnSpc>
-              <a:spcPct val="90000"/>
-            </a:lnSpc>
-            <a:spcBef>
-              <a:spcPct val="0"/>
-            </a:spcBef>
-            <a:spcAft>
-              <a:spcPct val="35000"/>
-            </a:spcAft>
-          </a:pPr>
-          <a:r>
-            <a:rPr lang="pt-BR" sz="1800" b="0" kern="1200" cap="none" spc="0" smtClean="0">
-              <a:ln w="0"/>
-              <a:effectLst>
-                <a:outerShdw blurRad="38100" dist="19050" dir="2700000" algn="tl" rotWithShape="0">
-                  <a:schemeClr val="dk1">
-                    <a:alpha val="40000"/>
-                  </a:schemeClr>
-                </a:outerShdw>
-              </a:effectLst>
-            </a:rPr>
-            <a:t>Administrativo</a:t>
-          </a:r>
-          <a:endParaRPr lang="pt-BR" sz="1800" b="0" kern="1200" cap="none" spc="0" dirty="0">
-            <a:ln w="0"/>
-            <a:effectLst>
-              <a:outerShdw blurRad="38100" dist="19050" dir="2700000" algn="tl" rotWithShape="0">
-                <a:schemeClr val="dk1">
-                  <a:alpha val="40000"/>
-                </a:schemeClr>
-              </a:outerShdw>
-            </a:effectLst>
-          </a:endParaRPr>
-        </a:p>
-      </dsp:txBody>
-      <dsp:txXfrm>
-        <a:off x="2989491" y="1202810"/>
-        <a:ext cx="1692919" cy="846459"/>
-      </dsp:txXfrm>
-    </dsp:sp>
-    <dsp:sp modelId="{31E7EFC8-9F5D-4040-9C2A-F9FBED120D90}">
-      <dsp:nvSpPr>
-        <dsp:cNvPr id="0" name=""/>
-        <dsp:cNvSpPr/>
-      </dsp:nvSpPr>
-      <dsp:spPr>
-        <a:xfrm>
-          <a:off x="3412721" y="2404783"/>
-          <a:ext cx="1692919" cy="846459"/>
-        </a:xfrm>
-        <a:prstGeom prst="rect">
-          <a:avLst/>
-        </a:prstGeom>
-        <a:solidFill>
-          <a:schemeClr val="accent6"/>
-        </a:solidFill>
-        <a:ln w="19050" cap="flat" cmpd="sng" algn="ctr">
-          <a:solidFill>
-            <a:schemeClr val="lt1"/>
-          </a:solidFill>
-          <a:prstDash val="solid"/>
-          <a:miter lim="800000"/>
-        </a:ln>
-        <a:effectLst/>
-      </dsp:spPr>
-      <dsp:style>
-        <a:lnRef idx="3">
-          <a:schemeClr val="lt1"/>
-        </a:lnRef>
-        <a:fillRef idx="1">
-          <a:schemeClr val="accent6"/>
-        </a:fillRef>
-        <a:effectRef idx="1">
-          <a:schemeClr val="accent6"/>
-        </a:effectRef>
-        <a:fontRef idx="minor">
-          <a:schemeClr val="lt1"/>
-        </a:fontRef>
-      </dsp:style>
-      <dsp:txBody>
-        <a:bodyPr spcFirstLastPara="0" vert="horz" wrap="square" lIns="11430" tIns="11430" rIns="11430" bIns="11430" numCol="1" spcCol="1270" anchor="ctr" anchorCtr="0">
-          <a:noAutofit/>
-        </a:bodyPr>
-        <a:lstStyle/>
-        <a:p>
-          <a:pPr lvl="0" algn="ctr" defTabSz="800100">
-            <a:lnSpc>
-              <a:spcPct val="90000"/>
-            </a:lnSpc>
-            <a:spcBef>
-              <a:spcPct val="0"/>
-            </a:spcBef>
-            <a:spcAft>
-              <a:spcPct val="35000"/>
-            </a:spcAft>
-          </a:pPr>
-          <a:r>
-            <a:rPr lang="pt-BR" sz="1800" b="0" kern="1200" cap="none" spc="0" smtClean="0">
-              <a:ln w="0"/>
-              <a:effectLst>
-                <a:outerShdw blurRad="38100" dist="19050" dir="2700000" algn="tl" rotWithShape="0">
-                  <a:schemeClr val="dk1">
-                    <a:alpha val="40000"/>
-                  </a:schemeClr>
-                </a:outerShdw>
-              </a:effectLst>
-            </a:rPr>
-            <a:t>Financeiro</a:t>
-          </a:r>
-          <a:endParaRPr lang="pt-BR" sz="1800" b="0" kern="1200" cap="none" spc="0" dirty="0">
-            <a:ln w="0"/>
-            <a:effectLst>
-              <a:outerShdw blurRad="38100" dist="19050" dir="2700000" algn="tl" rotWithShape="0">
-                <a:schemeClr val="dk1">
-                  <a:alpha val="40000"/>
-                </a:schemeClr>
-              </a:outerShdw>
-            </a:effectLst>
-          </a:endParaRPr>
-        </a:p>
-      </dsp:txBody>
-      <dsp:txXfrm>
-        <a:off x="3412721" y="2404783"/>
-        <a:ext cx="1692919" cy="846459"/>
-      </dsp:txXfrm>
-    </dsp:sp>
-    <dsp:sp modelId="{5D6E7692-0A68-48E5-AB54-6EE316AABFEE}">
-      <dsp:nvSpPr>
-        <dsp:cNvPr id="0" name=""/>
-        <dsp:cNvSpPr/>
-      </dsp:nvSpPr>
-      <dsp:spPr>
-        <a:xfrm>
-          <a:off x="3412721" y="3606756"/>
-          <a:ext cx="1692919" cy="846459"/>
-        </a:xfrm>
-        <a:prstGeom prst="rect">
-          <a:avLst/>
-        </a:prstGeom>
-        <a:solidFill>
-          <a:schemeClr val="accent6"/>
-        </a:solidFill>
-        <a:ln w="19050" cap="flat" cmpd="sng" algn="ctr">
-          <a:solidFill>
-            <a:schemeClr val="lt1"/>
-          </a:solidFill>
-          <a:prstDash val="solid"/>
-          <a:miter lim="800000"/>
-        </a:ln>
-        <a:effectLst/>
-      </dsp:spPr>
-      <dsp:style>
-        <a:lnRef idx="3">
-          <a:schemeClr val="lt1"/>
-        </a:lnRef>
-        <a:fillRef idx="1">
-          <a:schemeClr val="accent6"/>
-        </a:fillRef>
-        <a:effectRef idx="1">
-          <a:schemeClr val="accent6"/>
-        </a:effectRef>
-        <a:fontRef idx="minor">
-          <a:schemeClr val="lt1"/>
-        </a:fontRef>
-      </dsp:style>
-      <dsp:txBody>
-        <a:bodyPr spcFirstLastPara="0" vert="horz" wrap="square" lIns="11430" tIns="11430" rIns="11430" bIns="11430" numCol="1" spcCol="1270" anchor="ctr" anchorCtr="0">
-          <a:noAutofit/>
-        </a:bodyPr>
-        <a:lstStyle/>
-        <a:p>
-          <a:pPr lvl="0" algn="ctr" defTabSz="800100">
-            <a:lnSpc>
-              <a:spcPct val="90000"/>
-            </a:lnSpc>
-            <a:spcBef>
-              <a:spcPct val="0"/>
-            </a:spcBef>
-            <a:spcAft>
-              <a:spcPct val="35000"/>
-            </a:spcAft>
-          </a:pPr>
-          <a:r>
-            <a:rPr lang="pt-BR" sz="1800" b="0" kern="1200" cap="none" spc="0" smtClean="0">
-              <a:ln w="0"/>
-              <a:effectLst>
-                <a:outerShdw blurRad="38100" dist="19050" dir="2700000" algn="tl" rotWithShape="0">
-                  <a:schemeClr val="dk1">
-                    <a:alpha val="40000"/>
-                  </a:schemeClr>
-                </a:outerShdw>
-              </a:effectLst>
-            </a:rPr>
-            <a:t>Dept. Pessoal</a:t>
-          </a:r>
-          <a:endParaRPr lang="pt-BR" sz="1800" b="0" kern="1200" cap="none" spc="0" dirty="0">
-            <a:ln w="0"/>
-            <a:effectLst>
-              <a:outerShdw blurRad="38100" dist="19050" dir="2700000" algn="tl" rotWithShape="0">
-                <a:schemeClr val="dk1">
-                  <a:alpha val="40000"/>
-                </a:schemeClr>
-              </a:outerShdw>
-            </a:effectLst>
-          </a:endParaRPr>
-        </a:p>
-      </dsp:txBody>
-      <dsp:txXfrm>
-        <a:off x="3412721" y="3606756"/>
-        <a:ext cx="1692919" cy="846459"/>
-      </dsp:txXfrm>
-    </dsp:sp>
-    <dsp:sp modelId="{0FB1BBB8-BD66-49CC-93C7-C29DEBEFFF5D}">
-      <dsp:nvSpPr>
-        <dsp:cNvPr id="0" name=""/>
-        <dsp:cNvSpPr/>
-      </dsp:nvSpPr>
-      <dsp:spPr>
-        <a:xfrm>
-          <a:off x="5037925" y="1202810"/>
-          <a:ext cx="1692919" cy="846459"/>
-        </a:xfrm>
-        <a:prstGeom prst="rect">
-          <a:avLst/>
-        </a:prstGeom>
-        <a:solidFill>
-          <a:schemeClr val="accent2">
-            <a:hueOff val="0"/>
-            <a:satOff val="0"/>
-            <a:lumOff val="0"/>
-            <a:alphaOff val="0"/>
-          </a:schemeClr>
-        </a:solidFill>
-        <a:ln w="12700" cap="flat" cmpd="sng" algn="ctr">
-          <a:solidFill>
-            <a:schemeClr val="lt1">
-              <a:hueOff val="0"/>
-              <a:satOff val="0"/>
-              <a:lumOff val="0"/>
-              <a:alphaOff val="0"/>
-            </a:schemeClr>
-          </a:solidFill>
-          <a:prstDash val="solid"/>
-          <a:miter lim="800000"/>
-        </a:ln>
-        <a:effectLst/>
-      </dsp:spPr>
-      <dsp:style>
-        <a:lnRef idx="2">
-          <a:scrgbClr r="0" g="0" b="0"/>
-        </a:lnRef>
-        <a:fillRef idx="1">
-          <a:scrgbClr r="0" g="0" b="0"/>
-        </a:fillRef>
-        <a:effectRef idx="0">
-          <a:scrgbClr r="0" g="0" b="0"/>
-        </a:effectRef>
-        <a:fontRef idx="minor">
-          <a:schemeClr val="lt1"/>
-        </a:fontRef>
-      </dsp:style>
-      <dsp:txBody>
-        <a:bodyPr spcFirstLastPara="0" vert="horz" wrap="square" lIns="11430" tIns="11430" rIns="11430" bIns="11430" numCol="1" spcCol="1270" anchor="ctr" anchorCtr="0">
-          <a:noAutofit/>
-        </a:bodyPr>
-        <a:lstStyle/>
-        <a:p>
-          <a:pPr lvl="0" algn="ctr" defTabSz="800100">
-            <a:lnSpc>
-              <a:spcPct val="90000"/>
-            </a:lnSpc>
-            <a:spcBef>
-              <a:spcPct val="0"/>
-            </a:spcBef>
-            <a:spcAft>
-              <a:spcPct val="35000"/>
-            </a:spcAft>
-          </a:pPr>
-          <a:r>
-            <a:rPr lang="pt-BR" sz="1800" b="0" kern="1200" cap="none" spc="0" smtClean="0">
-              <a:ln w="0"/>
-              <a:effectLst>
-                <a:outerShdw blurRad="38100" dist="19050" dir="2700000" algn="tl" rotWithShape="0">
-                  <a:schemeClr val="dk1">
-                    <a:alpha val="40000"/>
-                  </a:schemeClr>
-                </a:outerShdw>
-              </a:effectLst>
-            </a:rPr>
-            <a:t>Comercial</a:t>
-          </a:r>
-          <a:endParaRPr lang="pt-BR" sz="1800" b="0" kern="1200" cap="none" spc="0" dirty="0">
-            <a:ln w="0"/>
-            <a:effectLst>
-              <a:outerShdw blurRad="38100" dist="19050" dir="2700000" algn="tl" rotWithShape="0">
-                <a:schemeClr val="dk1">
-                  <a:alpha val="40000"/>
-                </a:schemeClr>
-              </a:outerShdw>
-            </a:effectLst>
-          </a:endParaRPr>
-        </a:p>
-      </dsp:txBody>
-      <dsp:txXfrm>
-        <a:off x="5037925" y="1202810"/>
-        <a:ext cx="1692919" cy="846459"/>
-      </dsp:txXfrm>
-    </dsp:sp>
-    <dsp:sp modelId="{EB7B5A83-8289-4862-947E-1A62970683A1}">
-      <dsp:nvSpPr>
-        <dsp:cNvPr id="0" name=""/>
-        <dsp:cNvSpPr/>
-      </dsp:nvSpPr>
-      <dsp:spPr>
-        <a:xfrm>
-          <a:off x="5461155" y="2404783"/>
-          <a:ext cx="1692919" cy="846459"/>
-        </a:xfrm>
-        <a:prstGeom prst="rect">
-          <a:avLst/>
-        </a:prstGeom>
-        <a:solidFill>
-          <a:schemeClr val="accent6"/>
-        </a:solidFill>
-        <a:ln w="19050" cap="flat" cmpd="sng" algn="ctr">
-          <a:solidFill>
-            <a:schemeClr val="lt1"/>
-          </a:solidFill>
-          <a:prstDash val="solid"/>
-          <a:miter lim="800000"/>
-        </a:ln>
-        <a:effectLst/>
-      </dsp:spPr>
-      <dsp:style>
-        <a:lnRef idx="3">
-          <a:schemeClr val="lt1"/>
-        </a:lnRef>
-        <a:fillRef idx="1">
-          <a:schemeClr val="accent6"/>
-        </a:fillRef>
-        <a:effectRef idx="1">
-          <a:schemeClr val="accent6"/>
-        </a:effectRef>
-        <a:fontRef idx="minor">
-          <a:schemeClr val="lt1"/>
-        </a:fontRef>
-      </dsp:style>
-      <dsp:txBody>
-        <a:bodyPr spcFirstLastPara="0" vert="horz" wrap="square" lIns="11430" tIns="11430" rIns="11430" bIns="11430" numCol="1" spcCol="1270" anchor="ctr" anchorCtr="0">
-          <a:noAutofit/>
-        </a:bodyPr>
-        <a:lstStyle/>
-        <a:p>
-          <a:pPr lvl="0" algn="ctr" defTabSz="800100">
-            <a:lnSpc>
-              <a:spcPct val="90000"/>
-            </a:lnSpc>
-            <a:spcBef>
-              <a:spcPct val="0"/>
-            </a:spcBef>
-            <a:spcAft>
-              <a:spcPct val="35000"/>
-            </a:spcAft>
-          </a:pPr>
-          <a:r>
-            <a:rPr lang="pt-BR" sz="1800" b="0" kern="1200" cap="none" spc="0" smtClean="0">
-              <a:ln w="0"/>
-              <a:effectLst>
-                <a:outerShdw blurRad="38100" dist="19050" dir="2700000" algn="tl" rotWithShape="0">
-                  <a:schemeClr val="dk1">
-                    <a:alpha val="40000"/>
-                  </a:schemeClr>
-                </a:outerShdw>
-              </a:effectLst>
-            </a:rPr>
-            <a:t>Vendas</a:t>
-          </a:r>
-          <a:endParaRPr lang="pt-BR" sz="1800" b="0" kern="1200" cap="none" spc="0" dirty="0">
-            <a:ln w="0"/>
-            <a:effectLst>
-              <a:outerShdw blurRad="38100" dist="19050" dir="2700000" algn="tl" rotWithShape="0">
-                <a:schemeClr val="dk1">
-                  <a:alpha val="40000"/>
-                </a:schemeClr>
-              </a:outerShdw>
-            </a:effectLst>
-          </a:endParaRPr>
-        </a:p>
-      </dsp:txBody>
-      <dsp:txXfrm>
-        <a:off x="5461155" y="2404783"/>
-        <a:ext cx="1692919" cy="846459"/>
-      </dsp:txXfrm>
-    </dsp:sp>
-    <dsp:sp modelId="{CC4D7D39-8429-496E-B4FD-480863E9A786}">
-      <dsp:nvSpPr>
-        <dsp:cNvPr id="0" name=""/>
-        <dsp:cNvSpPr/>
-      </dsp:nvSpPr>
-      <dsp:spPr>
-        <a:xfrm>
-          <a:off x="5461155" y="3606756"/>
-          <a:ext cx="1692919" cy="846459"/>
-        </a:xfrm>
-        <a:prstGeom prst="rect">
-          <a:avLst/>
-        </a:prstGeom>
-        <a:solidFill>
-          <a:schemeClr val="accent6"/>
-        </a:solidFill>
-        <a:ln w="19050" cap="flat" cmpd="sng" algn="ctr">
-          <a:solidFill>
-            <a:schemeClr val="lt1"/>
-          </a:solidFill>
-          <a:prstDash val="solid"/>
-          <a:miter lim="800000"/>
-        </a:ln>
-        <a:effectLst/>
-      </dsp:spPr>
-      <dsp:style>
-        <a:lnRef idx="3">
-          <a:schemeClr val="lt1"/>
-        </a:lnRef>
-        <a:fillRef idx="1">
-          <a:schemeClr val="accent6"/>
-        </a:fillRef>
-        <a:effectRef idx="1">
-          <a:schemeClr val="accent6"/>
-        </a:effectRef>
-        <a:fontRef idx="minor">
-          <a:schemeClr val="lt1"/>
-        </a:fontRef>
-      </dsp:style>
-      <dsp:txBody>
-        <a:bodyPr spcFirstLastPara="0" vert="horz" wrap="square" lIns="11430" tIns="11430" rIns="11430" bIns="11430" numCol="1" spcCol="1270" anchor="ctr" anchorCtr="0">
-          <a:noAutofit/>
-        </a:bodyPr>
-        <a:lstStyle/>
-        <a:p>
-          <a:pPr lvl="0" algn="ctr" defTabSz="800100">
-            <a:lnSpc>
-              <a:spcPct val="90000"/>
-            </a:lnSpc>
-            <a:spcBef>
-              <a:spcPct val="0"/>
-            </a:spcBef>
-            <a:spcAft>
-              <a:spcPct val="35000"/>
-            </a:spcAft>
-          </a:pPr>
-          <a:r>
-            <a:rPr lang="pt-BR" sz="1800" b="0" kern="1200" cap="none" spc="0" smtClean="0">
-              <a:ln w="0"/>
-              <a:effectLst>
-                <a:outerShdw blurRad="38100" dist="19050" dir="2700000" algn="tl" rotWithShape="0">
-                  <a:schemeClr val="dk1">
-                    <a:alpha val="40000"/>
-                  </a:schemeClr>
-                </a:outerShdw>
-              </a:effectLst>
-            </a:rPr>
-            <a:t>Implantação</a:t>
-          </a:r>
-          <a:endParaRPr lang="pt-BR" sz="1800" b="0" kern="1200" cap="none" spc="0" dirty="0">
-            <a:ln w="0"/>
-            <a:effectLst>
-              <a:outerShdw blurRad="38100" dist="19050" dir="2700000" algn="tl" rotWithShape="0">
-                <a:schemeClr val="dk1">
-                  <a:alpha val="40000"/>
-                </a:schemeClr>
-              </a:outerShdw>
-            </a:effectLst>
-          </a:endParaRPr>
-        </a:p>
-      </dsp:txBody>
-      <dsp:txXfrm>
-        <a:off x="5461155" y="3606756"/>
-        <a:ext cx="1692919" cy="846459"/>
-      </dsp:txXfrm>
-    </dsp:sp>
-    <dsp:sp modelId="{1474400E-7E07-4D48-8205-22E8B2B73563}">
-      <dsp:nvSpPr>
-        <dsp:cNvPr id="0" name=""/>
-        <dsp:cNvSpPr/>
-      </dsp:nvSpPr>
-      <dsp:spPr>
-        <a:xfrm>
-          <a:off x="5461155" y="4808729"/>
-          <a:ext cx="1692919" cy="846459"/>
-        </a:xfrm>
-        <a:prstGeom prst="rect">
-          <a:avLst/>
-        </a:prstGeom>
-        <a:solidFill>
-          <a:schemeClr val="accent6"/>
-        </a:solidFill>
-        <a:ln w="19050" cap="flat" cmpd="sng" algn="ctr">
-          <a:solidFill>
-            <a:schemeClr val="lt1"/>
-          </a:solidFill>
-          <a:prstDash val="solid"/>
-          <a:miter lim="800000"/>
-        </a:ln>
-        <a:effectLst/>
-      </dsp:spPr>
-      <dsp:style>
-        <a:lnRef idx="3">
-          <a:schemeClr val="lt1"/>
-        </a:lnRef>
-        <a:fillRef idx="1">
-          <a:schemeClr val="accent6"/>
-        </a:fillRef>
-        <a:effectRef idx="1">
-          <a:schemeClr val="accent6"/>
-        </a:effectRef>
-        <a:fontRef idx="minor">
-          <a:schemeClr val="lt1"/>
-        </a:fontRef>
-      </dsp:style>
-      <dsp:txBody>
-        <a:bodyPr spcFirstLastPara="0" vert="horz" wrap="square" lIns="11430" tIns="11430" rIns="11430" bIns="11430" numCol="1" spcCol="1270" anchor="ctr" anchorCtr="0">
-          <a:noAutofit/>
-        </a:bodyPr>
-        <a:lstStyle/>
-        <a:p>
-          <a:pPr lvl="0" algn="ctr" defTabSz="800100">
-            <a:lnSpc>
-              <a:spcPct val="90000"/>
-            </a:lnSpc>
-            <a:spcBef>
-              <a:spcPct val="0"/>
-            </a:spcBef>
-            <a:spcAft>
-              <a:spcPct val="35000"/>
-            </a:spcAft>
-          </a:pPr>
-          <a:r>
-            <a:rPr lang="pt-BR" sz="1800" b="0" kern="1200" cap="none" spc="0" smtClean="0">
-              <a:ln w="0"/>
-              <a:effectLst>
-                <a:outerShdw blurRad="38100" dist="19050" dir="2700000" algn="tl" rotWithShape="0">
-                  <a:schemeClr val="dk1">
-                    <a:alpha val="40000"/>
-                  </a:schemeClr>
-                </a:outerShdw>
-              </a:effectLst>
-            </a:rPr>
-            <a:t>Suporte</a:t>
-          </a:r>
-          <a:endParaRPr lang="pt-BR" sz="1800" b="0" kern="1200" cap="none" spc="0" dirty="0">
-            <a:ln w="0"/>
-            <a:effectLst>
-              <a:outerShdw blurRad="38100" dist="19050" dir="2700000" algn="tl" rotWithShape="0">
-                <a:schemeClr val="dk1">
-                  <a:alpha val="40000"/>
-                </a:schemeClr>
-              </a:outerShdw>
-            </a:effectLst>
-          </a:endParaRPr>
-        </a:p>
-      </dsp:txBody>
-      <dsp:txXfrm>
-        <a:off x="5461155" y="4808729"/>
-        <a:ext cx="1692919" cy="846459"/>
-      </dsp:txXfrm>
-    </dsp:sp>
-    <dsp:sp modelId="{FEB26FEA-F46B-46FB-AACF-6EBE645E92E7}">
-      <dsp:nvSpPr>
-        <dsp:cNvPr id="0" name=""/>
-        <dsp:cNvSpPr/>
-      </dsp:nvSpPr>
-      <dsp:spPr>
-        <a:xfrm>
-          <a:off x="5461155" y="6010702"/>
-          <a:ext cx="1692919" cy="846459"/>
-        </a:xfrm>
-        <a:prstGeom prst="rect">
-          <a:avLst/>
-        </a:prstGeom>
-        <a:solidFill>
-          <a:schemeClr val="accent6"/>
-        </a:solidFill>
-        <a:ln w="19050" cap="flat" cmpd="sng" algn="ctr">
-          <a:solidFill>
-            <a:schemeClr val="lt1"/>
-          </a:solidFill>
-          <a:prstDash val="solid"/>
-          <a:miter lim="800000"/>
-        </a:ln>
-        <a:effectLst/>
-      </dsp:spPr>
-      <dsp:style>
-        <a:lnRef idx="3">
-          <a:schemeClr val="lt1"/>
-        </a:lnRef>
-        <a:fillRef idx="1">
-          <a:schemeClr val="accent6"/>
-        </a:fillRef>
-        <a:effectRef idx="1">
-          <a:schemeClr val="accent6"/>
-        </a:effectRef>
-        <a:fontRef idx="minor">
-          <a:schemeClr val="lt1"/>
-        </a:fontRef>
-      </dsp:style>
-      <dsp:txBody>
-        <a:bodyPr spcFirstLastPara="0" vert="horz" wrap="square" lIns="11430" tIns="11430" rIns="11430" bIns="11430" numCol="1" spcCol="1270" anchor="ctr" anchorCtr="0">
-          <a:noAutofit/>
-        </a:bodyPr>
-        <a:lstStyle/>
-        <a:p>
-          <a:pPr lvl="0" algn="ctr" defTabSz="800100">
-            <a:lnSpc>
-              <a:spcPct val="90000"/>
-            </a:lnSpc>
-            <a:spcBef>
-              <a:spcPct val="0"/>
-            </a:spcBef>
-            <a:spcAft>
-              <a:spcPct val="35000"/>
-            </a:spcAft>
-          </a:pPr>
-          <a:r>
-            <a:rPr lang="pt-BR" sz="1800" b="0" kern="1200" cap="none" spc="0" smtClean="0">
-              <a:ln w="0"/>
-              <a:effectLst>
-                <a:outerShdw blurRad="38100" dist="19050" dir="2700000" algn="tl" rotWithShape="0">
-                  <a:schemeClr val="dk1">
-                    <a:alpha val="40000"/>
-                  </a:schemeClr>
-                </a:outerShdw>
-              </a:effectLst>
-            </a:rPr>
-            <a:t>Consultoria</a:t>
-          </a:r>
-          <a:endParaRPr lang="pt-BR" sz="1800" b="0" kern="1200" cap="none" spc="0" dirty="0">
-            <a:ln w="0"/>
-            <a:effectLst>
-              <a:outerShdw blurRad="38100" dist="19050" dir="2700000" algn="tl" rotWithShape="0">
-                <a:schemeClr val="dk1">
-                  <a:alpha val="40000"/>
-                </a:schemeClr>
-              </a:outerShdw>
-            </a:effectLst>
-          </a:endParaRPr>
-        </a:p>
-      </dsp:txBody>
-      <dsp:txXfrm>
-        <a:off x="5461155" y="6010702"/>
-        <a:ext cx="1692919" cy="846459"/>
-      </dsp:txXfrm>
-    </dsp:sp>
-    <dsp:sp modelId="{FF3748F9-5879-420C-BD8B-B48219F6D84A}">
-      <dsp:nvSpPr>
-        <dsp:cNvPr id="0" name=""/>
-        <dsp:cNvSpPr/>
-      </dsp:nvSpPr>
-      <dsp:spPr>
-        <a:xfrm>
-          <a:off x="7086358" y="1202810"/>
-          <a:ext cx="1692919" cy="846459"/>
-        </a:xfrm>
-        <a:prstGeom prst="rect">
-          <a:avLst/>
-        </a:prstGeom>
-        <a:solidFill>
-          <a:schemeClr val="accent2">
-            <a:hueOff val="0"/>
-            <a:satOff val="0"/>
-            <a:lumOff val="0"/>
-            <a:alphaOff val="0"/>
-          </a:schemeClr>
-        </a:solidFill>
-        <a:ln w="12700" cap="flat" cmpd="sng" algn="ctr">
-          <a:solidFill>
-            <a:schemeClr val="lt1">
-              <a:hueOff val="0"/>
-              <a:satOff val="0"/>
-              <a:lumOff val="0"/>
-              <a:alphaOff val="0"/>
-            </a:schemeClr>
-          </a:solidFill>
-          <a:prstDash val="solid"/>
-          <a:miter lim="800000"/>
-        </a:ln>
-        <a:effectLst/>
-      </dsp:spPr>
-      <dsp:style>
-        <a:lnRef idx="2">
-          <a:scrgbClr r="0" g="0" b="0"/>
-        </a:lnRef>
-        <a:fillRef idx="1">
-          <a:scrgbClr r="0" g="0" b="0"/>
-        </a:fillRef>
-        <a:effectRef idx="0">
-          <a:scrgbClr r="0" g="0" b="0"/>
-        </a:effectRef>
-        <a:fontRef idx="minor">
-          <a:schemeClr val="lt1"/>
-        </a:fontRef>
-      </dsp:style>
-      <dsp:txBody>
-        <a:bodyPr spcFirstLastPara="0" vert="horz" wrap="square" lIns="11430" tIns="11430" rIns="11430" bIns="11430" numCol="1" spcCol="1270" anchor="ctr" anchorCtr="0">
-          <a:noAutofit/>
-        </a:bodyPr>
-        <a:lstStyle/>
-        <a:p>
-          <a:pPr lvl="0" algn="ctr" defTabSz="800100">
-            <a:lnSpc>
-              <a:spcPct val="90000"/>
-            </a:lnSpc>
-            <a:spcBef>
-              <a:spcPct val="0"/>
-            </a:spcBef>
-            <a:spcAft>
-              <a:spcPct val="35000"/>
-            </a:spcAft>
-          </a:pPr>
-          <a:r>
-            <a:rPr lang="pt-BR" sz="1800" b="0" kern="1200" cap="none" spc="0" smtClean="0">
-              <a:ln w="0"/>
-              <a:effectLst>
-                <a:outerShdw blurRad="38100" dist="19050" dir="2700000" algn="tl" rotWithShape="0">
-                  <a:schemeClr val="dk1">
-                    <a:alpha val="40000"/>
-                  </a:schemeClr>
-                </a:outerShdw>
-              </a:effectLst>
-            </a:rPr>
-            <a:t>Engenharia de projetos</a:t>
-          </a:r>
-          <a:endParaRPr lang="pt-BR" sz="1800" b="0" kern="1200" cap="none" spc="0" dirty="0">
-            <a:ln w="0"/>
-            <a:effectLst>
-              <a:outerShdw blurRad="38100" dist="19050" dir="2700000" algn="tl" rotWithShape="0">
-                <a:schemeClr val="dk1">
-                  <a:alpha val="40000"/>
-                </a:schemeClr>
-              </a:outerShdw>
-            </a:effectLst>
-          </a:endParaRPr>
-        </a:p>
-      </dsp:txBody>
-      <dsp:txXfrm>
-        <a:off x="7086358" y="1202810"/>
-        <a:ext cx="1692919" cy="846459"/>
-      </dsp:txXfrm>
-    </dsp:sp>
-    <dsp:sp modelId="{B8AFF7D3-76AA-47F4-8C1C-6866993171FD}">
-      <dsp:nvSpPr>
-        <dsp:cNvPr id="0" name=""/>
-        <dsp:cNvSpPr/>
-      </dsp:nvSpPr>
-      <dsp:spPr>
-        <a:xfrm>
-          <a:off x="7509588" y="2404783"/>
-          <a:ext cx="1692919" cy="846459"/>
-        </a:xfrm>
-        <a:prstGeom prst="rect">
-          <a:avLst/>
-        </a:prstGeom>
-        <a:solidFill>
-          <a:schemeClr val="accent6"/>
-        </a:solidFill>
-        <a:ln w="19050" cap="flat" cmpd="sng" algn="ctr">
-          <a:solidFill>
-            <a:schemeClr val="lt1"/>
-          </a:solidFill>
-          <a:prstDash val="solid"/>
-          <a:miter lim="800000"/>
-        </a:ln>
-        <a:effectLst/>
-      </dsp:spPr>
-      <dsp:style>
-        <a:lnRef idx="3">
-          <a:schemeClr val="lt1"/>
-        </a:lnRef>
-        <a:fillRef idx="1">
-          <a:schemeClr val="accent6"/>
-        </a:fillRef>
-        <a:effectRef idx="1">
-          <a:schemeClr val="accent6"/>
-        </a:effectRef>
-        <a:fontRef idx="minor">
-          <a:schemeClr val="lt1"/>
-        </a:fontRef>
-      </dsp:style>
-      <dsp:txBody>
-        <a:bodyPr spcFirstLastPara="0" vert="horz" wrap="square" lIns="11430" tIns="11430" rIns="11430" bIns="11430" numCol="1" spcCol="1270" anchor="ctr" anchorCtr="0">
-          <a:noAutofit/>
-        </a:bodyPr>
-        <a:lstStyle/>
-        <a:p>
-          <a:pPr lvl="0" algn="ctr" defTabSz="800100">
-            <a:lnSpc>
-              <a:spcPct val="90000"/>
-            </a:lnSpc>
-            <a:spcBef>
-              <a:spcPct val="0"/>
-            </a:spcBef>
-            <a:spcAft>
-              <a:spcPct val="35000"/>
-            </a:spcAft>
-          </a:pPr>
-          <a:r>
-            <a:rPr lang="pt-BR" sz="1800" b="0" kern="1200" cap="none" spc="0" smtClean="0">
-              <a:ln w="0"/>
-              <a:effectLst>
-                <a:outerShdw blurRad="38100" dist="19050" dir="2700000" algn="tl" rotWithShape="0">
-                  <a:schemeClr val="dk1">
-                    <a:alpha val="40000"/>
-                  </a:schemeClr>
-                </a:outerShdw>
-              </a:effectLst>
-            </a:rPr>
-            <a:t>Análise de sistemas</a:t>
-          </a:r>
-          <a:endParaRPr lang="pt-BR" sz="1800" b="0" kern="1200" cap="none" spc="0" dirty="0">
-            <a:ln w="0"/>
-            <a:effectLst>
-              <a:outerShdw blurRad="38100" dist="19050" dir="2700000" algn="tl" rotWithShape="0">
-                <a:schemeClr val="dk1">
-                  <a:alpha val="40000"/>
-                </a:schemeClr>
-              </a:outerShdw>
-            </a:effectLst>
-          </a:endParaRPr>
-        </a:p>
-      </dsp:txBody>
-      <dsp:txXfrm>
-        <a:off x="7509588" y="2404783"/>
-        <a:ext cx="1692919" cy="846459"/>
-      </dsp:txXfrm>
-    </dsp:sp>
-    <dsp:sp modelId="{7B5B87D3-9375-4544-8BB0-F543E8659AED}">
-      <dsp:nvSpPr>
-        <dsp:cNvPr id="0" name=""/>
-        <dsp:cNvSpPr/>
-      </dsp:nvSpPr>
-      <dsp:spPr>
-        <a:xfrm>
-          <a:off x="7509588" y="3606756"/>
-          <a:ext cx="1692919" cy="846459"/>
-        </a:xfrm>
-        <a:prstGeom prst="rect">
-          <a:avLst/>
-        </a:prstGeom>
-        <a:solidFill>
-          <a:schemeClr val="accent6"/>
-        </a:solidFill>
-        <a:ln w="19050" cap="flat" cmpd="sng" algn="ctr">
-          <a:solidFill>
-            <a:schemeClr val="lt1"/>
-          </a:solidFill>
-          <a:prstDash val="solid"/>
-          <a:miter lim="800000"/>
-        </a:ln>
-        <a:effectLst/>
-      </dsp:spPr>
-      <dsp:style>
-        <a:lnRef idx="3">
-          <a:schemeClr val="lt1"/>
-        </a:lnRef>
-        <a:fillRef idx="1">
-          <a:schemeClr val="accent6"/>
-        </a:fillRef>
-        <a:effectRef idx="1">
-          <a:schemeClr val="accent6"/>
-        </a:effectRef>
-        <a:fontRef idx="minor">
-          <a:schemeClr val="lt1"/>
-        </a:fontRef>
-      </dsp:style>
-      <dsp:txBody>
-        <a:bodyPr spcFirstLastPara="0" vert="horz" wrap="square" lIns="11430" tIns="11430" rIns="11430" bIns="11430" numCol="1" spcCol="1270" anchor="ctr" anchorCtr="0">
-          <a:noAutofit/>
-        </a:bodyPr>
-        <a:lstStyle/>
-        <a:p>
-          <a:pPr lvl="0" algn="ctr" defTabSz="800100">
-            <a:lnSpc>
-              <a:spcPct val="90000"/>
-            </a:lnSpc>
-            <a:spcBef>
-              <a:spcPct val="0"/>
-            </a:spcBef>
-            <a:spcAft>
-              <a:spcPct val="35000"/>
-            </a:spcAft>
-          </a:pPr>
-          <a:r>
-            <a:rPr lang="pt-BR" sz="1800" b="0" kern="1200" cap="none" spc="0" smtClean="0">
-              <a:ln w="0"/>
-              <a:effectLst>
-                <a:outerShdw blurRad="38100" dist="19050" dir="2700000" algn="tl" rotWithShape="0">
-                  <a:schemeClr val="dk1">
-                    <a:alpha val="40000"/>
-                  </a:schemeClr>
-                </a:outerShdw>
-              </a:effectLst>
-            </a:rPr>
-            <a:t>Desenvolvimento</a:t>
-          </a:r>
-          <a:endParaRPr lang="pt-BR" sz="1800" b="0" kern="1200" cap="none" spc="0" dirty="0">
-            <a:ln w="0"/>
-            <a:effectLst>
-              <a:outerShdw blurRad="38100" dist="19050" dir="2700000" algn="tl" rotWithShape="0">
-                <a:schemeClr val="dk1">
-                  <a:alpha val="40000"/>
-                </a:schemeClr>
-              </a:outerShdw>
-            </a:effectLst>
-          </a:endParaRPr>
-        </a:p>
-      </dsp:txBody>
-      <dsp:txXfrm>
-        <a:off x="7509588" y="3606756"/>
-        <a:ext cx="1692919" cy="846459"/>
-      </dsp:txXfrm>
-    </dsp:sp>
-    <dsp:sp modelId="{CD95A2CB-7376-4CE7-B100-722258A0827A}">
-      <dsp:nvSpPr>
-        <dsp:cNvPr id="0" name=""/>
-        <dsp:cNvSpPr/>
-      </dsp:nvSpPr>
-      <dsp:spPr>
-        <a:xfrm>
-          <a:off x="7509588" y="4808729"/>
-          <a:ext cx="1692919" cy="846459"/>
-        </a:xfrm>
-        <a:prstGeom prst="rect">
-          <a:avLst/>
-        </a:prstGeom>
-        <a:solidFill>
-          <a:schemeClr val="accent6"/>
-        </a:solidFill>
-        <a:ln w="19050" cap="flat" cmpd="sng" algn="ctr">
-          <a:solidFill>
-            <a:schemeClr val="lt1"/>
-          </a:solidFill>
-          <a:prstDash val="solid"/>
-          <a:miter lim="800000"/>
-        </a:ln>
-        <a:effectLst/>
-      </dsp:spPr>
-      <dsp:style>
-        <a:lnRef idx="3">
-          <a:schemeClr val="lt1"/>
-        </a:lnRef>
-        <a:fillRef idx="1">
-          <a:schemeClr val="accent6"/>
-        </a:fillRef>
-        <a:effectRef idx="1">
-          <a:schemeClr val="accent6"/>
-        </a:effectRef>
-        <a:fontRef idx="minor">
-          <a:schemeClr val="lt1"/>
-        </a:fontRef>
-      </dsp:style>
-      <dsp:txBody>
-        <a:bodyPr spcFirstLastPara="0" vert="horz" wrap="square" lIns="11430" tIns="11430" rIns="11430" bIns="11430" numCol="1" spcCol="1270" anchor="ctr" anchorCtr="0">
-          <a:noAutofit/>
-        </a:bodyPr>
-        <a:lstStyle/>
-        <a:p>
-          <a:pPr lvl="0" algn="ctr" defTabSz="800100">
-            <a:lnSpc>
-              <a:spcPct val="90000"/>
-            </a:lnSpc>
-            <a:spcBef>
-              <a:spcPct val="0"/>
-            </a:spcBef>
-            <a:spcAft>
-              <a:spcPct val="35000"/>
-            </a:spcAft>
-          </a:pPr>
-          <a:r>
-            <a:rPr lang="pt-BR" sz="1800" b="0" kern="1200" cap="none" spc="0" smtClean="0">
-              <a:ln w="0"/>
-              <a:effectLst>
-                <a:outerShdw blurRad="38100" dist="19050" dir="2700000" algn="tl" rotWithShape="0">
-                  <a:schemeClr val="dk1">
-                    <a:alpha val="40000"/>
-                  </a:schemeClr>
-                </a:outerShdw>
-              </a:effectLst>
-            </a:rPr>
-            <a:t>Homologação</a:t>
-          </a:r>
-          <a:endParaRPr lang="pt-BR" sz="1800" b="0" kern="1200" cap="none" spc="0" dirty="0">
-            <a:ln w="0"/>
-            <a:effectLst>
-              <a:outerShdw blurRad="38100" dist="19050" dir="2700000" algn="tl" rotWithShape="0">
-                <a:schemeClr val="dk1">
-                  <a:alpha val="40000"/>
-                </a:schemeClr>
-              </a:outerShdw>
-            </a:effectLst>
-          </a:endParaRPr>
-        </a:p>
-      </dsp:txBody>
-      <dsp:txXfrm>
-        <a:off x="7509588" y="4808729"/>
-        <a:ext cx="1692919" cy="846459"/>
-      </dsp:txXfrm>
-    </dsp:sp>
   </dsp:spTree>
 </dsp:drawing>
 </file>
@@ -33218,7 +29477,7 @@
           <a:p>
             <a:fld id="{EA83335A-46F0-4A70-B92E-9DDB60E060FB}" type="datetimeFigureOut">
               <a:rPr lang="pt-BR" smtClean="0"/>
-              <a:t>13/10/2014</a:t>
+              <a:t>23/10/2014</a:t>
             </a:fld>
             <a:endParaRPr lang="pt-BR"/>
           </a:p>
@@ -33388,7 +29647,7 @@
           <a:p>
             <a:fld id="{EA83335A-46F0-4A70-B92E-9DDB60E060FB}" type="datetimeFigureOut">
               <a:rPr lang="pt-BR" smtClean="0"/>
-              <a:t>13/10/2014</a:t>
+              <a:t>23/10/2014</a:t>
             </a:fld>
             <a:endParaRPr lang="pt-BR"/>
           </a:p>
@@ -33568,7 +29827,7 @@
           <a:p>
             <a:fld id="{EA83335A-46F0-4A70-B92E-9DDB60E060FB}" type="datetimeFigureOut">
               <a:rPr lang="pt-BR" smtClean="0"/>
-              <a:t>13/10/2014</a:t>
+              <a:t>23/10/2014</a:t>
             </a:fld>
             <a:endParaRPr lang="pt-BR"/>
           </a:p>
@@ -33738,7 +29997,7 @@
           <a:p>
             <a:fld id="{EA83335A-46F0-4A70-B92E-9DDB60E060FB}" type="datetimeFigureOut">
               <a:rPr lang="pt-BR" smtClean="0"/>
-              <a:t>13/10/2014</a:t>
+              <a:t>23/10/2014</a:t>
             </a:fld>
             <a:endParaRPr lang="pt-BR"/>
           </a:p>
@@ -33984,7 +30243,7 @@
           <a:p>
             <a:fld id="{EA83335A-46F0-4A70-B92E-9DDB60E060FB}" type="datetimeFigureOut">
               <a:rPr lang="pt-BR" smtClean="0"/>
-              <a:t>13/10/2014</a:t>
+              <a:t>23/10/2014</a:t>
             </a:fld>
             <a:endParaRPr lang="pt-BR"/>
           </a:p>
@@ -34216,7 +30475,7 @@
           <a:p>
             <a:fld id="{EA83335A-46F0-4A70-B92E-9DDB60E060FB}" type="datetimeFigureOut">
               <a:rPr lang="pt-BR" smtClean="0"/>
-              <a:t>13/10/2014</a:t>
+              <a:t>23/10/2014</a:t>
             </a:fld>
             <a:endParaRPr lang="pt-BR"/>
           </a:p>
@@ -34583,7 +30842,7 @@
           <a:p>
             <a:fld id="{EA83335A-46F0-4A70-B92E-9DDB60E060FB}" type="datetimeFigureOut">
               <a:rPr lang="pt-BR" smtClean="0"/>
-              <a:t>13/10/2014</a:t>
+              <a:t>23/10/2014</a:t>
             </a:fld>
             <a:endParaRPr lang="pt-BR"/>
           </a:p>
@@ -34701,7 +30960,7 @@
           <a:p>
             <a:fld id="{EA83335A-46F0-4A70-B92E-9DDB60E060FB}" type="datetimeFigureOut">
               <a:rPr lang="pt-BR" smtClean="0"/>
-              <a:t>13/10/2014</a:t>
+              <a:t>23/10/2014</a:t>
             </a:fld>
             <a:endParaRPr lang="pt-BR"/>
           </a:p>
@@ -34796,7 +31055,7 @@
           <a:p>
             <a:fld id="{EA83335A-46F0-4A70-B92E-9DDB60E060FB}" type="datetimeFigureOut">
               <a:rPr lang="pt-BR" smtClean="0"/>
-              <a:t>13/10/2014</a:t>
+              <a:t>23/10/2014</a:t>
             </a:fld>
             <a:endParaRPr lang="pt-BR"/>
           </a:p>
@@ -35073,7 +31332,7 @@
           <a:p>
             <a:fld id="{EA83335A-46F0-4A70-B92E-9DDB60E060FB}" type="datetimeFigureOut">
               <a:rPr lang="pt-BR" smtClean="0"/>
-              <a:t>13/10/2014</a:t>
+              <a:t>23/10/2014</a:t>
             </a:fld>
             <a:endParaRPr lang="pt-BR"/>
           </a:p>
@@ -35326,7 +31585,7 @@
           <a:p>
             <a:fld id="{EA83335A-46F0-4A70-B92E-9DDB60E060FB}" type="datetimeFigureOut">
               <a:rPr lang="pt-BR" smtClean="0"/>
-              <a:t>13/10/2014</a:t>
+              <a:t>23/10/2014</a:t>
             </a:fld>
             <a:endParaRPr lang="pt-BR"/>
           </a:p>
@@ -35539,7 +31798,7 @@
           <a:p>
             <a:fld id="{EA83335A-46F0-4A70-B92E-9DDB60E060FB}" type="datetimeFigureOut">
               <a:rPr lang="pt-BR" smtClean="0"/>
-              <a:t>13/10/2014</a:t>
+              <a:t>23/10/2014</a:t>
             </a:fld>
             <a:endParaRPr lang="pt-BR"/>
           </a:p>
@@ -36107,7 +32366,7 @@
           <p:nvPr>
             <p:extLst>
               <p:ext uri="{D42A27DB-BD31-4B8C-83A1-F6EECF244321}">
-                <p14:modId xmlns:p14="http://schemas.microsoft.com/office/powerpoint/2010/main" val="2507137944"/>
+                <p14:modId xmlns:p14="http://schemas.microsoft.com/office/powerpoint/2010/main" val="3066301965"/>
               </p:ext>
             </p:extLst>
           </p:nvPr>
